--- a/finalDocs/ppt.pptx
+++ b/finalDocs/ppt.pptx
@@ -6,19 +6,46 @@
   </p:sldMasterIdLst>
   <p:sldIdLst>
     <p:sldId id="256" r:id="rId2"/>
-    <p:sldId id="257" r:id="rId3"/>
-    <p:sldId id="258" r:id="rId4"/>
-    <p:sldId id="259" r:id="rId5"/>
-    <p:sldId id="260" r:id="rId6"/>
-    <p:sldId id="261" r:id="rId7"/>
-    <p:sldId id="263" r:id="rId8"/>
-    <p:sldId id="265" r:id="rId9"/>
-    <p:sldId id="262" r:id="rId10"/>
-    <p:sldId id="264" r:id="rId11"/>
-    <p:sldId id="266" r:id="rId12"/>
-    <p:sldId id="267" r:id="rId13"/>
-    <p:sldId id="268" r:id="rId14"/>
-    <p:sldId id="269" r:id="rId15"/>
+    <p:sldId id="295" r:id="rId3"/>
+    <p:sldId id="257" r:id="rId4"/>
+    <p:sldId id="258" r:id="rId5"/>
+    <p:sldId id="259" r:id="rId6"/>
+    <p:sldId id="260" r:id="rId7"/>
+    <p:sldId id="261" r:id="rId8"/>
+    <p:sldId id="263" r:id="rId9"/>
+    <p:sldId id="265" r:id="rId10"/>
+    <p:sldId id="262" r:id="rId11"/>
+    <p:sldId id="264" r:id="rId12"/>
+    <p:sldId id="266" r:id="rId13"/>
+    <p:sldId id="267" r:id="rId14"/>
+    <p:sldId id="268" r:id="rId15"/>
+    <p:sldId id="269" r:id="rId16"/>
+    <p:sldId id="270" r:id="rId17"/>
+    <p:sldId id="271" r:id="rId18"/>
+    <p:sldId id="272" r:id="rId19"/>
+    <p:sldId id="273" r:id="rId20"/>
+    <p:sldId id="274" r:id="rId21"/>
+    <p:sldId id="275" r:id="rId22"/>
+    <p:sldId id="276" r:id="rId23"/>
+    <p:sldId id="277" r:id="rId24"/>
+    <p:sldId id="278" r:id="rId25"/>
+    <p:sldId id="279" r:id="rId26"/>
+    <p:sldId id="280" r:id="rId27"/>
+    <p:sldId id="281" r:id="rId28"/>
+    <p:sldId id="282" r:id="rId29"/>
+    <p:sldId id="283" r:id="rId30"/>
+    <p:sldId id="293" r:id="rId31"/>
+    <p:sldId id="284" r:id="rId32"/>
+    <p:sldId id="285" r:id="rId33"/>
+    <p:sldId id="286" r:id="rId34"/>
+    <p:sldId id="287" r:id="rId35"/>
+    <p:sldId id="288" r:id="rId36"/>
+    <p:sldId id="289" r:id="rId37"/>
+    <p:sldId id="290" r:id="rId38"/>
+    <p:sldId id="291" r:id="rId39"/>
+    <p:sldId id="292" r:id="rId40"/>
+    <p:sldId id="294" r:id="rId41"/>
+    <p:sldId id="296" r:id="rId42"/>
   </p:sldIdLst>
   <p:sldSz cx="9144000" cy="5143500" type="screen16x9"/>
   <p:notesSz cx="6858000" cy="9144000"/>
@@ -301,7 +328,8 @@
           <a:p>
             <a:fld id="{C8D6A209-3C13-4EF9-AE0E-A78997FCAA4E}" type="datetimeFigureOut">
               <a:rPr lang="en-US" smtClean="0"/>
-              <a:t>5/10/2018</a:t>
+              <a:pPr/>
+              <a:t>5/12/2018</a:t>
             </a:fld>
             <a:endParaRPr lang="en-US"/>
           </a:p>
@@ -343,6 +371,7 @@
           <a:p>
             <a:fld id="{263936DE-9198-4684-947C-2F9B6CC6A75C}" type="slidenum">
               <a:rPr lang="en-US" smtClean="0"/>
+              <a:pPr/>
               <a:t>‹#›</a:t>
             </a:fld>
             <a:endParaRPr lang="en-US"/>
@@ -466,7 +495,8 @@
           <a:p>
             <a:fld id="{C8D6A209-3C13-4EF9-AE0E-A78997FCAA4E}" type="datetimeFigureOut">
               <a:rPr lang="en-US" smtClean="0"/>
-              <a:t>5/10/2018</a:t>
+              <a:pPr/>
+              <a:t>5/12/2018</a:t>
             </a:fld>
             <a:endParaRPr lang="en-US"/>
           </a:p>
@@ -508,6 +538,7 @@
           <a:p>
             <a:fld id="{263936DE-9198-4684-947C-2F9B6CC6A75C}" type="slidenum">
               <a:rPr lang="en-US" smtClean="0"/>
+              <a:pPr/>
               <a:t>‹#›</a:t>
             </a:fld>
             <a:endParaRPr lang="en-US"/>
@@ -641,7 +672,8 @@
           <a:p>
             <a:fld id="{C8D6A209-3C13-4EF9-AE0E-A78997FCAA4E}" type="datetimeFigureOut">
               <a:rPr lang="en-US" smtClean="0"/>
-              <a:t>5/10/2018</a:t>
+              <a:pPr/>
+              <a:t>5/12/2018</a:t>
             </a:fld>
             <a:endParaRPr lang="en-US"/>
           </a:p>
@@ -683,6 +715,7 @@
           <a:p>
             <a:fld id="{263936DE-9198-4684-947C-2F9B6CC6A75C}" type="slidenum">
               <a:rPr lang="en-US" smtClean="0"/>
+              <a:pPr/>
               <a:t>‹#›</a:t>
             </a:fld>
             <a:endParaRPr lang="en-US"/>
@@ -806,7 +839,8 @@
           <a:p>
             <a:fld id="{C8D6A209-3C13-4EF9-AE0E-A78997FCAA4E}" type="datetimeFigureOut">
               <a:rPr lang="en-US" smtClean="0"/>
-              <a:t>5/10/2018</a:t>
+              <a:pPr/>
+              <a:t>5/12/2018</a:t>
             </a:fld>
             <a:endParaRPr lang="en-US"/>
           </a:p>
@@ -848,6 +882,7 @@
           <a:p>
             <a:fld id="{263936DE-9198-4684-947C-2F9B6CC6A75C}" type="slidenum">
               <a:rPr lang="en-US" smtClean="0"/>
+              <a:pPr/>
               <a:t>‹#›</a:t>
             </a:fld>
             <a:endParaRPr lang="en-US"/>
@@ -1047,7 +1082,8 @@
           <a:p>
             <a:fld id="{C8D6A209-3C13-4EF9-AE0E-A78997FCAA4E}" type="datetimeFigureOut">
               <a:rPr lang="en-US" smtClean="0"/>
-              <a:t>5/10/2018</a:t>
+              <a:pPr/>
+              <a:t>5/12/2018</a:t>
             </a:fld>
             <a:endParaRPr lang="en-US"/>
           </a:p>
@@ -1089,6 +1125,7 @@
           <a:p>
             <a:fld id="{263936DE-9198-4684-947C-2F9B6CC6A75C}" type="slidenum">
               <a:rPr lang="en-US" smtClean="0"/>
+              <a:pPr/>
               <a:t>‹#›</a:t>
             </a:fld>
             <a:endParaRPr lang="en-US"/>
@@ -1330,7 +1367,8 @@
           <a:p>
             <a:fld id="{C8D6A209-3C13-4EF9-AE0E-A78997FCAA4E}" type="datetimeFigureOut">
               <a:rPr lang="en-US" smtClean="0"/>
-              <a:t>5/10/2018</a:t>
+              <a:pPr/>
+              <a:t>5/12/2018</a:t>
             </a:fld>
             <a:endParaRPr lang="en-US"/>
           </a:p>
@@ -1372,6 +1410,7 @@
           <a:p>
             <a:fld id="{263936DE-9198-4684-947C-2F9B6CC6A75C}" type="slidenum">
               <a:rPr lang="en-US" smtClean="0"/>
+              <a:pPr/>
               <a:t>‹#›</a:t>
             </a:fld>
             <a:endParaRPr lang="en-US"/>
@@ -1752,7 +1791,8 @@
           <a:p>
             <a:fld id="{C8D6A209-3C13-4EF9-AE0E-A78997FCAA4E}" type="datetimeFigureOut">
               <a:rPr lang="en-US" smtClean="0"/>
-              <a:t>5/10/2018</a:t>
+              <a:pPr/>
+              <a:t>5/12/2018</a:t>
             </a:fld>
             <a:endParaRPr lang="en-US"/>
           </a:p>
@@ -1794,6 +1834,7 @@
           <a:p>
             <a:fld id="{263936DE-9198-4684-947C-2F9B6CC6A75C}" type="slidenum">
               <a:rPr lang="en-US" smtClean="0"/>
+              <a:pPr/>
               <a:t>‹#›</a:t>
             </a:fld>
             <a:endParaRPr lang="en-US"/>
@@ -1865,7 +1906,8 @@
           <a:p>
             <a:fld id="{C8D6A209-3C13-4EF9-AE0E-A78997FCAA4E}" type="datetimeFigureOut">
               <a:rPr lang="en-US" smtClean="0"/>
-              <a:t>5/10/2018</a:t>
+              <a:pPr/>
+              <a:t>5/12/2018</a:t>
             </a:fld>
             <a:endParaRPr lang="en-US"/>
           </a:p>
@@ -1907,6 +1949,7 @@
           <a:p>
             <a:fld id="{263936DE-9198-4684-947C-2F9B6CC6A75C}" type="slidenum">
               <a:rPr lang="en-US" smtClean="0"/>
+              <a:pPr/>
               <a:t>‹#›</a:t>
             </a:fld>
             <a:endParaRPr lang="en-US"/>
@@ -1955,7 +1998,8 @@
           <a:p>
             <a:fld id="{C8D6A209-3C13-4EF9-AE0E-A78997FCAA4E}" type="datetimeFigureOut">
               <a:rPr lang="en-US" smtClean="0"/>
-              <a:t>5/10/2018</a:t>
+              <a:pPr/>
+              <a:t>5/12/2018</a:t>
             </a:fld>
             <a:endParaRPr lang="en-US"/>
           </a:p>
@@ -1997,6 +2041,7 @@
           <a:p>
             <a:fld id="{263936DE-9198-4684-947C-2F9B6CC6A75C}" type="slidenum">
               <a:rPr lang="en-US" smtClean="0"/>
+              <a:pPr/>
               <a:t>‹#›</a:t>
             </a:fld>
             <a:endParaRPr lang="en-US"/>
@@ -2227,7 +2272,8 @@
           <a:p>
             <a:fld id="{C8D6A209-3C13-4EF9-AE0E-A78997FCAA4E}" type="datetimeFigureOut">
               <a:rPr lang="en-US" smtClean="0"/>
-              <a:t>5/10/2018</a:t>
+              <a:pPr/>
+              <a:t>5/12/2018</a:t>
             </a:fld>
             <a:endParaRPr lang="en-US"/>
           </a:p>
@@ -2269,6 +2315,7 @@
           <a:p>
             <a:fld id="{263936DE-9198-4684-947C-2F9B6CC6A75C}" type="slidenum">
               <a:rPr lang="en-US" smtClean="0"/>
+              <a:pPr/>
               <a:t>‹#›</a:t>
             </a:fld>
             <a:endParaRPr lang="en-US"/>
@@ -2475,7 +2522,8 @@
           <a:p>
             <a:fld id="{C8D6A209-3C13-4EF9-AE0E-A78997FCAA4E}" type="datetimeFigureOut">
               <a:rPr lang="en-US" smtClean="0"/>
-              <a:t>5/10/2018</a:t>
+              <a:pPr/>
+              <a:t>5/12/2018</a:t>
             </a:fld>
             <a:endParaRPr lang="en-US"/>
           </a:p>
@@ -2517,6 +2565,7 @@
           <a:p>
             <a:fld id="{263936DE-9198-4684-947C-2F9B6CC6A75C}" type="slidenum">
               <a:rPr lang="en-US" smtClean="0"/>
+              <a:pPr/>
               <a:t>‹#›</a:t>
             </a:fld>
             <a:endParaRPr lang="en-US"/>
@@ -2683,7 +2732,8 @@
           <a:p>
             <a:fld id="{C8D6A209-3C13-4EF9-AE0E-A78997FCAA4E}" type="datetimeFigureOut">
               <a:rPr lang="en-US" smtClean="0"/>
-              <a:t>5/10/2018</a:t>
+              <a:pPr/>
+              <a:t>5/12/2018</a:t>
             </a:fld>
             <a:endParaRPr lang="en-US"/>
           </a:p>
@@ -2761,6 +2811,7 @@
           <a:p>
             <a:fld id="{263936DE-9198-4684-947C-2F9B6CC6A75C}" type="slidenum">
               <a:rPr lang="en-US" smtClean="0"/>
+              <a:pPr/>
               <a:t>‹#›</a:t>
             </a:fld>
             <a:endParaRPr lang="en-US"/>
@@ -3183,57 +3234,122 @@
           <a:chExt cx="0" cy="0"/>
         </a:xfrm>
       </p:grpSpPr>
-      <p:pic>
-        <p:nvPicPr>
-          <p:cNvPr id="4" name="Picture 3" descr="gf_bn.png"/>
-          <p:cNvPicPr>
-            <a:picLocks noChangeAspect="1"/>
-          </p:cNvPicPr>
-          <p:nvPr/>
-        </p:nvPicPr>
-        <p:blipFill>
-          <a:blip r:embed="rId2" cstate="print"/>
-          <a:stretch>
-            <a:fillRect/>
-          </a:stretch>
-        </p:blipFill>
+      <p:sp>
+        <p:nvSpPr>
+          <p:cNvPr id="2" name="Title 1"/>
+          <p:cNvSpPr>
+            <a:spLocks noGrp="1"/>
+          </p:cNvSpPr>
+          <p:nvPr>
+            <p:ph type="title"/>
+          </p:nvPr>
+        </p:nvSpPr>
+        <p:spPr/>
+        <p:txBody>
+          <a:bodyPr>
+            <a:normAutofit/>
+          </a:bodyPr>
+          <a:lstStyle/>
+          <a:p>
+            <a:r>
+              <a:rPr lang="en-IN" sz="4000" spc="600" dirty="0" smtClean="0"/>
+              <a:t>BOOLEAN NETWORKS</a:t>
+            </a:r>
+            <a:endParaRPr lang="en-US" sz="4000" spc="600" dirty="0"/>
+          </a:p>
+        </p:txBody>
+      </p:sp>
+      <p:sp>
+        <p:nvSpPr>
+          <p:cNvPr id="3" name="Content Placeholder 2"/>
+          <p:cNvSpPr>
+            <a:spLocks noGrp="1"/>
+          </p:cNvSpPr>
+          <p:nvPr>
+            <p:ph idx="1"/>
+          </p:nvPr>
+        </p:nvSpPr>
         <p:spPr>
           <a:xfrm>
-            <a:off x="1571604" y="0"/>
-            <a:ext cx="2779603" cy="5143500"/>
-          </a:xfrm>
-          <a:prstGeom prst="rect">
-            <a:avLst/>
-          </a:prstGeom>
-        </p:spPr>
-      </p:pic>
-      <p:sp>
-        <p:nvSpPr>
-          <p:cNvPr id="5" name="TextBox 4"/>
-          <p:cNvSpPr txBox="1"/>
-          <p:nvPr/>
-        </p:nvSpPr>
-        <p:spPr>
-          <a:xfrm>
-            <a:off x="4572000" y="1357304"/>
-            <a:ext cx="3500462" cy="1569660"/>
-          </a:xfrm>
-          <a:prstGeom prst="rect">
-            <a:avLst/>
-          </a:prstGeom>
-          <a:noFill/>
-        </p:spPr>
-        <p:txBody>
-          <a:bodyPr wrap="square" rtlCol="0">
-            <a:spAutoFit/>
+            <a:off x="500034" y="1142990"/>
+            <a:ext cx="8229600" cy="3394472"/>
+          </a:xfrm>
+        </p:spPr>
+        <p:txBody>
+          <a:bodyPr>
+            <a:normAutofit lnSpcReduction="10000"/>
           </a:bodyPr>
           <a:lstStyle/>
           <a:p>
-            <a:r>
-              <a:rPr lang="en-IN" sz="2400" spc="300" dirty="0" smtClean="0"/>
-              <a:t>BOOLEAN NETWORK CONVERTED FROM GF SIGNALING PATHWAY </a:t>
-            </a:r>
-            <a:endParaRPr lang="en-US" sz="2400" spc="300" dirty="0"/>
+            <a:pPr>
+              <a:buFont typeface="Wingdings" pitchFamily="2" charset="2"/>
+              <a:buChar char="§"/>
+            </a:pPr>
+            <a:r>
+              <a:rPr lang="en-IN" sz="2800" dirty="0" smtClean="0"/>
+              <a:t>Converted from a signaling pathway</a:t>
+            </a:r>
+          </a:p>
+          <a:p>
+            <a:pPr>
+              <a:buFont typeface="Wingdings" pitchFamily="2" charset="2"/>
+              <a:buChar char="§"/>
+            </a:pPr>
+            <a:r>
+              <a:rPr lang="en-IN" sz="2800" dirty="0" smtClean="0"/>
+              <a:t>Consists of Boolean gates and nodes</a:t>
+            </a:r>
+          </a:p>
+          <a:p>
+            <a:pPr>
+              <a:buFont typeface="Wingdings" pitchFamily="2" charset="2"/>
+              <a:buChar char="§"/>
+            </a:pPr>
+            <a:r>
+              <a:rPr lang="en-IN" sz="2800" dirty="0" smtClean="0"/>
+              <a:t>Nodes represent proteins</a:t>
+            </a:r>
+          </a:p>
+          <a:p>
+            <a:pPr>
+              <a:buFont typeface="Wingdings" pitchFamily="2" charset="2"/>
+              <a:buChar char="§"/>
+            </a:pPr>
+            <a:r>
+              <a:rPr lang="en-IN" sz="2800" dirty="0" smtClean="0"/>
+              <a:t>Boolean gates represent Boolean interactions</a:t>
+            </a:r>
+          </a:p>
+          <a:p>
+            <a:pPr>
+              <a:buFont typeface="Wingdings" pitchFamily="2" charset="2"/>
+              <a:buChar char="§"/>
+            </a:pPr>
+            <a:r>
+              <a:rPr lang="en-IN" sz="2800" dirty="0" smtClean="0"/>
+              <a:t>Nodes hold values of 0 or 1</a:t>
+            </a:r>
+          </a:p>
+          <a:p>
+            <a:pPr lvl="1">
+              <a:buFont typeface="Wingdings" pitchFamily="2" charset="2"/>
+              <a:buChar char="§"/>
+            </a:pPr>
+            <a:r>
+              <a:rPr lang="en-IN" sz="2400" dirty="0" smtClean="0"/>
+              <a:t>0 – inactive protein</a:t>
+            </a:r>
+          </a:p>
+          <a:p>
+            <a:pPr lvl="1">
+              <a:buFont typeface="Wingdings" pitchFamily="2" charset="2"/>
+              <a:buChar char="§"/>
+            </a:pPr>
+            <a:r>
+              <a:rPr lang="en-IN" sz="2400" dirty="0" smtClean="0"/>
+              <a:t>1 – active protein</a:t>
+            </a:r>
+            <a:endParaRPr lang="en-US" sz="2400" dirty="0"/>
           </a:p>
         </p:txBody>
       </p:sp>
@@ -3269,51 +3385,57 @@
           <a:chExt cx="0" cy="0"/>
         </a:xfrm>
       </p:grpSpPr>
-      <p:sp>
-        <p:nvSpPr>
-          <p:cNvPr id="2" name="Title 1"/>
-          <p:cNvSpPr>
-            <a:spLocks noGrp="1"/>
-          </p:cNvSpPr>
-          <p:nvPr>
-            <p:ph type="title"/>
-          </p:nvPr>
-        </p:nvSpPr>
+      <p:pic>
+        <p:nvPicPr>
+          <p:cNvPr id="4" name="Picture 3" descr="gf_bn.png"/>
+          <p:cNvPicPr>
+            <a:picLocks noChangeAspect="1"/>
+          </p:cNvPicPr>
+          <p:nvPr/>
+        </p:nvPicPr>
+        <p:blipFill>
+          <a:blip r:embed="rId2" cstate="print"/>
+          <a:stretch>
+            <a:fillRect/>
+          </a:stretch>
+        </p:blipFill>
         <p:spPr>
           <a:xfrm>
-            <a:off x="500034" y="1071552"/>
-            <a:ext cx="8229600" cy="2714644"/>
-          </a:xfrm>
-        </p:spPr>
-        <p:txBody>
-          <a:bodyPr>
-            <a:normAutofit/>
+            <a:off x="1571604" y="0"/>
+            <a:ext cx="2779603" cy="5143500"/>
+          </a:xfrm>
+          <a:prstGeom prst="rect">
+            <a:avLst/>
+          </a:prstGeom>
+        </p:spPr>
+      </p:pic>
+      <p:sp>
+        <p:nvSpPr>
+          <p:cNvPr id="5" name="TextBox 4"/>
+          <p:cNvSpPr txBox="1"/>
+          <p:nvPr/>
+        </p:nvSpPr>
+        <p:spPr>
+          <a:xfrm>
+            <a:off x="4572000" y="1357304"/>
+            <a:ext cx="3500462" cy="1569660"/>
+          </a:xfrm>
+          <a:prstGeom prst="rect">
+            <a:avLst/>
+          </a:prstGeom>
+          <a:noFill/>
+        </p:spPr>
+        <p:txBody>
+          <a:bodyPr wrap="square" rtlCol="0">
+            <a:spAutoFit/>
           </a:bodyPr>
           <a:lstStyle/>
           <a:p>
             <a:r>
-              <a:rPr lang="en-IN" spc="600" dirty="0" smtClean="0"/>
-              <a:t>FAULTS</a:t>
-            </a:r>
-            <a:br>
-              <a:rPr lang="en-IN" spc="600" dirty="0" smtClean="0"/>
-            </a:br>
-            <a:r>
-              <a:rPr lang="en-IN" sz="2800" spc="600" dirty="0" smtClean="0"/>
-              <a:t>AND</a:t>
-            </a:r>
-            <a:r>
-              <a:rPr lang="en-IN" spc="600" dirty="0" smtClean="0"/>
-              <a:t/>
-            </a:r>
-            <a:br>
-              <a:rPr lang="en-IN" spc="600" dirty="0" smtClean="0"/>
-            </a:br>
-            <a:r>
-              <a:rPr lang="en-IN" spc="600" dirty="0" smtClean="0"/>
-              <a:t>DRUG THERAPY</a:t>
-            </a:r>
-            <a:endParaRPr lang="en-US" spc="600" dirty="0"/>
+              <a:rPr lang="en-IN" sz="2400" spc="300" dirty="0" smtClean="0"/>
+              <a:t>BOOLEAN NETWORK CONVERTED FROM GF SIGNALING PATHWAY </a:t>
+            </a:r>
+            <a:endParaRPr lang="en-US" sz="2400" spc="300" dirty="0"/>
           </a:p>
         </p:txBody>
       </p:sp>
@@ -3351,7 +3473,7 @@
       </p:grpSpPr>
       <p:sp>
         <p:nvSpPr>
-          <p:cNvPr id="3" name="Title 2"/>
+          <p:cNvPr id="2" name="Title 1"/>
           <p:cNvSpPr>
             <a:spLocks noGrp="1"/>
           </p:cNvSpPr>
@@ -3359,96 +3481,44 @@
             <p:ph type="title"/>
           </p:nvPr>
         </p:nvSpPr>
-        <p:spPr/>
-        <p:txBody>
-          <a:bodyPr/>
-          <a:lstStyle/>
-          <a:p>
-            <a:r>
-              <a:rPr lang="en-IN" spc="300" dirty="0" smtClean="0"/>
+        <p:spPr>
+          <a:xfrm>
+            <a:off x="500034" y="1071552"/>
+            <a:ext cx="8229600" cy="2714644"/>
+          </a:xfrm>
+        </p:spPr>
+        <p:txBody>
+          <a:bodyPr>
+            <a:normAutofit/>
+          </a:bodyPr>
+          <a:lstStyle/>
+          <a:p>
+            <a:r>
+              <a:rPr lang="en-IN" spc="600" dirty="0" smtClean="0"/>
               <a:t>FAULTS</a:t>
             </a:r>
-            <a:endParaRPr lang="en-US" spc="300" dirty="0"/>
-          </a:p>
-        </p:txBody>
-      </p:sp>
-      <p:sp>
-        <p:nvSpPr>
-          <p:cNvPr id="4" name="Content Placeholder 3"/>
-          <p:cNvSpPr>
-            <a:spLocks noGrp="1"/>
-          </p:cNvSpPr>
-          <p:nvPr>
-            <p:ph sz="half" idx="1"/>
-          </p:nvPr>
-        </p:nvSpPr>
-        <p:spPr>
-          <a:xfrm>
-            <a:off x="428596" y="1285866"/>
-            <a:ext cx="4038600" cy="3286148"/>
-          </a:xfrm>
-        </p:spPr>
-        <p:txBody>
-          <a:bodyPr>
-            <a:noAutofit/>
-          </a:bodyPr>
-          <a:lstStyle/>
-          <a:p>
-            <a:pPr>
-              <a:buFont typeface="Wingdings" pitchFamily="2" charset="2"/>
-              <a:buChar char="§"/>
-            </a:pPr>
-            <a:r>
-              <a:rPr lang="en-IN" dirty="0" smtClean="0"/>
-              <a:t>Malfunctions in the BN</a:t>
-            </a:r>
-          </a:p>
-          <a:p>
-            <a:pPr>
-              <a:buFont typeface="Wingdings" pitchFamily="2" charset="2"/>
-              <a:buChar char="§"/>
-            </a:pPr>
-            <a:r>
-              <a:rPr lang="en-IN" dirty="0" smtClean="0"/>
-              <a:t>Getting stuck to a state, or incorporation of new interactions</a:t>
-            </a:r>
-          </a:p>
-          <a:p>
-            <a:pPr>
-              <a:buFont typeface="Wingdings" pitchFamily="2" charset="2"/>
-              <a:buChar char="§"/>
-            </a:pPr>
-            <a:r>
-              <a:rPr lang="en-IN" dirty="0" smtClean="0"/>
-              <a:t>Faulty states reflect the states of nodes further down the network</a:t>
-            </a:r>
-            <a:endParaRPr lang="en-US" dirty="0"/>
-          </a:p>
-        </p:txBody>
-      </p:sp>
-      <p:pic>
-        <p:nvPicPr>
-          <p:cNvPr id="6" name="Content Placeholder 5" descr="fault.png"/>
-          <p:cNvPicPr>
-            <a:picLocks noGrp="1" noChangeAspect="1"/>
-          </p:cNvPicPr>
-          <p:nvPr>
-            <p:ph sz="half" idx="2"/>
-          </p:nvPr>
-        </p:nvPicPr>
-        <p:blipFill>
-          <a:blip r:embed="rId2"/>
-          <a:stretch>
-            <a:fillRect/>
-          </a:stretch>
-        </p:blipFill>
-        <p:spPr>
-          <a:xfrm>
-            <a:off x="5000628" y="1500180"/>
-            <a:ext cx="3723754" cy="2901960"/>
-          </a:xfrm>
-        </p:spPr>
-      </p:pic>
+            <a:br>
+              <a:rPr lang="en-IN" spc="600" dirty="0" smtClean="0"/>
+            </a:br>
+            <a:r>
+              <a:rPr lang="en-IN" sz="2800" spc="600" dirty="0" smtClean="0"/>
+              <a:t>AND</a:t>
+            </a:r>
+            <a:r>
+              <a:rPr lang="en-IN" spc="600" dirty="0" smtClean="0"/>
+              <a:t/>
+            </a:r>
+            <a:br>
+              <a:rPr lang="en-IN" spc="600" dirty="0" smtClean="0"/>
+            </a:br>
+            <a:r>
+              <a:rPr lang="en-IN" spc="600" dirty="0" smtClean="0"/>
+              <a:t>DRUG THERAPY</a:t>
+            </a:r>
+            <a:endParaRPr lang="en-US" spc="600" dirty="0"/>
+          </a:p>
+        </p:txBody>
+      </p:sp>
     </p:spTree>
   </p:cSld>
   <p:clrMapOvr>
@@ -3483,7 +3553,7 @@
       </p:grpSpPr>
       <p:sp>
         <p:nvSpPr>
-          <p:cNvPr id="2" name="Title 1"/>
+          <p:cNvPr id="3" name="Title 2"/>
           <p:cNvSpPr>
             <a:spLocks noGrp="1"/>
           </p:cNvSpPr>
@@ -3493,25 +3563,81 @@
         </p:nvSpPr>
         <p:spPr/>
         <p:txBody>
-          <a:bodyPr/>
-          <a:lstStyle/>
-          <a:p>
-            <a:r>
-              <a:rPr lang="en-IN" spc="300" dirty="0" smtClean="0"/>
-              <a:t>DRUG THERAPY</a:t>
-            </a:r>
-            <a:endParaRPr lang="en-US" spc="300" dirty="0"/>
+          <a:bodyPr>
+            <a:normAutofit/>
+          </a:bodyPr>
+          <a:lstStyle/>
+          <a:p>
+            <a:r>
+              <a:rPr lang="en-IN" sz="4000" spc="300" dirty="0" smtClean="0"/>
+              <a:t>FAULTS</a:t>
+            </a:r>
+            <a:endParaRPr lang="en-US" sz="4000" spc="300" dirty="0"/>
+          </a:p>
+        </p:txBody>
+      </p:sp>
+      <p:sp>
+        <p:nvSpPr>
+          <p:cNvPr id="4" name="Content Placeholder 3"/>
+          <p:cNvSpPr>
+            <a:spLocks noGrp="1"/>
+          </p:cNvSpPr>
+          <p:nvPr>
+            <p:ph sz="half" idx="1"/>
+          </p:nvPr>
+        </p:nvSpPr>
+        <p:spPr>
+          <a:xfrm>
+            <a:off x="428596" y="1285866"/>
+            <a:ext cx="4038600" cy="3286148"/>
+          </a:xfrm>
+        </p:spPr>
+        <p:txBody>
+          <a:bodyPr>
+            <a:noAutofit/>
+          </a:bodyPr>
+          <a:lstStyle/>
+          <a:p>
+            <a:pPr>
+              <a:buFont typeface="Wingdings" pitchFamily="2" charset="2"/>
+              <a:buChar char="§"/>
+            </a:pPr>
+            <a:r>
+              <a:rPr lang="en-IN" dirty="0" smtClean="0"/>
+              <a:t>Malfunctions in the BN</a:t>
+            </a:r>
+          </a:p>
+          <a:p>
+            <a:pPr>
+              <a:buFont typeface="Wingdings" pitchFamily="2" charset="2"/>
+              <a:buChar char="§"/>
+            </a:pPr>
+            <a:r>
+              <a:rPr lang="en-IN" dirty="0" smtClean="0"/>
+              <a:t>Getting stuck to a state, or incorporation of new interactions</a:t>
+            </a:r>
+          </a:p>
+          <a:p>
+            <a:pPr>
+              <a:buFont typeface="Wingdings" pitchFamily="2" charset="2"/>
+              <a:buChar char="§"/>
+            </a:pPr>
+            <a:r>
+              <a:rPr lang="en-IN" dirty="0" smtClean="0"/>
+              <a:t>Faulty states reflect the states of nodes further down the network</a:t>
+            </a:r>
+            <a:endParaRPr lang="en-US" dirty="0"/>
           </a:p>
         </p:txBody>
       </p:sp>
       <p:pic>
         <p:nvPicPr>
-          <p:cNvPr id="5" name="Content Placeholder 4" descr="drug.png"/>
+          <p:cNvPr id="6" name="Content Placeholder 5" descr="fault.png"/>
           <p:cNvPicPr>
             <a:picLocks noGrp="1" noChangeAspect="1"/>
           </p:cNvPicPr>
           <p:nvPr>
-            <p:ph sz="half" idx="1"/>
+            <p:ph sz="half" idx="2"/>
           </p:nvPr>
         </p:nvPicPr>
         <p:blipFill>
@@ -3522,50 +3648,46 @@
         </p:blipFill>
         <p:spPr>
           <a:xfrm>
-            <a:off x="428625" y="1558307"/>
-            <a:ext cx="4038600" cy="2812699"/>
+            <a:off x="5000628" y="1500180"/>
+            <a:ext cx="3723754" cy="2901960"/>
           </a:xfrm>
         </p:spPr>
       </p:pic>
       <p:sp>
         <p:nvSpPr>
-          <p:cNvPr id="4" name="Content Placeholder 3"/>
-          <p:cNvSpPr>
-            <a:spLocks noGrp="1"/>
-          </p:cNvSpPr>
-          <p:nvPr>
-            <p:ph sz="half" idx="2"/>
-          </p:nvPr>
+          <p:cNvPr id="5" name="TextBox 4"/>
+          <p:cNvSpPr txBox="1"/>
+          <p:nvPr/>
         </p:nvSpPr>
         <p:spPr>
           <a:xfrm>
-            <a:off x="4643438" y="1428742"/>
-            <a:ext cx="4038600" cy="2928958"/>
-          </a:xfrm>
-        </p:spPr>
-        <p:txBody>
-          <a:bodyPr/>
-          <a:lstStyle/>
-          <a:p>
-            <a:pPr>
-              <a:buFont typeface="Wingdings" pitchFamily="2" charset="2"/>
-              <a:buChar char="§"/>
-            </a:pPr>
-            <a:r>
-              <a:rPr lang="en-IN" dirty="0" smtClean="0"/>
-              <a:t>Drug: substance that inhibits a protein</a:t>
-            </a:r>
-          </a:p>
-          <a:p>
-            <a:pPr>
-              <a:buFont typeface="Wingdings" pitchFamily="2" charset="2"/>
-              <a:buChar char="§"/>
-            </a:pPr>
-            <a:r>
-              <a:rPr lang="en-IN" dirty="0" smtClean="0"/>
-              <a:t>Stuck-at-1 and stuck-at-0 nodes both are inhibited</a:t>
-            </a:r>
-            <a:endParaRPr lang="en-US" dirty="0"/>
+            <a:off x="6286512" y="4500576"/>
+            <a:ext cx="1242391" cy="369332"/>
+          </a:xfrm>
+          <a:prstGeom prst="rect">
+            <a:avLst/>
+          </a:prstGeom>
+          <a:noFill/>
+        </p:spPr>
+        <p:txBody>
+          <a:bodyPr wrap="none" rtlCol="0">
+            <a:spAutoFit/>
+          </a:bodyPr>
+          <a:lstStyle/>
+          <a:p>
+            <a:r>
+              <a:rPr lang="en-IN" spc="300" dirty="0" smtClean="0"/>
+              <a:t>(</a:t>
+            </a:r>
+            <a:r>
+              <a:rPr lang="en-IN" i="1" spc="300" dirty="0" smtClean="0"/>
+              <a:t>ref [1]</a:t>
+            </a:r>
+            <a:r>
+              <a:rPr lang="en-IN" spc="300" dirty="0" smtClean="0"/>
+              <a:t>)</a:t>
+            </a:r>
+            <a:endParaRPr lang="en-US" spc="300" dirty="0"/>
           </a:p>
         </p:txBody>
       </p:sp>
@@ -3613,37 +3735,60 @@
         </p:nvSpPr>
         <p:spPr/>
         <p:txBody>
-          <a:bodyPr/>
-          <a:lstStyle/>
-          <a:p>
-            <a:r>
-              <a:rPr lang="en-IN" spc="300" dirty="0" smtClean="0"/>
-              <a:t>GPU ACCELERATION</a:t>
-            </a:r>
-            <a:endParaRPr lang="en-US" spc="300" dirty="0"/>
-          </a:p>
-        </p:txBody>
-      </p:sp>
-      <p:sp>
-        <p:nvSpPr>
-          <p:cNvPr id="3" name="Content Placeholder 2"/>
-          <p:cNvSpPr>
-            <a:spLocks noGrp="1"/>
-          </p:cNvSpPr>
-          <p:nvPr>
-            <p:ph idx="1"/>
-          </p:nvPr>
-        </p:nvSpPr>
-        <p:spPr>
-          <a:xfrm>
-            <a:off x="500034" y="1214428"/>
-            <a:ext cx="8229600" cy="3394472"/>
-          </a:xfrm>
-        </p:spPr>
-        <p:txBody>
           <a:bodyPr>
             <a:normAutofit/>
           </a:bodyPr>
+          <a:lstStyle/>
+          <a:p>
+            <a:r>
+              <a:rPr lang="en-IN" sz="4000" spc="300" dirty="0" smtClean="0"/>
+              <a:t>DRUG THERAPY</a:t>
+            </a:r>
+            <a:endParaRPr lang="en-US" sz="4000" spc="300" dirty="0"/>
+          </a:p>
+        </p:txBody>
+      </p:sp>
+      <p:pic>
+        <p:nvPicPr>
+          <p:cNvPr id="5" name="Content Placeholder 4" descr="drug.png"/>
+          <p:cNvPicPr>
+            <a:picLocks noGrp="1" noChangeAspect="1"/>
+          </p:cNvPicPr>
+          <p:nvPr>
+            <p:ph sz="half" idx="1"/>
+          </p:nvPr>
+        </p:nvPicPr>
+        <p:blipFill>
+          <a:blip r:embed="rId2"/>
+          <a:stretch>
+            <a:fillRect/>
+          </a:stretch>
+        </p:blipFill>
+        <p:spPr>
+          <a:xfrm>
+            <a:off x="428625" y="1558307"/>
+            <a:ext cx="4038600" cy="2812699"/>
+          </a:xfrm>
+        </p:spPr>
+      </p:pic>
+      <p:sp>
+        <p:nvSpPr>
+          <p:cNvPr id="4" name="Content Placeholder 3"/>
+          <p:cNvSpPr>
+            <a:spLocks noGrp="1"/>
+          </p:cNvSpPr>
+          <p:nvPr>
+            <p:ph sz="half" idx="2"/>
+          </p:nvPr>
+        </p:nvSpPr>
+        <p:spPr>
+          <a:xfrm>
+            <a:off x="4643438" y="1428742"/>
+            <a:ext cx="4038600" cy="2928958"/>
+          </a:xfrm>
+        </p:spPr>
+        <p:txBody>
+          <a:bodyPr/>
           <a:lstStyle/>
           <a:p>
             <a:pPr>
@@ -3651,8 +3796,8 @@
               <a:buChar char="§"/>
             </a:pPr>
             <a:r>
-              <a:rPr lang="en-IN" sz="2800" dirty="0" smtClean="0"/>
-              <a:t>Multiple fault modeling takes hours</a:t>
+              <a:rPr lang="en-IN" dirty="0" smtClean="0"/>
+              <a:t>Drug: substance that inhibits a protein</a:t>
             </a:r>
           </a:p>
           <a:p>
@@ -3661,10 +3806,129 @@
               <a:buChar char="§"/>
             </a:pPr>
             <a:r>
-              <a:rPr lang="en-IN" sz="2800" dirty="0" smtClean="0"/>
-              <a:t>CPU provides a few parallel threads</a:t>
-            </a:r>
-          </a:p>
+              <a:rPr lang="en-IN" dirty="0" smtClean="0"/>
+              <a:t>Stuck-at-1 and stuck-at-0 nodes both are inhibited</a:t>
+            </a:r>
+            <a:endParaRPr lang="en-US" dirty="0"/>
+          </a:p>
+        </p:txBody>
+      </p:sp>
+      <p:sp>
+        <p:nvSpPr>
+          <p:cNvPr id="6" name="TextBox 5"/>
+          <p:cNvSpPr txBox="1"/>
+          <p:nvPr/>
+        </p:nvSpPr>
+        <p:spPr>
+          <a:xfrm>
+            <a:off x="1857356" y="4500576"/>
+            <a:ext cx="1242391" cy="369332"/>
+          </a:xfrm>
+          <a:prstGeom prst="rect">
+            <a:avLst/>
+          </a:prstGeom>
+          <a:noFill/>
+        </p:spPr>
+        <p:txBody>
+          <a:bodyPr wrap="none" rtlCol="0">
+            <a:spAutoFit/>
+          </a:bodyPr>
+          <a:lstStyle/>
+          <a:p>
+            <a:r>
+              <a:rPr lang="en-IN" spc="300" dirty="0" smtClean="0"/>
+              <a:t>(</a:t>
+            </a:r>
+            <a:r>
+              <a:rPr lang="en-IN" i="1" spc="300" dirty="0" smtClean="0"/>
+              <a:t>ref [1]</a:t>
+            </a:r>
+            <a:r>
+              <a:rPr lang="en-IN" spc="300" dirty="0" smtClean="0"/>
+              <a:t>)</a:t>
+            </a:r>
+            <a:endParaRPr lang="en-US" spc="300" dirty="0"/>
+          </a:p>
+        </p:txBody>
+      </p:sp>
+    </p:spTree>
+  </p:cSld>
+  <p:clrMapOvr>
+    <a:masterClrMapping/>
+  </p:clrMapOvr>
+  <p:timing>
+    <p:tnLst>
+      <p:par>
+        <p:cTn id="1" dur="indefinite" restart="never" nodeType="tmRoot"/>
+      </p:par>
+    </p:tnLst>
+  </p:timing>
+</p:sld>
+</file>
+
+<file path=ppt/slides/slide15.xml><?xml version="1.0" encoding="utf-8"?>
+<p:sld xmlns:a="http://schemas.openxmlformats.org/drawingml/2006/main" xmlns:r="http://schemas.openxmlformats.org/officeDocument/2006/relationships" xmlns:p="http://schemas.openxmlformats.org/presentationml/2006/main">
+  <p:cSld>
+    <p:spTree>
+      <p:nvGrpSpPr>
+        <p:cNvPr id="1" name=""/>
+        <p:cNvGrpSpPr/>
+        <p:nvPr/>
+      </p:nvGrpSpPr>
+      <p:grpSpPr>
+        <a:xfrm>
+          <a:off x="0" y="0"/>
+          <a:ext cx="0" cy="0"/>
+          <a:chOff x="0" y="0"/>
+          <a:chExt cx="0" cy="0"/>
+        </a:xfrm>
+      </p:grpSpPr>
+      <p:sp>
+        <p:nvSpPr>
+          <p:cNvPr id="2" name="Title 1"/>
+          <p:cNvSpPr>
+            <a:spLocks noGrp="1"/>
+          </p:cNvSpPr>
+          <p:nvPr>
+            <p:ph type="title"/>
+          </p:nvPr>
+        </p:nvSpPr>
+        <p:spPr/>
+        <p:txBody>
+          <a:bodyPr>
+            <a:normAutofit/>
+          </a:bodyPr>
+          <a:lstStyle/>
+          <a:p>
+            <a:r>
+              <a:rPr lang="en-IN" sz="4000" spc="300" dirty="0" smtClean="0"/>
+              <a:t>GPU ACCELERATION</a:t>
+            </a:r>
+            <a:endParaRPr lang="en-US" sz="4000" spc="300" dirty="0"/>
+          </a:p>
+        </p:txBody>
+      </p:sp>
+      <p:sp>
+        <p:nvSpPr>
+          <p:cNvPr id="3" name="Content Placeholder 2"/>
+          <p:cNvSpPr>
+            <a:spLocks noGrp="1"/>
+          </p:cNvSpPr>
+          <p:nvPr>
+            <p:ph idx="1"/>
+          </p:nvPr>
+        </p:nvSpPr>
+        <p:spPr>
+          <a:xfrm>
+            <a:off x="785786" y="1071552"/>
+            <a:ext cx="7643866" cy="3857652"/>
+          </a:xfrm>
+        </p:spPr>
+        <p:txBody>
+          <a:bodyPr>
+            <a:normAutofit lnSpcReduction="10000"/>
+          </a:bodyPr>
+          <a:lstStyle/>
           <a:p>
             <a:pPr>
               <a:buFont typeface="Wingdings" pitchFamily="2" charset="2"/>
@@ -3672,7 +3936,17 @@
             </a:pPr>
             <a:r>
               <a:rPr lang="en-IN" sz="2800" dirty="0" smtClean="0"/>
-              <a:t>GPU provides hundreds of threads at once</a:t>
+              <a:t>Multiple fault modeling takes hours</a:t>
+            </a:r>
+          </a:p>
+          <a:p>
+            <a:pPr lvl="1">
+              <a:buFont typeface="Wingdings" pitchFamily="2" charset="2"/>
+              <a:buChar char="§"/>
+            </a:pPr>
+            <a:r>
+              <a:rPr lang="en-IN" sz="2400" dirty="0" smtClean="0"/>
+              <a:t>Simulating 4 fault scenario from 24 nodes takes close to 3 hours</a:t>
             </a:r>
           </a:p>
           <a:p>
@@ -3682,6 +3956,26 @@
             </a:pPr>
             <a:r>
               <a:rPr lang="en-IN" sz="2800" dirty="0" smtClean="0"/>
+              <a:t>CPU provides a few parallel threads</a:t>
+            </a:r>
+          </a:p>
+          <a:p>
+            <a:pPr>
+              <a:buFont typeface="Wingdings" pitchFamily="2" charset="2"/>
+              <a:buChar char="§"/>
+            </a:pPr>
+            <a:r>
+              <a:rPr lang="en-IN" sz="2800" dirty="0" smtClean="0"/>
+              <a:t>GPU provides hundreds of threads at once</a:t>
+            </a:r>
+          </a:p>
+          <a:p>
+            <a:pPr>
+              <a:buFont typeface="Wingdings" pitchFamily="2" charset="2"/>
+              <a:buChar char="§"/>
+            </a:pPr>
+            <a:r>
+              <a:rPr lang="en-IN" sz="2800" dirty="0" smtClean="0"/>
               <a:t>Greatly reduces execution time</a:t>
             </a:r>
           </a:p>
@@ -3702,7 +3996,7 @@
             </a:pPr>
             <a:r>
               <a:rPr lang="en-IN" sz="2400" dirty="0" smtClean="0"/>
-              <a:t>GPU provides 1024 threads</a:t>
+              <a:t>GPU supports 1024 threads</a:t>
             </a:r>
           </a:p>
           <a:p>
@@ -3731,6 +4025,434 @@
               <a:t>folds</a:t>
             </a:r>
             <a:endParaRPr lang="en-US" sz="2400" dirty="0"/>
+          </a:p>
+        </p:txBody>
+      </p:sp>
+    </p:spTree>
+  </p:cSld>
+  <p:clrMapOvr>
+    <a:masterClrMapping/>
+  </p:clrMapOvr>
+  <p:timing>
+    <p:tnLst>
+      <p:par>
+        <p:cTn id="1" dur="indefinite" restart="never" nodeType="tmRoot"/>
+      </p:par>
+    </p:tnLst>
+  </p:timing>
+</p:sld>
+</file>
+
+<file path=ppt/slides/slide16.xml><?xml version="1.0" encoding="utf-8"?>
+<p:sld xmlns:a="http://schemas.openxmlformats.org/drawingml/2006/main" xmlns:r="http://schemas.openxmlformats.org/officeDocument/2006/relationships" xmlns:p="http://schemas.openxmlformats.org/presentationml/2006/main">
+  <p:cSld>
+    <p:spTree>
+      <p:nvGrpSpPr>
+        <p:cNvPr id="1" name=""/>
+        <p:cNvGrpSpPr/>
+        <p:nvPr/>
+      </p:nvGrpSpPr>
+      <p:grpSpPr>
+        <a:xfrm>
+          <a:off x="0" y="0"/>
+          <a:ext cx="0" cy="0"/>
+          <a:chOff x="0" y="0"/>
+          <a:chExt cx="0" cy="0"/>
+        </a:xfrm>
+      </p:grpSpPr>
+      <p:sp>
+        <p:nvSpPr>
+          <p:cNvPr id="4" name="Title 3"/>
+          <p:cNvSpPr>
+            <a:spLocks noGrp="1"/>
+          </p:cNvSpPr>
+          <p:nvPr>
+            <p:ph type="title"/>
+          </p:nvPr>
+        </p:nvSpPr>
+        <p:spPr>
+          <a:xfrm>
+            <a:off x="0" y="928676"/>
+            <a:ext cx="9144000" cy="2222896"/>
+          </a:xfrm>
+        </p:spPr>
+        <p:txBody>
+          <a:bodyPr>
+            <a:normAutofit/>
+          </a:bodyPr>
+          <a:lstStyle/>
+          <a:p>
+            <a:r>
+              <a:rPr lang="en-IN" sz="3600" spc="600" dirty="0" smtClean="0"/>
+              <a:t>1</a:t>
+            </a:r>
+            <a:r>
+              <a:rPr lang="en-IN" spc="600" dirty="0" smtClean="0"/>
+              <a:t/>
+            </a:r>
+            <a:br>
+              <a:rPr lang="en-IN" spc="600" dirty="0" smtClean="0"/>
+            </a:br>
+            <a:r>
+              <a:rPr lang="en-IN" spc="600" dirty="0" smtClean="0"/>
+              <a:t>BOOLEAN NETWORK</a:t>
+            </a:r>
+            <a:br>
+              <a:rPr lang="en-IN" spc="600" dirty="0" smtClean="0"/>
+            </a:br>
+            <a:r>
+              <a:rPr lang="en-IN" spc="600" dirty="0" smtClean="0"/>
+              <a:t>MODELING</a:t>
+            </a:r>
+            <a:endParaRPr lang="en-US" spc="600" dirty="0"/>
+          </a:p>
+        </p:txBody>
+      </p:sp>
+    </p:spTree>
+  </p:cSld>
+  <p:clrMapOvr>
+    <a:masterClrMapping/>
+  </p:clrMapOvr>
+  <p:timing>
+    <p:tnLst>
+      <p:par>
+        <p:cTn id="1" dur="indefinite" restart="never" nodeType="tmRoot"/>
+      </p:par>
+    </p:tnLst>
+  </p:timing>
+</p:sld>
+</file>
+
+<file path=ppt/slides/slide17.xml><?xml version="1.0" encoding="utf-8"?>
+<p:sld xmlns:a="http://schemas.openxmlformats.org/drawingml/2006/main" xmlns:r="http://schemas.openxmlformats.org/officeDocument/2006/relationships" xmlns:p="http://schemas.openxmlformats.org/presentationml/2006/main">
+  <p:cSld>
+    <p:spTree>
+      <p:nvGrpSpPr>
+        <p:cNvPr id="1" name=""/>
+        <p:cNvGrpSpPr/>
+        <p:nvPr/>
+      </p:nvGrpSpPr>
+      <p:grpSpPr>
+        <a:xfrm>
+          <a:off x="0" y="0"/>
+          <a:ext cx="0" cy="0"/>
+          <a:chOff x="0" y="0"/>
+          <a:chExt cx="0" cy="0"/>
+        </a:xfrm>
+      </p:grpSpPr>
+      <p:sp>
+        <p:nvSpPr>
+          <p:cNvPr id="2" name="Title 1"/>
+          <p:cNvSpPr>
+            <a:spLocks noGrp="1"/>
+          </p:cNvSpPr>
+          <p:nvPr>
+            <p:ph type="title"/>
+          </p:nvPr>
+        </p:nvSpPr>
+        <p:spPr/>
+        <p:txBody>
+          <a:bodyPr>
+            <a:normAutofit fontScale="90000"/>
+          </a:bodyPr>
+          <a:lstStyle/>
+          <a:p>
+            <a:r>
+              <a:rPr lang="en-IN" spc="300" dirty="0" smtClean="0"/>
+              <a:t>BOOLEAN NETWORK MODELING</a:t>
+            </a:r>
+            <a:endParaRPr lang="en-US" spc="300" dirty="0"/>
+          </a:p>
+        </p:txBody>
+      </p:sp>
+      <p:sp>
+        <p:nvSpPr>
+          <p:cNvPr id="3" name="Content Placeholder 2"/>
+          <p:cNvSpPr>
+            <a:spLocks noGrp="1"/>
+          </p:cNvSpPr>
+          <p:nvPr>
+            <p:ph idx="1"/>
+          </p:nvPr>
+        </p:nvSpPr>
+        <p:spPr>
+          <a:xfrm>
+            <a:off x="428596" y="1357304"/>
+            <a:ext cx="8229600" cy="3394472"/>
+          </a:xfrm>
+        </p:spPr>
+        <p:txBody>
+          <a:bodyPr>
+            <a:normAutofit/>
+          </a:bodyPr>
+          <a:lstStyle/>
+          <a:p>
+            <a:pPr>
+              <a:buFont typeface="Wingdings" pitchFamily="2" charset="2"/>
+              <a:buChar char="§"/>
+            </a:pPr>
+            <a:r>
+              <a:rPr lang="en-IN" sz="2800" dirty="0" smtClean="0"/>
+              <a:t>Set of input, pathway, and output nodes as input</a:t>
+            </a:r>
+          </a:p>
+          <a:p>
+            <a:pPr>
+              <a:buFont typeface="Wingdings" pitchFamily="2" charset="2"/>
+              <a:buChar char="§"/>
+            </a:pPr>
+            <a:r>
+              <a:rPr lang="en-IN" sz="2800" dirty="0" smtClean="0"/>
+              <a:t>Model three networks:</a:t>
+            </a:r>
+          </a:p>
+          <a:p>
+            <a:pPr lvl="1">
+              <a:buFont typeface="Wingdings" pitchFamily="2" charset="2"/>
+              <a:buChar char="§"/>
+            </a:pPr>
+            <a:r>
+              <a:rPr lang="en-IN" dirty="0" smtClean="0"/>
+              <a:t>With faults</a:t>
+            </a:r>
+          </a:p>
+          <a:p>
+            <a:pPr lvl="1">
+              <a:buFont typeface="Wingdings" pitchFamily="2" charset="2"/>
+              <a:buChar char="§"/>
+            </a:pPr>
+            <a:r>
+              <a:rPr lang="en-IN" dirty="0" smtClean="0"/>
+              <a:t>With faults and known drug combinations</a:t>
+            </a:r>
+          </a:p>
+          <a:p>
+            <a:pPr lvl="1">
+              <a:buFont typeface="Wingdings" pitchFamily="2" charset="2"/>
+              <a:buChar char="§"/>
+            </a:pPr>
+            <a:r>
+              <a:rPr lang="en-IN" dirty="0" smtClean="0"/>
+              <a:t>With faults and custom drug combinations</a:t>
+            </a:r>
+            <a:endParaRPr lang="en-US" dirty="0"/>
+          </a:p>
+        </p:txBody>
+      </p:sp>
+    </p:spTree>
+  </p:cSld>
+  <p:clrMapOvr>
+    <a:masterClrMapping/>
+  </p:clrMapOvr>
+  <p:timing>
+    <p:tnLst>
+      <p:par>
+        <p:cTn id="1" dur="indefinite" restart="never" nodeType="tmRoot"/>
+      </p:par>
+    </p:tnLst>
+  </p:timing>
+</p:sld>
+</file>
+
+<file path=ppt/slides/slide18.xml><?xml version="1.0" encoding="utf-8"?>
+<p:sld xmlns:a="http://schemas.openxmlformats.org/drawingml/2006/main" xmlns:r="http://schemas.openxmlformats.org/officeDocument/2006/relationships" xmlns:p="http://schemas.openxmlformats.org/presentationml/2006/main">
+  <p:cSld>
+    <p:spTree>
+      <p:nvGrpSpPr>
+        <p:cNvPr id="1" name=""/>
+        <p:cNvGrpSpPr/>
+        <p:nvPr/>
+      </p:nvGrpSpPr>
+      <p:grpSpPr>
+        <a:xfrm>
+          <a:off x="0" y="0"/>
+          <a:ext cx="0" cy="0"/>
+          <a:chOff x="0" y="0"/>
+          <a:chExt cx="0" cy="0"/>
+        </a:xfrm>
+      </p:grpSpPr>
+      <p:sp>
+        <p:nvSpPr>
+          <p:cNvPr id="4" name="Title 3"/>
+          <p:cNvSpPr>
+            <a:spLocks noGrp="1"/>
+          </p:cNvSpPr>
+          <p:nvPr>
+            <p:ph type="title"/>
+          </p:nvPr>
+        </p:nvSpPr>
+        <p:spPr>
+          <a:xfrm>
+            <a:off x="0" y="857238"/>
+            <a:ext cx="9144000" cy="2786082"/>
+          </a:xfrm>
+        </p:spPr>
+        <p:txBody>
+          <a:bodyPr>
+            <a:normAutofit/>
+          </a:bodyPr>
+          <a:lstStyle/>
+          <a:p>
+            <a:r>
+              <a:rPr lang="en-IN" sz="3600" spc="600" dirty="0" smtClean="0"/>
+              <a:t>2</a:t>
+            </a:r>
+            <a:r>
+              <a:rPr lang="en-IN" spc="600" dirty="0" smtClean="0"/>
+              <a:t/>
+            </a:r>
+            <a:br>
+              <a:rPr lang="en-IN" spc="600" dirty="0" smtClean="0"/>
+            </a:br>
+            <a:r>
+              <a:rPr lang="en-IN" spc="600" dirty="0" smtClean="0"/>
+              <a:t>UNIQUE INPUT VECTOR IDENTIFICATION</a:t>
+            </a:r>
+            <a:endParaRPr lang="en-US" spc="600" dirty="0"/>
+          </a:p>
+        </p:txBody>
+      </p:sp>
+    </p:spTree>
+  </p:cSld>
+  <p:clrMapOvr>
+    <a:masterClrMapping/>
+  </p:clrMapOvr>
+  <p:timing>
+    <p:tnLst>
+      <p:par>
+        <p:cTn id="1" dur="indefinite" restart="never" nodeType="tmRoot"/>
+      </p:par>
+    </p:tnLst>
+  </p:timing>
+</p:sld>
+</file>
+
+<file path=ppt/slides/slide19.xml><?xml version="1.0" encoding="utf-8"?>
+<p:sld xmlns:a="http://schemas.openxmlformats.org/drawingml/2006/main" xmlns:r="http://schemas.openxmlformats.org/officeDocument/2006/relationships" xmlns:p="http://schemas.openxmlformats.org/presentationml/2006/main">
+  <p:cSld>
+    <p:spTree>
+      <p:nvGrpSpPr>
+        <p:cNvPr id="1" name=""/>
+        <p:cNvGrpSpPr/>
+        <p:nvPr/>
+      </p:nvGrpSpPr>
+      <p:grpSpPr>
+        <a:xfrm>
+          <a:off x="0" y="0"/>
+          <a:ext cx="0" cy="0"/>
+          <a:chOff x="0" y="0"/>
+          <a:chExt cx="0" cy="0"/>
+        </a:xfrm>
+      </p:grpSpPr>
+      <p:sp>
+        <p:nvSpPr>
+          <p:cNvPr id="2" name="Title 1"/>
+          <p:cNvSpPr>
+            <a:spLocks noGrp="1"/>
+          </p:cNvSpPr>
+          <p:nvPr>
+            <p:ph type="title"/>
+          </p:nvPr>
+        </p:nvSpPr>
+        <p:spPr>
+          <a:xfrm>
+            <a:off x="0" y="205979"/>
+            <a:ext cx="9144000" cy="857250"/>
+          </a:xfrm>
+        </p:spPr>
+        <p:txBody>
+          <a:bodyPr>
+            <a:noAutofit/>
+          </a:bodyPr>
+          <a:lstStyle/>
+          <a:p>
+            <a:r>
+              <a:rPr lang="en-IN" sz="3600" spc="300" dirty="0" smtClean="0"/>
+              <a:t>UNIQUE INPUT VECTOR IDENTIFICATION</a:t>
+            </a:r>
+            <a:endParaRPr lang="en-US" sz="3600" spc="300" dirty="0"/>
+          </a:p>
+        </p:txBody>
+      </p:sp>
+      <p:sp>
+        <p:nvSpPr>
+          <p:cNvPr id="3" name="Content Placeholder 2"/>
+          <p:cNvSpPr>
+            <a:spLocks noGrp="1"/>
+          </p:cNvSpPr>
+          <p:nvPr>
+            <p:ph idx="1"/>
+          </p:nvPr>
+        </p:nvSpPr>
+        <p:spPr>
+          <a:xfrm>
+            <a:off x="457200" y="1320418"/>
+            <a:ext cx="8229600" cy="3394472"/>
+          </a:xfrm>
+        </p:spPr>
+        <p:txBody>
+          <a:bodyPr>
+            <a:normAutofit/>
+          </a:bodyPr>
+          <a:lstStyle/>
+          <a:p>
+            <a:pPr>
+              <a:buFont typeface="Wingdings" pitchFamily="2" charset="2"/>
+              <a:buChar char="§"/>
+            </a:pPr>
+            <a:r>
+              <a:rPr lang="en-IN" sz="2800" dirty="0" smtClean="0"/>
+              <a:t>Execute fault-less Boolean network</a:t>
+            </a:r>
+          </a:p>
+          <a:p>
+            <a:pPr lvl="1">
+              <a:buFont typeface="Wingdings" pitchFamily="2" charset="2"/>
+              <a:buChar char="§"/>
+            </a:pPr>
+            <a:r>
+              <a:rPr lang="en-IN" dirty="0" smtClean="0"/>
+              <a:t>Number of input nodes = 5</a:t>
+            </a:r>
+          </a:p>
+          <a:p>
+            <a:pPr lvl="1">
+              <a:buFont typeface="Wingdings" pitchFamily="2" charset="2"/>
+              <a:buChar char="§"/>
+            </a:pPr>
+            <a:r>
+              <a:rPr lang="en-IN" dirty="0" smtClean="0"/>
+              <a:t>Number of input combinations = 2</a:t>
+            </a:r>
+            <a:r>
+              <a:rPr lang="en-IN" baseline="30000" dirty="0" smtClean="0"/>
+              <a:t>5</a:t>
+            </a:r>
+            <a:r>
+              <a:rPr lang="en-IN" dirty="0" smtClean="0"/>
+              <a:t> = 32</a:t>
+            </a:r>
+            <a:endParaRPr lang="en-US" dirty="0" smtClean="0"/>
+          </a:p>
+          <a:p>
+            <a:pPr>
+              <a:buFont typeface="Wingdings" pitchFamily="2" charset="2"/>
+              <a:buChar char="§"/>
+            </a:pPr>
+            <a:r>
+              <a:rPr lang="en-IN" sz="2800" dirty="0" smtClean="0"/>
+              <a:t>Identify unique input vector</a:t>
+            </a:r>
+          </a:p>
+          <a:p>
+            <a:pPr lvl="1">
+              <a:buFont typeface="Wingdings" pitchFamily="2" charset="2"/>
+              <a:buChar char="§"/>
+            </a:pPr>
+            <a:r>
+              <a:rPr lang="en-IN" dirty="0" smtClean="0"/>
+              <a:t>Input combination which generates output that signifies non-proliferation (all bits are 0’s)</a:t>
+            </a:r>
           </a:p>
         </p:txBody>
       </p:sp>
@@ -3783,7 +4505,7 @@
           <a:p>
             <a:r>
               <a:rPr lang="en-IN" spc="300" dirty="0" smtClean="0"/>
-              <a:t>PROBLEM STATEMENT</a:t>
+              <a:t>INTRODUCTION</a:t>
             </a:r>
             <a:endParaRPr lang="en-US" spc="300" dirty="0"/>
           </a:p>
@@ -3801,14 +4523,12 @@
         </p:nvSpPr>
         <p:spPr>
           <a:xfrm>
-            <a:off x="428596" y="1357304"/>
-            <a:ext cx="8229600" cy="3394472"/>
-          </a:xfrm>
-        </p:spPr>
-        <p:txBody>
-          <a:bodyPr>
-            <a:normAutofit/>
-          </a:bodyPr>
+            <a:off x="928662" y="1463294"/>
+            <a:ext cx="7143800" cy="3394472"/>
+          </a:xfrm>
+        </p:spPr>
+        <p:txBody>
+          <a:bodyPr/>
           <a:lstStyle/>
           <a:p>
             <a:pPr>
@@ -3816,8 +4536,8 @@
               <a:buChar char="§"/>
             </a:pPr>
             <a:r>
-              <a:rPr lang="en-IN" sz="2800" dirty="0" smtClean="0"/>
-              <a:t>Simulation of faults in a Boolean network inferred from a GF signaling pathway</a:t>
+              <a:rPr lang="en-IN" dirty="0" smtClean="0"/>
+              <a:t>Cancer – uncontrolled division of cells</a:t>
             </a:r>
           </a:p>
           <a:p>
@@ -3826,10 +4546,1202 @@
               <a:buChar char="§"/>
             </a:pPr>
             <a:r>
+              <a:rPr lang="en-IN" dirty="0" smtClean="0"/>
+              <a:t>Cause – faults in biological interactions</a:t>
+            </a:r>
+          </a:p>
+          <a:p>
+            <a:pPr>
+              <a:buFont typeface="Wingdings" pitchFamily="2" charset="2"/>
+              <a:buChar char="§"/>
+            </a:pPr>
+            <a:r>
+              <a:rPr lang="en-IN" dirty="0" smtClean="0"/>
+              <a:t>Solution – application of drugs on faults</a:t>
+            </a:r>
+            <a:endParaRPr lang="en-US" dirty="0"/>
+          </a:p>
+        </p:txBody>
+      </p:sp>
+    </p:spTree>
+  </p:cSld>
+  <p:clrMapOvr>
+    <a:masterClrMapping/>
+  </p:clrMapOvr>
+  <p:timing>
+    <p:tnLst>
+      <p:par>
+        <p:cTn id="1" dur="indefinite" restart="never" nodeType="tmRoot"/>
+      </p:par>
+    </p:tnLst>
+  </p:timing>
+</p:sld>
+</file>
+
+<file path=ppt/slides/slide20.xml><?xml version="1.0" encoding="utf-8"?>
+<p:sld xmlns:a="http://schemas.openxmlformats.org/drawingml/2006/main" xmlns:r="http://schemas.openxmlformats.org/officeDocument/2006/relationships" xmlns:p="http://schemas.openxmlformats.org/presentationml/2006/main">
+  <p:cSld>
+    <p:spTree>
+      <p:nvGrpSpPr>
+        <p:cNvPr id="1" name=""/>
+        <p:cNvGrpSpPr/>
+        <p:nvPr/>
+      </p:nvGrpSpPr>
+      <p:grpSpPr>
+        <a:xfrm>
+          <a:off x="0" y="0"/>
+          <a:ext cx="0" cy="0"/>
+          <a:chOff x="0" y="0"/>
+          <a:chExt cx="0" cy="0"/>
+        </a:xfrm>
+      </p:grpSpPr>
+      <p:sp>
+        <p:nvSpPr>
+          <p:cNvPr id="4" name="Title 3"/>
+          <p:cNvSpPr>
+            <a:spLocks noGrp="1"/>
+          </p:cNvSpPr>
+          <p:nvPr>
+            <p:ph type="title"/>
+          </p:nvPr>
+        </p:nvSpPr>
+        <p:spPr/>
+        <p:txBody>
+          <a:bodyPr>
+            <a:normAutofit/>
+          </a:bodyPr>
+          <a:lstStyle/>
+          <a:p>
+            <a:r>
+              <a:rPr lang="en-IN" sz="3600" spc="300" dirty="0" smtClean="0"/>
+              <a:t>UNIQUE INPUT VECTOR</a:t>
+            </a:r>
+            <a:endParaRPr lang="en-US" sz="3600" dirty="0"/>
+          </a:p>
+        </p:txBody>
+      </p:sp>
+      <p:sp>
+        <p:nvSpPr>
+          <p:cNvPr id="6" name="Content Placeholder 5"/>
+          <p:cNvSpPr>
+            <a:spLocks noGrp="1"/>
+          </p:cNvSpPr>
+          <p:nvPr>
+            <p:ph sz="half" idx="2"/>
+          </p:nvPr>
+        </p:nvSpPr>
+        <p:spPr>
+          <a:xfrm>
+            <a:off x="4643438" y="1214428"/>
+            <a:ext cx="4038600" cy="3357586"/>
+          </a:xfrm>
+        </p:spPr>
+        <p:txBody>
+          <a:bodyPr>
+            <a:normAutofit lnSpcReduction="10000"/>
+          </a:bodyPr>
+          <a:lstStyle/>
+          <a:p>
+            <a:pPr>
+              <a:buFont typeface="Wingdings" pitchFamily="2" charset="2"/>
+              <a:buChar char="§"/>
+            </a:pPr>
+            <a:r>
+              <a:rPr lang="en-IN" dirty="0" err="1" smtClean="0"/>
+              <a:t>DataFrame</a:t>
+            </a:r>
+            <a:r>
+              <a:rPr lang="en-IN" dirty="0" smtClean="0"/>
+              <a:t> containing input combinations and their corresponding output bits</a:t>
+            </a:r>
+          </a:p>
+          <a:p>
+            <a:pPr>
+              <a:buFont typeface="Wingdings" pitchFamily="2" charset="2"/>
+              <a:buChar char="§"/>
+            </a:pPr>
+            <a:r>
+              <a:rPr lang="en-US" spc="-1" dirty="0" smtClean="0">
+                <a:solidFill>
+                  <a:srgbClr val="000000"/>
+                </a:solidFill>
+              </a:rPr>
+              <a:t>Unique input vector, which produces output vector where all bits are 0’s</a:t>
+            </a:r>
+            <a:endParaRPr lang="en-US" dirty="0"/>
+          </a:p>
+        </p:txBody>
+      </p:sp>
+      <p:pic>
+        <p:nvPicPr>
+          <p:cNvPr id="7" name="Content Placeholder 3"/>
+          <p:cNvPicPr>
+            <a:picLocks noGrp="1"/>
+          </p:cNvPicPr>
+          <p:nvPr>
+            <p:ph sz="half" idx="1"/>
+          </p:nvPr>
+        </p:nvPicPr>
+        <p:blipFill>
+          <a:blip r:embed="rId2"/>
+          <a:stretch/>
+        </p:blipFill>
+        <p:spPr>
+          <a:xfrm>
+            <a:off x="428596" y="1142990"/>
+            <a:ext cx="3571900" cy="3714776"/>
+          </a:xfrm>
+          <a:prstGeom prst="rect">
+            <a:avLst/>
+          </a:prstGeom>
+          <a:ln>
+            <a:noFill/>
+          </a:ln>
+        </p:spPr>
+      </p:pic>
+      <p:cxnSp>
+        <p:nvCxnSpPr>
+          <p:cNvPr id="20" name="Straight Arrow Connector 19"/>
+          <p:cNvCxnSpPr/>
+          <p:nvPr/>
+        </p:nvCxnSpPr>
+        <p:spPr>
+          <a:xfrm rot="16200000" flipH="1">
+            <a:off x="3250397" y="2107403"/>
+            <a:ext cx="2000264" cy="1071570"/>
+          </a:xfrm>
+          <a:prstGeom prst="straightConnector1">
+            <a:avLst/>
+          </a:prstGeom>
+          <a:ln>
+            <a:headEnd type="arrow"/>
+            <a:tailEnd type="arrow"/>
+          </a:ln>
+        </p:spPr>
+        <p:style>
+          <a:lnRef idx="3">
+            <a:schemeClr val="accent2"/>
+          </a:lnRef>
+          <a:fillRef idx="0">
+            <a:schemeClr val="accent2"/>
+          </a:fillRef>
+          <a:effectRef idx="2">
+            <a:schemeClr val="accent2"/>
+          </a:effectRef>
+          <a:fontRef idx="minor">
+            <a:schemeClr val="tx1"/>
+          </a:fontRef>
+        </p:style>
+      </p:cxnSp>
+    </p:spTree>
+  </p:cSld>
+  <p:clrMapOvr>
+    <a:masterClrMapping/>
+  </p:clrMapOvr>
+  <p:timing>
+    <p:tnLst>
+      <p:par>
+        <p:cTn id="1" dur="indefinite" restart="never" nodeType="tmRoot"/>
+      </p:par>
+    </p:tnLst>
+  </p:timing>
+</p:sld>
+</file>
+
+<file path=ppt/slides/slide21.xml><?xml version="1.0" encoding="utf-8"?>
+<p:sld xmlns:a="http://schemas.openxmlformats.org/drawingml/2006/main" xmlns:r="http://schemas.openxmlformats.org/officeDocument/2006/relationships" xmlns:p="http://schemas.openxmlformats.org/presentationml/2006/main">
+  <p:cSld>
+    <p:spTree>
+      <p:nvGrpSpPr>
+        <p:cNvPr id="1" name=""/>
+        <p:cNvGrpSpPr/>
+        <p:nvPr/>
+      </p:nvGrpSpPr>
+      <p:grpSpPr>
+        <a:xfrm>
+          <a:off x="0" y="0"/>
+          <a:ext cx="0" cy="0"/>
+          <a:chOff x="0" y="0"/>
+          <a:chExt cx="0" cy="0"/>
+        </a:xfrm>
+      </p:grpSpPr>
+      <p:sp>
+        <p:nvSpPr>
+          <p:cNvPr id="5" name="Title 4"/>
+          <p:cNvSpPr>
+            <a:spLocks noGrp="1"/>
+          </p:cNvSpPr>
+          <p:nvPr>
+            <p:ph type="title"/>
+          </p:nvPr>
+        </p:nvSpPr>
+        <p:spPr>
+          <a:xfrm>
+            <a:off x="457200" y="920359"/>
+            <a:ext cx="8229600" cy="2080019"/>
+          </a:xfrm>
+        </p:spPr>
+        <p:txBody>
+          <a:bodyPr>
+            <a:normAutofit/>
+          </a:bodyPr>
+          <a:lstStyle/>
+          <a:p>
+            <a:r>
+              <a:rPr lang="en-IN" sz="3600" spc="600" dirty="0" smtClean="0"/>
+              <a:t>3</a:t>
+            </a:r>
+            <a:r>
+              <a:rPr lang="en-IN" spc="600" dirty="0" smtClean="0"/>
+              <a:t/>
+            </a:r>
+            <a:br>
+              <a:rPr lang="en-IN" spc="600" dirty="0" smtClean="0"/>
+            </a:br>
+            <a:r>
+              <a:rPr lang="en-IN" spc="600" dirty="0" smtClean="0"/>
+              <a:t>FAULT SIMULATION</a:t>
+            </a:r>
+            <a:endParaRPr lang="en-US" spc="600" dirty="0"/>
+          </a:p>
+        </p:txBody>
+      </p:sp>
+    </p:spTree>
+  </p:cSld>
+  <p:clrMapOvr>
+    <a:masterClrMapping/>
+  </p:clrMapOvr>
+  <p:timing>
+    <p:tnLst>
+      <p:par>
+        <p:cTn id="1" dur="indefinite" restart="never" nodeType="tmRoot"/>
+      </p:par>
+    </p:tnLst>
+  </p:timing>
+</p:sld>
+</file>
+
+<file path=ppt/slides/slide22.xml><?xml version="1.0" encoding="utf-8"?>
+<p:sld xmlns:a="http://schemas.openxmlformats.org/drawingml/2006/main" xmlns:r="http://schemas.openxmlformats.org/officeDocument/2006/relationships" xmlns:p="http://schemas.openxmlformats.org/presentationml/2006/main">
+  <p:cSld>
+    <p:spTree>
+      <p:nvGrpSpPr>
+        <p:cNvPr id="1" name=""/>
+        <p:cNvGrpSpPr/>
+        <p:nvPr/>
+      </p:nvGrpSpPr>
+      <p:grpSpPr>
+        <a:xfrm>
+          <a:off x="0" y="0"/>
+          <a:ext cx="0" cy="0"/>
+          <a:chOff x="0" y="0"/>
+          <a:chExt cx="0" cy="0"/>
+        </a:xfrm>
+      </p:grpSpPr>
+      <p:sp>
+        <p:nvSpPr>
+          <p:cNvPr id="2" name="Title 1"/>
+          <p:cNvSpPr>
+            <a:spLocks noGrp="1"/>
+          </p:cNvSpPr>
+          <p:nvPr>
+            <p:ph type="title"/>
+          </p:nvPr>
+        </p:nvSpPr>
+        <p:spPr/>
+        <p:txBody>
+          <a:bodyPr>
+            <a:normAutofit/>
+          </a:bodyPr>
+          <a:lstStyle/>
+          <a:p>
+            <a:r>
+              <a:rPr lang="en-IN" sz="4000" spc="300" dirty="0" smtClean="0"/>
+              <a:t>FAULT SIMULATION</a:t>
+            </a:r>
+            <a:endParaRPr lang="en-US" sz="4000" spc="300" dirty="0"/>
+          </a:p>
+        </p:txBody>
+      </p:sp>
+      <p:sp>
+        <p:nvSpPr>
+          <p:cNvPr id="3" name="Content Placeholder 2"/>
+          <p:cNvSpPr>
+            <a:spLocks noGrp="1"/>
+          </p:cNvSpPr>
+          <p:nvPr>
+            <p:ph idx="1"/>
+          </p:nvPr>
+        </p:nvSpPr>
+        <p:spPr>
+          <a:xfrm>
+            <a:off x="457200" y="1285866"/>
+            <a:ext cx="8229600" cy="3394472"/>
+          </a:xfrm>
+        </p:spPr>
+        <p:txBody>
+          <a:bodyPr>
+            <a:normAutofit/>
+          </a:bodyPr>
+          <a:lstStyle/>
+          <a:p>
+            <a:pPr>
+              <a:buFont typeface="Wingdings" pitchFamily="2" charset="2"/>
+              <a:buChar char="§"/>
+            </a:pPr>
+            <a:r>
               <a:rPr lang="en-IN" sz="2800" dirty="0" smtClean="0"/>
-              <a:t>Identification of optimum drug therapy to nullify the effects of faulty conditions</a:t>
+              <a:t>Input vector = unique input vector</a:t>
+            </a:r>
+          </a:p>
+          <a:p>
+            <a:pPr>
+              <a:buFont typeface="Wingdings" pitchFamily="2" charset="2"/>
+              <a:buChar char="§"/>
+            </a:pPr>
+            <a:r>
+              <a:rPr lang="en-IN" sz="2800" dirty="0" smtClean="0"/>
+              <a:t>Enumerate faults in the network</a:t>
+            </a:r>
+          </a:p>
+          <a:p>
+            <a:pPr lvl="1">
+              <a:buFont typeface="Wingdings" pitchFamily="2" charset="2"/>
+              <a:buChar char="§"/>
+            </a:pPr>
+            <a:r>
+              <a:rPr lang="en-IN" dirty="0" smtClean="0"/>
+              <a:t>Single stuck-at faults</a:t>
+            </a:r>
+          </a:p>
+          <a:p>
+            <a:pPr lvl="1">
+              <a:buFont typeface="Wingdings" pitchFamily="2" charset="2"/>
+              <a:buChar char="§"/>
+            </a:pPr>
+            <a:r>
+              <a:rPr lang="en-IN" dirty="0" smtClean="0"/>
+              <a:t>Multiple stuck-at faults</a:t>
+            </a:r>
+          </a:p>
+          <a:p>
+            <a:pPr>
+              <a:buFont typeface="Wingdings" pitchFamily="2" charset="2"/>
+              <a:buChar char="§"/>
+            </a:pPr>
+            <a:r>
+              <a:rPr lang="en-IN" sz="2800" dirty="0" smtClean="0"/>
+              <a:t>Execute Boolean networks with fault combinations and generate output vectors</a:t>
+            </a:r>
+          </a:p>
+        </p:txBody>
+      </p:sp>
+    </p:spTree>
+  </p:cSld>
+  <p:clrMapOvr>
+    <a:masterClrMapping/>
+  </p:clrMapOvr>
+  <p:timing>
+    <p:tnLst>
+      <p:par>
+        <p:cTn id="1" dur="indefinite" restart="never" nodeType="tmRoot"/>
+      </p:par>
+    </p:tnLst>
+  </p:timing>
+</p:sld>
+</file>
+
+<file path=ppt/slides/slide23.xml><?xml version="1.0" encoding="utf-8"?>
+<p:sld xmlns:a="http://schemas.openxmlformats.org/drawingml/2006/main" xmlns:r="http://schemas.openxmlformats.org/officeDocument/2006/relationships" xmlns:p="http://schemas.openxmlformats.org/presentationml/2006/main">
+  <p:cSld>
+    <p:spTree>
+      <p:nvGrpSpPr>
+        <p:cNvPr id="1" name=""/>
+        <p:cNvGrpSpPr/>
+        <p:nvPr/>
+      </p:nvGrpSpPr>
+      <p:grpSpPr>
+        <a:xfrm>
+          <a:off x="0" y="0"/>
+          <a:ext cx="0" cy="0"/>
+          <a:chOff x="0" y="0"/>
+          <a:chExt cx="0" cy="0"/>
+        </a:xfrm>
+      </p:grpSpPr>
+      <p:sp>
+        <p:nvSpPr>
+          <p:cNvPr id="2" name="Title 1"/>
+          <p:cNvSpPr>
+            <a:spLocks noGrp="1"/>
+          </p:cNvSpPr>
+          <p:nvPr>
+            <p:ph type="title"/>
+          </p:nvPr>
+        </p:nvSpPr>
+        <p:spPr>
+          <a:xfrm>
+            <a:off x="457200" y="71420"/>
+            <a:ext cx="8229600" cy="857250"/>
+          </a:xfrm>
+        </p:spPr>
+        <p:txBody>
+          <a:bodyPr>
+            <a:normAutofit/>
+          </a:bodyPr>
+          <a:lstStyle/>
+          <a:p>
+            <a:r>
+              <a:rPr lang="en-IN" sz="3200" spc="300" dirty="0" smtClean="0"/>
+              <a:t>SINGLE FAULT SCENARIO</a:t>
+            </a:r>
+            <a:endParaRPr lang="en-US" sz="3200" spc="300" dirty="0"/>
+          </a:p>
+        </p:txBody>
+      </p:sp>
+      <p:pic>
+        <p:nvPicPr>
+          <p:cNvPr id="4" name="Content Placeholder 3" descr="Screenshot from 2018-05-12 01-58-04.png"/>
+          <p:cNvPicPr>
+            <a:picLocks noGrp="1" noChangeAspect="1"/>
+          </p:cNvPicPr>
+          <p:nvPr>
+            <p:ph idx="1"/>
+          </p:nvPr>
+        </p:nvPicPr>
+        <p:blipFill>
+          <a:blip r:embed="rId2"/>
+          <a:stretch>
+            <a:fillRect/>
+          </a:stretch>
+        </p:blipFill>
+        <p:spPr>
+          <a:xfrm>
+            <a:off x="1266823" y="928676"/>
+            <a:ext cx="6591325" cy="3503591"/>
+          </a:xfrm>
+        </p:spPr>
+      </p:pic>
+      <p:sp>
+        <p:nvSpPr>
+          <p:cNvPr id="5" name="TextBox 4"/>
+          <p:cNvSpPr txBox="1"/>
+          <p:nvPr/>
+        </p:nvSpPr>
+        <p:spPr>
+          <a:xfrm>
+            <a:off x="357158" y="4572014"/>
+            <a:ext cx="8358214" cy="461665"/>
+          </a:xfrm>
+          <a:prstGeom prst="rect">
+            <a:avLst/>
+          </a:prstGeom>
+          <a:noFill/>
+        </p:spPr>
+        <p:txBody>
+          <a:bodyPr wrap="square" rtlCol="0">
+            <a:spAutoFit/>
+          </a:bodyPr>
+          <a:lstStyle/>
+          <a:p>
+            <a:pPr algn="ctr"/>
+            <a:r>
+              <a:rPr lang="en-IN" sz="1200" b="1" spc="300" dirty="0" smtClean="0"/>
+              <a:t>DATAFRAME CONSISTING OUTPUT VECTORS CORRESPONDING TO SINGLE FAULT LOCATIONS</a:t>
+            </a:r>
+            <a:endParaRPr lang="en-US" sz="1200" b="1" spc="300" dirty="0"/>
+          </a:p>
+        </p:txBody>
+      </p:sp>
+    </p:spTree>
+  </p:cSld>
+  <p:clrMapOvr>
+    <a:masterClrMapping/>
+  </p:clrMapOvr>
+  <p:timing>
+    <p:tnLst>
+      <p:par>
+        <p:cTn id="1" dur="indefinite" restart="never" nodeType="tmRoot"/>
+      </p:par>
+    </p:tnLst>
+  </p:timing>
+</p:sld>
+</file>
+
+<file path=ppt/slides/slide24.xml><?xml version="1.0" encoding="utf-8"?>
+<p:sld xmlns:a="http://schemas.openxmlformats.org/drawingml/2006/main" xmlns:r="http://schemas.openxmlformats.org/officeDocument/2006/relationships" xmlns:p="http://schemas.openxmlformats.org/presentationml/2006/main">
+  <p:cSld>
+    <p:spTree>
+      <p:nvGrpSpPr>
+        <p:cNvPr id="1" name=""/>
+        <p:cNvGrpSpPr/>
+        <p:nvPr/>
+      </p:nvGrpSpPr>
+      <p:grpSpPr>
+        <a:xfrm>
+          <a:off x="0" y="0"/>
+          <a:ext cx="0" cy="0"/>
+          <a:chOff x="0" y="0"/>
+          <a:chExt cx="0" cy="0"/>
+        </a:xfrm>
+      </p:grpSpPr>
+      <p:sp>
+        <p:nvSpPr>
+          <p:cNvPr id="2" name="Title 1"/>
+          <p:cNvSpPr>
+            <a:spLocks noGrp="1"/>
+          </p:cNvSpPr>
+          <p:nvPr>
+            <p:ph type="title"/>
+          </p:nvPr>
+        </p:nvSpPr>
+        <p:spPr>
+          <a:xfrm>
+            <a:off x="457200" y="71420"/>
+            <a:ext cx="8229600" cy="857250"/>
+          </a:xfrm>
+        </p:spPr>
+        <p:txBody>
+          <a:bodyPr>
+            <a:normAutofit/>
+          </a:bodyPr>
+          <a:lstStyle/>
+          <a:p>
+            <a:r>
+              <a:rPr lang="en-IN" sz="3200" spc="300" dirty="0" smtClean="0"/>
+              <a:t>MULTIPLE FAULT SCENARIO</a:t>
+            </a:r>
+            <a:endParaRPr lang="en-US" sz="3200" spc="300" dirty="0"/>
+          </a:p>
+        </p:txBody>
+      </p:sp>
+      <p:pic>
+        <p:nvPicPr>
+          <p:cNvPr id="4" name="Content Placeholder 3" descr="Screenshot from 2018-05-12 02-06-04.png"/>
+          <p:cNvPicPr>
+            <a:picLocks noGrp="1" noChangeAspect="1"/>
+          </p:cNvPicPr>
+          <p:nvPr>
+            <p:ph idx="1"/>
+          </p:nvPr>
+        </p:nvPicPr>
+        <p:blipFill>
+          <a:blip r:embed="rId2"/>
+          <a:stretch>
+            <a:fillRect/>
+          </a:stretch>
+        </p:blipFill>
+        <p:spPr>
+          <a:xfrm>
+            <a:off x="2000232" y="928676"/>
+            <a:ext cx="5108884" cy="3621177"/>
+          </a:xfrm>
+        </p:spPr>
+      </p:pic>
+      <p:sp>
+        <p:nvSpPr>
+          <p:cNvPr id="5" name="TextBox 4"/>
+          <p:cNvSpPr txBox="1"/>
+          <p:nvPr/>
+        </p:nvSpPr>
+        <p:spPr>
+          <a:xfrm>
+            <a:off x="0" y="4538977"/>
+            <a:ext cx="9144000" cy="461665"/>
+          </a:xfrm>
+          <a:prstGeom prst="rect">
+            <a:avLst/>
+          </a:prstGeom>
+          <a:noFill/>
+        </p:spPr>
+        <p:txBody>
+          <a:bodyPr wrap="square" rtlCol="0">
+            <a:spAutoFit/>
+          </a:bodyPr>
+          <a:lstStyle/>
+          <a:p>
+            <a:pPr algn="ctr"/>
+            <a:r>
+              <a:rPr lang="en-IN" sz="1200" b="1" spc="300" dirty="0" smtClean="0"/>
+              <a:t>DATAFRAME CONSISTING OUTPUT VECTORS CORRESPONDING TO DOUBLE FAULT COMBINATIONS</a:t>
+            </a:r>
+            <a:endParaRPr lang="en-US" sz="1200" b="1" spc="300" dirty="0"/>
+          </a:p>
+        </p:txBody>
+      </p:sp>
+    </p:spTree>
+  </p:cSld>
+  <p:clrMapOvr>
+    <a:masterClrMapping/>
+  </p:clrMapOvr>
+  <p:timing>
+    <p:tnLst>
+      <p:par>
+        <p:cTn id="1" dur="indefinite" restart="never" nodeType="tmRoot"/>
+      </p:par>
+    </p:tnLst>
+  </p:timing>
+</p:sld>
+</file>
+
+<file path=ppt/slides/slide25.xml><?xml version="1.0" encoding="utf-8"?>
+<p:sld xmlns:a="http://schemas.openxmlformats.org/drawingml/2006/main" xmlns:r="http://schemas.openxmlformats.org/officeDocument/2006/relationships" xmlns:p="http://schemas.openxmlformats.org/presentationml/2006/main">
+  <p:cSld>
+    <p:spTree>
+      <p:nvGrpSpPr>
+        <p:cNvPr id="1" name=""/>
+        <p:cNvGrpSpPr/>
+        <p:nvPr/>
+      </p:nvGrpSpPr>
+      <p:grpSpPr>
+        <a:xfrm>
+          <a:off x="0" y="0"/>
+          <a:ext cx="0" cy="0"/>
+          <a:chOff x="0" y="0"/>
+          <a:chExt cx="0" cy="0"/>
+        </a:xfrm>
+      </p:grpSpPr>
+      <p:sp>
+        <p:nvSpPr>
+          <p:cNvPr id="4" name="Title 3"/>
+          <p:cNvSpPr>
+            <a:spLocks noGrp="1"/>
+          </p:cNvSpPr>
+          <p:nvPr>
+            <p:ph type="title"/>
+          </p:nvPr>
+        </p:nvSpPr>
+        <p:spPr>
+          <a:xfrm>
+            <a:off x="428596" y="920359"/>
+            <a:ext cx="8229600" cy="2151457"/>
+          </a:xfrm>
+        </p:spPr>
+        <p:txBody>
+          <a:bodyPr>
+            <a:normAutofit/>
+          </a:bodyPr>
+          <a:lstStyle/>
+          <a:p>
+            <a:r>
+              <a:rPr lang="en-IN" sz="3600" spc="600" dirty="0" smtClean="0"/>
+              <a:t>4</a:t>
+            </a:r>
+            <a:r>
+              <a:rPr lang="en-IN" spc="600" dirty="0" smtClean="0"/>
+              <a:t/>
+            </a:r>
+            <a:br>
+              <a:rPr lang="en-IN" spc="600" dirty="0" smtClean="0"/>
+            </a:br>
+            <a:r>
+              <a:rPr lang="en-IN" spc="600" dirty="0" smtClean="0"/>
+              <a:t>DRUG APPLICATION</a:t>
+            </a:r>
+            <a:endParaRPr lang="en-US" spc="600" dirty="0"/>
+          </a:p>
+        </p:txBody>
+      </p:sp>
+    </p:spTree>
+  </p:cSld>
+  <p:clrMapOvr>
+    <a:masterClrMapping/>
+  </p:clrMapOvr>
+  <p:timing>
+    <p:tnLst>
+      <p:par>
+        <p:cTn id="1" dur="indefinite" restart="never" nodeType="tmRoot"/>
+      </p:par>
+    </p:tnLst>
+  </p:timing>
+</p:sld>
+</file>
+
+<file path=ppt/slides/slide26.xml><?xml version="1.0" encoding="utf-8"?>
+<p:sld xmlns:a="http://schemas.openxmlformats.org/drawingml/2006/main" xmlns:r="http://schemas.openxmlformats.org/officeDocument/2006/relationships" xmlns:p="http://schemas.openxmlformats.org/presentationml/2006/main">
+  <p:cSld>
+    <p:spTree>
+      <p:nvGrpSpPr>
+        <p:cNvPr id="1" name=""/>
+        <p:cNvGrpSpPr/>
+        <p:nvPr/>
+      </p:nvGrpSpPr>
+      <p:grpSpPr>
+        <a:xfrm>
+          <a:off x="0" y="0"/>
+          <a:ext cx="0" cy="0"/>
+          <a:chOff x="0" y="0"/>
+          <a:chExt cx="0" cy="0"/>
+        </a:xfrm>
+      </p:grpSpPr>
+      <p:sp>
+        <p:nvSpPr>
+          <p:cNvPr id="2" name="Title 1"/>
+          <p:cNvSpPr>
+            <a:spLocks noGrp="1"/>
+          </p:cNvSpPr>
+          <p:nvPr>
+            <p:ph type="title"/>
+          </p:nvPr>
+        </p:nvSpPr>
+        <p:spPr/>
+        <p:txBody>
+          <a:bodyPr>
+            <a:normAutofit fontScale="90000"/>
+          </a:bodyPr>
+          <a:lstStyle/>
+          <a:p>
+            <a:r>
+              <a:rPr lang="en-IN" spc="300" dirty="0" smtClean="0"/>
+              <a:t>APPLICATION OF KNOWN DRUGS</a:t>
+            </a:r>
+            <a:endParaRPr lang="en-US" spc="300" dirty="0"/>
+          </a:p>
+        </p:txBody>
+      </p:sp>
+      <p:sp>
+        <p:nvSpPr>
+          <p:cNvPr id="3" name="Content Placeholder 2"/>
+          <p:cNvSpPr>
+            <a:spLocks noGrp="1"/>
+          </p:cNvSpPr>
+          <p:nvPr>
+            <p:ph idx="1"/>
+          </p:nvPr>
+        </p:nvSpPr>
+        <p:spPr/>
+        <p:txBody>
+          <a:bodyPr>
+            <a:normAutofit fontScale="92500"/>
+          </a:bodyPr>
+          <a:lstStyle/>
+          <a:p>
+            <a:pPr>
+              <a:buFont typeface="Wingdings" pitchFamily="2" charset="2"/>
+              <a:buChar char="§"/>
+            </a:pPr>
+            <a:r>
+              <a:rPr lang="en-IN" dirty="0" smtClean="0"/>
+              <a:t>Model interference points of 6 known drugs</a:t>
+            </a:r>
+          </a:p>
+          <a:p>
+            <a:pPr>
+              <a:buFont typeface="Wingdings" pitchFamily="2" charset="2"/>
+              <a:buChar char="§"/>
+            </a:pPr>
+            <a:r>
+              <a:rPr lang="en-IN" dirty="0" smtClean="0"/>
+              <a:t>Enumerate drug combinations 2</a:t>
+            </a:r>
+            <a:r>
+              <a:rPr lang="en-IN" baseline="30000" dirty="0" smtClean="0"/>
+              <a:t>6</a:t>
+            </a:r>
+            <a:r>
+              <a:rPr lang="en-IN" dirty="0" smtClean="0"/>
+              <a:t> = 64</a:t>
+            </a:r>
+          </a:p>
+          <a:p>
+            <a:pPr>
+              <a:buFont typeface="Wingdings" pitchFamily="2" charset="2"/>
+              <a:buChar char="§"/>
+            </a:pPr>
+            <a:r>
+              <a:rPr lang="en-IN" dirty="0" smtClean="0"/>
+              <a:t>Execute Boolean network with drug combinations with combinations of fault locations</a:t>
+            </a:r>
+          </a:p>
+          <a:p>
+            <a:pPr lvl="1">
+              <a:buFont typeface="Wingdings" pitchFamily="2" charset="2"/>
+              <a:buChar char="§"/>
+            </a:pPr>
+            <a:r>
+              <a:rPr lang="en-IN" dirty="0" smtClean="0"/>
+              <a:t>Single faults</a:t>
+            </a:r>
+          </a:p>
+          <a:p>
+            <a:pPr lvl="1">
+              <a:buFont typeface="Wingdings" pitchFamily="2" charset="2"/>
+              <a:buChar char="§"/>
+            </a:pPr>
+            <a:r>
+              <a:rPr lang="en-IN" dirty="0" smtClean="0"/>
+              <a:t>Multiple faults</a:t>
+            </a:r>
+          </a:p>
+          <a:p>
+            <a:pPr>
+              <a:buFont typeface="Wingdings" pitchFamily="2" charset="2"/>
+              <a:buChar char="§"/>
+            </a:pPr>
+            <a:endParaRPr lang="en-US" dirty="0"/>
+          </a:p>
+        </p:txBody>
+      </p:sp>
+    </p:spTree>
+  </p:cSld>
+  <p:clrMapOvr>
+    <a:masterClrMapping/>
+  </p:clrMapOvr>
+  <p:timing>
+    <p:tnLst>
+      <p:par>
+        <p:cTn id="1" dur="indefinite" restart="never" nodeType="tmRoot"/>
+      </p:par>
+    </p:tnLst>
+  </p:timing>
+</p:sld>
+</file>
+
+<file path=ppt/slides/slide27.xml><?xml version="1.0" encoding="utf-8"?>
+<p:sld xmlns:a="http://schemas.openxmlformats.org/drawingml/2006/main" xmlns:r="http://schemas.openxmlformats.org/officeDocument/2006/relationships" xmlns:p="http://schemas.openxmlformats.org/presentationml/2006/main">
+  <p:cSld>
+    <p:spTree>
+      <p:nvGrpSpPr>
+        <p:cNvPr id="1" name=""/>
+        <p:cNvGrpSpPr/>
+        <p:nvPr/>
+      </p:nvGrpSpPr>
+      <p:grpSpPr>
+        <a:xfrm>
+          <a:off x="0" y="0"/>
+          <a:ext cx="0" cy="0"/>
+          <a:chOff x="0" y="0"/>
+          <a:chExt cx="0" cy="0"/>
+        </a:xfrm>
+      </p:grpSpPr>
+      <p:pic>
+        <p:nvPicPr>
+          <p:cNvPr id="4" name="Picture 3" descr="drug1.png"/>
+          <p:cNvPicPr>
+            <a:picLocks noChangeAspect="1"/>
+          </p:cNvPicPr>
+          <p:nvPr/>
+        </p:nvPicPr>
+        <p:blipFill>
+          <a:blip r:embed="rId2"/>
+          <a:stretch>
+            <a:fillRect/>
+          </a:stretch>
+        </p:blipFill>
+        <p:spPr>
+          <a:xfrm>
+            <a:off x="3357554" y="571486"/>
+            <a:ext cx="5458587" cy="3801006"/>
+          </a:xfrm>
+          <a:prstGeom prst="rect">
+            <a:avLst/>
+          </a:prstGeom>
+        </p:spPr>
+      </p:pic>
+      <p:sp>
+        <p:nvSpPr>
+          <p:cNvPr id="5" name="TextBox 4"/>
+          <p:cNvSpPr txBox="1"/>
+          <p:nvPr/>
+        </p:nvSpPr>
+        <p:spPr>
+          <a:xfrm>
+            <a:off x="857224" y="1571618"/>
+            <a:ext cx="2214578" cy="1569660"/>
+          </a:xfrm>
+          <a:prstGeom prst="rect">
+            <a:avLst/>
+          </a:prstGeom>
+          <a:noFill/>
+        </p:spPr>
+        <p:txBody>
+          <a:bodyPr wrap="square" rtlCol="0">
+            <a:spAutoFit/>
+          </a:bodyPr>
+          <a:lstStyle/>
+          <a:p>
+            <a:pPr algn="r"/>
+            <a:r>
+              <a:rPr lang="en-IN" sz="2400" spc="300" dirty="0" smtClean="0"/>
+              <a:t>DRUGS INHIBITING PARTICULAR PROTEINS</a:t>
+            </a:r>
+            <a:endParaRPr lang="en-US" sz="2400" spc="300" dirty="0"/>
+          </a:p>
+        </p:txBody>
+      </p:sp>
+      <p:sp>
+        <p:nvSpPr>
+          <p:cNvPr id="6" name="TextBox 5"/>
+          <p:cNvSpPr txBox="1"/>
+          <p:nvPr/>
+        </p:nvSpPr>
+        <p:spPr>
+          <a:xfrm>
+            <a:off x="5072066" y="4429138"/>
+            <a:ext cx="2428892" cy="369332"/>
+          </a:xfrm>
+          <a:prstGeom prst="rect">
+            <a:avLst/>
+          </a:prstGeom>
+          <a:noFill/>
+        </p:spPr>
+        <p:txBody>
+          <a:bodyPr wrap="square" rtlCol="0">
+            <a:spAutoFit/>
+          </a:bodyPr>
+          <a:lstStyle/>
+          <a:p>
+            <a:pPr algn="ctr"/>
+            <a:r>
+              <a:rPr lang="en-IN" i="1" spc="300" dirty="0" smtClean="0"/>
+              <a:t>(ref [2])</a:t>
+            </a:r>
+            <a:endParaRPr lang="en-US" i="1" spc="300" dirty="0"/>
+          </a:p>
+        </p:txBody>
+      </p:sp>
+    </p:spTree>
+  </p:cSld>
+  <p:clrMapOvr>
+    <a:masterClrMapping/>
+  </p:clrMapOvr>
+  <p:timing>
+    <p:tnLst>
+      <p:par>
+        <p:cTn id="1" dur="indefinite" restart="never" nodeType="tmRoot"/>
+      </p:par>
+    </p:tnLst>
+  </p:timing>
+</p:sld>
+</file>
+
+<file path=ppt/slides/slide28.xml><?xml version="1.0" encoding="utf-8"?>
+<p:sld xmlns:a="http://schemas.openxmlformats.org/drawingml/2006/main" xmlns:r="http://schemas.openxmlformats.org/officeDocument/2006/relationships" xmlns:p="http://schemas.openxmlformats.org/presentationml/2006/main">
+  <p:cSld>
+    <p:spTree>
+      <p:nvGrpSpPr>
+        <p:cNvPr id="1" name=""/>
+        <p:cNvGrpSpPr/>
+        <p:nvPr/>
+      </p:nvGrpSpPr>
+      <p:grpSpPr>
+        <a:xfrm>
+          <a:off x="0" y="0"/>
+          <a:ext cx="0" cy="0"/>
+          <a:chOff x="0" y="0"/>
+          <a:chExt cx="0" cy="0"/>
+        </a:xfrm>
+      </p:grpSpPr>
+      <p:sp>
+        <p:nvSpPr>
+          <p:cNvPr id="2" name="Title 1"/>
+          <p:cNvSpPr>
+            <a:spLocks noGrp="1"/>
+          </p:cNvSpPr>
+          <p:nvPr>
+            <p:ph type="title"/>
+          </p:nvPr>
+        </p:nvSpPr>
+        <p:spPr/>
+        <p:txBody>
+          <a:bodyPr>
+            <a:normAutofit/>
+          </a:bodyPr>
+          <a:lstStyle/>
+          <a:p>
+            <a:r>
+              <a:rPr lang="en-IN" sz="4000" spc="300" dirty="0" smtClean="0"/>
+              <a:t>ENCODING</a:t>
+            </a:r>
+            <a:endParaRPr lang="en-US" sz="4000" spc="300" baseline="30000" dirty="0"/>
+          </a:p>
+        </p:txBody>
+      </p:sp>
+      <p:sp>
+        <p:nvSpPr>
+          <p:cNvPr id="3" name="Content Placeholder 2"/>
+          <p:cNvSpPr>
+            <a:spLocks noGrp="1"/>
+          </p:cNvSpPr>
+          <p:nvPr>
+            <p:ph idx="1"/>
+          </p:nvPr>
+        </p:nvSpPr>
+        <p:spPr/>
+        <p:txBody>
+          <a:bodyPr>
+            <a:normAutofit/>
+          </a:bodyPr>
+          <a:lstStyle/>
+          <a:p>
+            <a:pPr>
+              <a:buNone/>
+            </a:pPr>
+            <a:r>
+              <a:rPr lang="en-IN" sz="2800" dirty="0" smtClean="0"/>
+              <a:t>	Given 7-bit output vector is converted into a single float </a:t>
+            </a:r>
+            <a:r>
+              <a:rPr lang="en-IN" sz="2800" dirty="0" smtClean="0"/>
+              <a:t>value</a:t>
+            </a:r>
+            <a:r>
+              <a:rPr lang="en-IN" sz="2800" baseline="30000" dirty="0" smtClean="0"/>
+              <a:t>[1]</a:t>
+            </a:r>
+            <a:r>
+              <a:rPr lang="en-IN" sz="2800" dirty="0" smtClean="0"/>
+              <a:t>:</a:t>
+            </a:r>
+            <a:endParaRPr lang="en-IN" sz="2800" dirty="0" smtClean="0"/>
+          </a:p>
+          <a:p>
+            <a:pPr algn="ctr">
+              <a:buNone/>
+            </a:pPr>
+            <a:r>
+              <a:rPr lang="en-IN" sz="2800" dirty="0" smtClean="0"/>
+              <a:t>Output vector = [a, b, c, d, e, f, g]</a:t>
+            </a:r>
+          </a:p>
+          <a:p>
+            <a:pPr algn="ctr">
+              <a:buNone/>
+            </a:pPr>
+            <a:r>
+              <a:rPr lang="en-IN" sz="2800" dirty="0" smtClean="0"/>
+              <a:t>x = a + b + c + d</a:t>
+            </a:r>
+          </a:p>
+          <a:p>
+            <a:pPr algn="ctr">
+              <a:buNone/>
+            </a:pPr>
+            <a:r>
+              <a:rPr lang="en-IN" sz="2800" dirty="0" smtClean="0"/>
+              <a:t>y = e + f + g</a:t>
+            </a:r>
+          </a:p>
+          <a:p>
+            <a:pPr algn="ctr">
+              <a:buNone/>
+            </a:pPr>
+            <a:r>
+              <a:rPr lang="en-IN" sz="2800" dirty="0" smtClean="0"/>
+              <a:t>Encoded weight = </a:t>
+            </a:r>
+            <a:r>
+              <a:rPr lang="el-GR" sz="2800" dirty="0" smtClean="0">
+                <a:latin typeface="Calibri"/>
+              </a:rPr>
+              <a:t>ω</a:t>
+            </a:r>
+            <a:r>
+              <a:rPr lang="en-IN" sz="2800" dirty="0" smtClean="0"/>
+              <a:t>*(x*y) + (1 - </a:t>
+            </a:r>
+            <a:r>
+              <a:rPr lang="el-GR" sz="2800" dirty="0" smtClean="0"/>
+              <a:t>ω</a:t>
+            </a:r>
+            <a:r>
+              <a:rPr lang="en-IN" sz="2800" dirty="0" smtClean="0"/>
+              <a:t>)*(x + y)</a:t>
             </a:r>
             <a:endParaRPr lang="en-US" sz="2800" dirty="0"/>
+          </a:p>
+        </p:txBody>
+      </p:sp>
+    </p:spTree>
+  </p:cSld>
+  <p:clrMapOvr>
+    <a:masterClrMapping/>
+  </p:clrMapOvr>
+  <p:timing>
+    <p:tnLst>
+      <p:par>
+        <p:cTn id="1" dur="indefinite" restart="never" nodeType="tmRoot"/>
+      </p:par>
+    </p:tnLst>
+  </p:timing>
+</p:sld>
+</file>
+
+<file path=ppt/slides/slide29.xml><?xml version="1.0" encoding="utf-8"?>
+<p:sld xmlns:a="http://schemas.openxmlformats.org/drawingml/2006/main" xmlns:r="http://schemas.openxmlformats.org/officeDocument/2006/relationships" xmlns:p="http://schemas.openxmlformats.org/presentationml/2006/main">
+  <p:cSld>
+    <p:spTree>
+      <p:nvGrpSpPr>
+        <p:cNvPr id="1" name=""/>
+        <p:cNvGrpSpPr/>
+        <p:nvPr/>
+      </p:nvGrpSpPr>
+      <p:grpSpPr>
+        <a:xfrm>
+          <a:off x="0" y="0"/>
+          <a:ext cx="0" cy="0"/>
+          <a:chOff x="0" y="0"/>
+          <a:chExt cx="0" cy="0"/>
+        </a:xfrm>
+      </p:grpSpPr>
+      <p:pic>
+        <p:nvPicPr>
+          <p:cNvPr id="4" name="Picture 3" descr="imshow_1.png"/>
+          <p:cNvPicPr>
+            <a:picLocks noChangeAspect="1"/>
+          </p:cNvPicPr>
+          <p:nvPr/>
+        </p:nvPicPr>
+        <p:blipFill>
+          <a:blip r:embed="rId2"/>
+          <a:stretch>
+            <a:fillRect/>
+          </a:stretch>
+        </p:blipFill>
+        <p:spPr>
+          <a:xfrm>
+            <a:off x="807764" y="1071552"/>
+            <a:ext cx="7550450" cy="3803042"/>
+          </a:xfrm>
+          <a:prstGeom prst="rect">
+            <a:avLst/>
+          </a:prstGeom>
+        </p:spPr>
+      </p:pic>
+      <p:sp>
+        <p:nvSpPr>
+          <p:cNvPr id="5" name="TextBox 4"/>
+          <p:cNvSpPr txBox="1"/>
+          <p:nvPr/>
+        </p:nvSpPr>
+        <p:spPr>
+          <a:xfrm>
+            <a:off x="1214414" y="214296"/>
+            <a:ext cx="6643734" cy="830997"/>
+          </a:xfrm>
+          <a:prstGeom prst="rect">
+            <a:avLst/>
+          </a:prstGeom>
+          <a:noFill/>
+        </p:spPr>
+        <p:txBody>
+          <a:bodyPr wrap="square" rtlCol="0">
+            <a:spAutoFit/>
+          </a:bodyPr>
+          <a:lstStyle/>
+          <a:p>
+            <a:pPr algn="ctr"/>
+            <a:r>
+              <a:rPr lang="en-IN" sz="2400" spc="300" dirty="0" smtClean="0"/>
+              <a:t>DRUG APPLICATION ON SINGLE FAULTS</a:t>
+            </a:r>
+          </a:p>
+          <a:p>
+            <a:pPr algn="ctr"/>
+            <a:r>
+              <a:rPr lang="en-IN" sz="2400" b="1" spc="300" dirty="0" smtClean="0"/>
+              <a:t>DRUG VECTOR V FAULT LOCATION</a:t>
+            </a:r>
+            <a:endParaRPr lang="en-US" sz="2400" b="1" spc="300" dirty="0"/>
           </a:p>
         </p:txBody>
       </p:sp>
@@ -3882,7 +5794,7 @@
           <a:p>
             <a:r>
               <a:rPr lang="en-IN" spc="300" dirty="0" smtClean="0"/>
-              <a:t>PROBLEM OBJECTIVE</a:t>
+              <a:t>PROBLEM STATEMENT</a:t>
             </a:r>
             <a:endParaRPr lang="en-US" spc="300" dirty="0"/>
           </a:p>
@@ -3898,7 +5810,12 @@
             <p:ph idx="1"/>
           </p:nvPr>
         </p:nvSpPr>
-        <p:spPr/>
+        <p:spPr>
+          <a:xfrm>
+            <a:off x="428596" y="1357304"/>
+            <a:ext cx="8229600" cy="3394472"/>
+          </a:xfrm>
+        </p:spPr>
         <p:txBody>
           <a:bodyPr>
             <a:normAutofit/>
@@ -3911,7 +5828,7 @@
             </a:pPr>
             <a:r>
               <a:rPr lang="en-IN" sz="2800" dirty="0" smtClean="0"/>
-              <a:t>Convert a signaling pathway into a Boolean network using pathway logic</a:t>
+              <a:t>Simulation of faults in a Boolean network inferred from a GF signaling pathway</a:t>
             </a:r>
           </a:p>
           <a:p>
@@ -3921,9 +5838,1323 @@
             </a:pPr>
             <a:r>
               <a:rPr lang="en-IN" sz="2800" dirty="0" smtClean="0"/>
-              <a:t>Identify unique input vector</a:t>
-            </a:r>
-          </a:p>
+              <a:t>Identification of optimum drug therapy to nullify the effects of faulty conditions</a:t>
+            </a:r>
+            <a:endParaRPr lang="en-US" sz="2800" dirty="0"/>
+          </a:p>
+        </p:txBody>
+      </p:sp>
+    </p:spTree>
+  </p:cSld>
+  <p:clrMapOvr>
+    <a:masterClrMapping/>
+  </p:clrMapOvr>
+  <p:timing>
+    <p:tnLst>
+      <p:par>
+        <p:cTn id="1" dur="indefinite" restart="never" nodeType="tmRoot"/>
+      </p:par>
+    </p:tnLst>
+  </p:timing>
+</p:sld>
+</file>
+
+<file path=ppt/slides/slide30.xml><?xml version="1.0" encoding="utf-8"?>
+<p:sld xmlns:a="http://schemas.openxmlformats.org/drawingml/2006/main" xmlns:r="http://schemas.openxmlformats.org/officeDocument/2006/relationships" xmlns:p="http://schemas.openxmlformats.org/presentationml/2006/main">
+  <p:cSld>
+    <p:spTree>
+      <p:nvGrpSpPr>
+        <p:cNvPr id="1" name=""/>
+        <p:cNvGrpSpPr/>
+        <p:nvPr/>
+      </p:nvGrpSpPr>
+      <p:grpSpPr>
+        <a:xfrm>
+          <a:off x="0" y="0"/>
+          <a:ext cx="0" cy="0"/>
+          <a:chOff x="0" y="0"/>
+          <a:chExt cx="0" cy="0"/>
+        </a:xfrm>
+      </p:grpSpPr>
+      <p:sp>
+        <p:nvSpPr>
+          <p:cNvPr id="2" name="TextBox 1"/>
+          <p:cNvSpPr txBox="1"/>
+          <p:nvPr/>
+        </p:nvSpPr>
+        <p:spPr>
+          <a:xfrm>
+            <a:off x="1214414" y="214296"/>
+            <a:ext cx="6643734" cy="830997"/>
+          </a:xfrm>
+          <a:prstGeom prst="rect">
+            <a:avLst/>
+          </a:prstGeom>
+          <a:noFill/>
+        </p:spPr>
+        <p:txBody>
+          <a:bodyPr wrap="square" rtlCol="0">
+            <a:spAutoFit/>
+          </a:bodyPr>
+          <a:lstStyle/>
+          <a:p>
+            <a:pPr algn="ctr"/>
+            <a:r>
+              <a:rPr lang="en-IN" sz="2400" spc="300" dirty="0" smtClean="0"/>
+              <a:t>DRUG APPLICATION ON DOUBLE FAULTS</a:t>
+            </a:r>
+          </a:p>
+          <a:p>
+            <a:pPr algn="ctr"/>
+            <a:r>
+              <a:rPr lang="en-IN" sz="2400" b="1" spc="300" dirty="0" smtClean="0"/>
+              <a:t>DRUG VECTOR V FAULT LOCATION</a:t>
+            </a:r>
+            <a:endParaRPr lang="en-US" sz="2400" b="1" spc="300" dirty="0"/>
+          </a:p>
+        </p:txBody>
+      </p:sp>
+      <p:pic>
+        <p:nvPicPr>
+          <p:cNvPr id="3" name="Picture 2" descr="imshow_2.png"/>
+          <p:cNvPicPr>
+            <a:picLocks noChangeAspect="1"/>
+          </p:cNvPicPr>
+          <p:nvPr/>
+        </p:nvPicPr>
+        <p:blipFill>
+          <a:blip r:embed="rId2"/>
+          <a:stretch>
+            <a:fillRect/>
+          </a:stretch>
+        </p:blipFill>
+        <p:spPr>
+          <a:xfrm>
+            <a:off x="500034" y="1024253"/>
+            <a:ext cx="8143932" cy="4119265"/>
+          </a:xfrm>
+          <a:prstGeom prst="rect">
+            <a:avLst/>
+          </a:prstGeom>
+        </p:spPr>
+      </p:pic>
+    </p:spTree>
+  </p:cSld>
+  <p:clrMapOvr>
+    <a:masterClrMapping/>
+  </p:clrMapOvr>
+  <p:timing>
+    <p:tnLst>
+      <p:par>
+        <p:cTn id="1" dur="indefinite" restart="never" nodeType="tmRoot"/>
+      </p:par>
+    </p:tnLst>
+  </p:timing>
+</p:sld>
+</file>
+
+<file path=ppt/slides/slide31.xml><?xml version="1.0" encoding="utf-8"?>
+<p:sld xmlns:a="http://schemas.openxmlformats.org/drawingml/2006/main" xmlns:r="http://schemas.openxmlformats.org/officeDocument/2006/relationships" xmlns:p="http://schemas.openxmlformats.org/presentationml/2006/main">
+  <p:cSld>
+    <p:spTree>
+      <p:nvGrpSpPr>
+        <p:cNvPr id="1" name=""/>
+        <p:cNvGrpSpPr/>
+        <p:nvPr/>
+      </p:nvGrpSpPr>
+      <p:grpSpPr>
+        <a:xfrm>
+          <a:off x="0" y="0"/>
+          <a:ext cx="0" cy="0"/>
+          <a:chOff x="0" y="0"/>
+          <a:chExt cx="0" cy="0"/>
+        </a:xfrm>
+      </p:grpSpPr>
+      <p:sp>
+        <p:nvSpPr>
+          <p:cNvPr id="2" name="Title 1"/>
+          <p:cNvSpPr>
+            <a:spLocks noGrp="1"/>
+          </p:cNvSpPr>
+          <p:nvPr>
+            <p:ph type="title"/>
+          </p:nvPr>
+        </p:nvSpPr>
+        <p:spPr/>
+        <p:txBody>
+          <a:bodyPr>
+            <a:normAutofit/>
+          </a:bodyPr>
+          <a:lstStyle/>
+          <a:p>
+            <a:r>
+              <a:rPr lang="en-IN" sz="4000" spc="300" dirty="0" smtClean="0"/>
+              <a:t>CONDENSING</a:t>
+            </a:r>
+            <a:endParaRPr lang="en-US" sz="4000" spc="300" dirty="0"/>
+          </a:p>
+        </p:txBody>
+      </p:sp>
+      <p:sp>
+        <p:nvSpPr>
+          <p:cNvPr id="3" name="Content Placeholder 2"/>
+          <p:cNvSpPr>
+            <a:spLocks noGrp="1"/>
+          </p:cNvSpPr>
+          <p:nvPr>
+            <p:ph idx="1"/>
+          </p:nvPr>
+        </p:nvSpPr>
+        <p:spPr/>
+        <p:txBody>
+          <a:bodyPr>
+            <a:normAutofit/>
+          </a:bodyPr>
+          <a:lstStyle/>
+          <a:p>
+            <a:pPr>
+              <a:buNone/>
+            </a:pPr>
+            <a:r>
+              <a:rPr lang="en-IN" sz="2400" dirty="0" smtClean="0"/>
+              <a:t>	If </a:t>
+            </a:r>
+            <a:r>
+              <a:rPr lang="en-IN" sz="2400" i="1" dirty="0" smtClean="0"/>
+              <a:t>enc</a:t>
+            </a:r>
+            <a:r>
+              <a:rPr lang="en-IN" sz="2400" i="1" baseline="-25000" dirty="0" smtClean="0"/>
+              <a:t>0</a:t>
+            </a:r>
+            <a:r>
+              <a:rPr lang="en-IN" sz="2400" dirty="0" smtClean="0"/>
+              <a:t> is the drugless output, and </a:t>
+            </a:r>
+            <a:r>
+              <a:rPr lang="en-IN" sz="2400" i="1" dirty="0" err="1" smtClean="0"/>
+              <a:t>faultn</a:t>
+            </a:r>
+            <a:r>
+              <a:rPr lang="en-IN" sz="2400" dirty="0" smtClean="0"/>
+              <a:t> is the number of faulty combinations:</a:t>
+            </a:r>
+          </a:p>
+          <a:p>
+            <a:pPr algn="ctr">
+              <a:buNone/>
+            </a:pPr>
+            <a:endParaRPr lang="en-IN" sz="2400" dirty="0" smtClean="0"/>
+          </a:p>
+          <a:p>
+            <a:pPr>
+              <a:buNone/>
+            </a:pPr>
+            <a:r>
+              <a:rPr lang="en-IN" sz="2400" dirty="0" smtClean="0"/>
+              <a:t>	Calculating relative effect of each drug vector:</a:t>
+            </a:r>
+          </a:p>
+          <a:p>
+            <a:pPr>
+              <a:buNone/>
+            </a:pPr>
+            <a:endParaRPr lang="en-IN" sz="2400" dirty="0" smtClean="0"/>
+          </a:p>
+          <a:p>
+            <a:pPr>
+              <a:buNone/>
+            </a:pPr>
+            <a:endParaRPr lang="en-IN" sz="2400" dirty="0" smtClean="0"/>
+          </a:p>
+          <a:p>
+            <a:pPr>
+              <a:buNone/>
+            </a:pPr>
+            <a:r>
+              <a:rPr lang="en-IN" sz="2400" dirty="0" smtClean="0"/>
+              <a:t>	where </a:t>
+            </a:r>
+            <a:r>
+              <a:rPr lang="en-IN" sz="2400" i="1" dirty="0" err="1" smtClean="0"/>
+              <a:t>cond</a:t>
+            </a:r>
+            <a:r>
+              <a:rPr lang="en-IN" sz="2400" i="1" baseline="-25000" dirty="0" err="1" smtClean="0"/>
+              <a:t>i</a:t>
+            </a:r>
+            <a:r>
+              <a:rPr lang="en-IN" sz="2400" dirty="0" smtClean="0"/>
+              <a:t> and </a:t>
+            </a:r>
+            <a:r>
+              <a:rPr lang="en-IN" sz="2400" i="1" dirty="0" err="1" smtClean="0"/>
+              <a:t>encv</a:t>
+            </a:r>
+            <a:r>
+              <a:rPr lang="en-IN" sz="2400" i="1" baseline="-25000" dirty="0" err="1" smtClean="0"/>
+              <a:t>i</a:t>
+            </a:r>
+            <a:r>
+              <a:rPr lang="en-IN" sz="2400" dirty="0" smtClean="0"/>
+              <a:t> are condensed weight and encoded output corresponding to drug </a:t>
+            </a:r>
+            <a:r>
+              <a:rPr lang="en-IN" sz="2400" i="1" dirty="0" err="1" smtClean="0"/>
+              <a:t>i</a:t>
+            </a:r>
+            <a:endParaRPr lang="en-IN" sz="2400" i="1" dirty="0" smtClean="0"/>
+          </a:p>
+        </p:txBody>
+      </p:sp>
+      <p:sp>
+        <p:nvSpPr>
+          <p:cNvPr id="1026" name="Rectangle 2"/>
+          <p:cNvSpPr>
+            <a:spLocks noChangeArrowheads="1"/>
+          </p:cNvSpPr>
+          <p:nvPr/>
+        </p:nvSpPr>
+        <p:spPr bwMode="auto">
+          <a:xfrm>
+            <a:off x="0" y="0"/>
+            <a:ext cx="9144000" cy="457200"/>
+          </a:xfrm>
+          <a:prstGeom prst="rect">
+            <a:avLst/>
+          </a:prstGeom>
+          <a:noFill/>
+          <a:ln w="9525">
+            <a:noFill/>
+            <a:miter lim="800000"/>
+            <a:headEnd/>
+            <a:tailEnd/>
+          </a:ln>
+          <a:effectLst/>
+        </p:spPr>
+        <p:txBody>
+          <a:bodyPr vert="horz" wrap="none" lIns="91440" tIns="45720" rIns="91440" bIns="45720" numCol="1" anchor="ctr" anchorCtr="0" compatLnSpc="1">
+            <a:prstTxWarp prst="textNoShape">
+              <a:avLst/>
+            </a:prstTxWarp>
+            <a:spAutoFit/>
+          </a:bodyPr>
+          <a:lstStyle/>
+          <a:p>
+            <a:endParaRPr lang="en-US"/>
+          </a:p>
+        </p:txBody>
+      </p:sp>
+      <p:pic>
+        <p:nvPicPr>
+          <p:cNvPr id="1025" name="Picture 1"/>
+          <p:cNvPicPr>
+            <a:picLocks noChangeAspect="1" noChangeArrowheads="1"/>
+          </p:cNvPicPr>
+          <p:nvPr/>
+        </p:nvPicPr>
+        <p:blipFill>
+          <a:blip r:embed="rId2">
+            <a:clrChange>
+              <a:clrFrom>
+                <a:srgbClr val="FFFFFF"/>
+              </a:clrFrom>
+              <a:clrTo>
+                <a:srgbClr val="FFFFFF">
+                  <a:alpha val="0"/>
+                </a:srgbClr>
+              </a:clrTo>
+            </a:clrChange>
+          </a:blip>
+          <a:srcRect/>
+          <a:stretch>
+            <a:fillRect/>
+          </a:stretch>
+        </p:blipFill>
+        <p:spPr bwMode="auto">
+          <a:xfrm>
+            <a:off x="3714744" y="1928808"/>
+            <a:ext cx="1400175" cy="542925"/>
+          </a:xfrm>
+          <a:prstGeom prst="rect">
+            <a:avLst/>
+          </a:prstGeom>
+          <a:noFill/>
+        </p:spPr>
+      </p:pic>
+      <p:sp>
+        <p:nvSpPr>
+          <p:cNvPr id="1028" name="Rectangle 4"/>
+          <p:cNvSpPr>
+            <a:spLocks noChangeArrowheads="1"/>
+          </p:cNvSpPr>
+          <p:nvPr/>
+        </p:nvSpPr>
+        <p:spPr bwMode="auto">
+          <a:xfrm>
+            <a:off x="0" y="0"/>
+            <a:ext cx="9144000" cy="457200"/>
+          </a:xfrm>
+          <a:prstGeom prst="rect">
+            <a:avLst/>
+          </a:prstGeom>
+          <a:noFill/>
+          <a:ln w="9525">
+            <a:noFill/>
+            <a:miter lim="800000"/>
+            <a:headEnd/>
+            <a:tailEnd/>
+          </a:ln>
+          <a:effectLst/>
+        </p:spPr>
+        <p:txBody>
+          <a:bodyPr vert="horz" wrap="none" lIns="91440" tIns="45720" rIns="91440" bIns="45720" numCol="1" anchor="ctr" anchorCtr="0" compatLnSpc="1">
+            <a:prstTxWarp prst="textNoShape">
+              <a:avLst/>
+            </a:prstTxWarp>
+            <a:spAutoFit/>
+          </a:bodyPr>
+          <a:lstStyle/>
+          <a:p>
+            <a:endParaRPr lang="en-US"/>
+          </a:p>
+        </p:txBody>
+      </p:sp>
+      <p:pic>
+        <p:nvPicPr>
+          <p:cNvPr id="1027" name="Picture 3"/>
+          <p:cNvPicPr>
+            <a:picLocks noChangeAspect="1" noChangeArrowheads="1"/>
+          </p:cNvPicPr>
+          <p:nvPr/>
+        </p:nvPicPr>
+        <p:blipFill>
+          <a:blip r:embed="rId3">
+            <a:clrChange>
+              <a:clrFrom>
+                <a:srgbClr val="FFFFFF"/>
+              </a:clrFrom>
+              <a:clrTo>
+                <a:srgbClr val="FFFFFF">
+                  <a:alpha val="0"/>
+                </a:srgbClr>
+              </a:clrTo>
+            </a:clrChange>
+          </a:blip>
+          <a:srcRect/>
+          <a:stretch>
+            <a:fillRect/>
+          </a:stretch>
+        </p:blipFill>
+        <p:spPr bwMode="auto">
+          <a:xfrm>
+            <a:off x="3357554" y="3071816"/>
+            <a:ext cx="2695575" cy="561975"/>
+          </a:xfrm>
+          <a:prstGeom prst="rect">
+            <a:avLst/>
+          </a:prstGeom>
+          <a:noFill/>
+        </p:spPr>
+      </p:pic>
+    </p:spTree>
+  </p:cSld>
+  <p:clrMapOvr>
+    <a:masterClrMapping/>
+  </p:clrMapOvr>
+  <p:timing>
+    <p:tnLst>
+      <p:par>
+        <p:cTn id="1" dur="indefinite" restart="never" nodeType="tmRoot"/>
+      </p:par>
+    </p:tnLst>
+  </p:timing>
+</p:sld>
+</file>
+
+<file path=ppt/slides/slide32.xml><?xml version="1.0" encoding="utf-8"?>
+<p:sld xmlns:a="http://schemas.openxmlformats.org/drawingml/2006/main" xmlns:r="http://schemas.openxmlformats.org/officeDocument/2006/relationships" xmlns:p="http://schemas.openxmlformats.org/presentationml/2006/main">
+  <p:cSld>
+    <p:spTree>
+      <p:nvGrpSpPr>
+        <p:cNvPr id="1" name=""/>
+        <p:cNvGrpSpPr/>
+        <p:nvPr/>
+      </p:nvGrpSpPr>
+      <p:grpSpPr>
+        <a:xfrm>
+          <a:off x="0" y="0"/>
+          <a:ext cx="0" cy="0"/>
+          <a:chOff x="0" y="0"/>
+          <a:chExt cx="0" cy="0"/>
+        </a:xfrm>
+      </p:grpSpPr>
+      <p:pic>
+        <p:nvPicPr>
+          <p:cNvPr id="4" name="Picture 3" descr="scatter_1.png"/>
+          <p:cNvPicPr>
+            <a:picLocks noChangeAspect="1"/>
+          </p:cNvPicPr>
+          <p:nvPr/>
+        </p:nvPicPr>
+        <p:blipFill>
+          <a:blip r:embed="rId2"/>
+          <a:stretch>
+            <a:fillRect/>
+          </a:stretch>
+        </p:blipFill>
+        <p:spPr>
+          <a:xfrm>
+            <a:off x="71438" y="1194064"/>
+            <a:ext cx="9001156" cy="3163636"/>
+          </a:xfrm>
+          <a:prstGeom prst="rect">
+            <a:avLst/>
+          </a:prstGeom>
+        </p:spPr>
+      </p:pic>
+      <p:sp>
+        <p:nvSpPr>
+          <p:cNvPr id="5" name="TextBox 4"/>
+          <p:cNvSpPr txBox="1"/>
+          <p:nvPr/>
+        </p:nvSpPr>
+        <p:spPr>
+          <a:xfrm>
+            <a:off x="1071538" y="214296"/>
+            <a:ext cx="6929486" cy="830997"/>
+          </a:xfrm>
+          <a:prstGeom prst="rect">
+            <a:avLst/>
+          </a:prstGeom>
+          <a:noFill/>
+        </p:spPr>
+        <p:txBody>
+          <a:bodyPr wrap="square" rtlCol="0">
+            <a:spAutoFit/>
+          </a:bodyPr>
+          <a:lstStyle/>
+          <a:p>
+            <a:pPr algn="ctr"/>
+            <a:r>
+              <a:rPr lang="en-IN" sz="2400" spc="300" dirty="0" smtClean="0"/>
+              <a:t>DRUG APPLICATION ON SINGLE FAULTS</a:t>
+            </a:r>
+          </a:p>
+          <a:p>
+            <a:pPr algn="ctr"/>
+            <a:r>
+              <a:rPr lang="en-IN" sz="2400" b="1" spc="300" dirty="0" smtClean="0"/>
+              <a:t>DRUG VECTOR V CONDENSED WEIGHTS</a:t>
+            </a:r>
+            <a:endParaRPr lang="en-US" sz="2400" b="1" spc="300" dirty="0"/>
+          </a:p>
+        </p:txBody>
+      </p:sp>
+    </p:spTree>
+  </p:cSld>
+  <p:clrMapOvr>
+    <a:masterClrMapping/>
+  </p:clrMapOvr>
+  <p:timing>
+    <p:tnLst>
+      <p:par>
+        <p:cTn id="1" dur="indefinite" restart="never" nodeType="tmRoot"/>
+      </p:par>
+    </p:tnLst>
+  </p:timing>
+</p:sld>
+</file>
+
+<file path=ppt/slides/slide33.xml><?xml version="1.0" encoding="utf-8"?>
+<p:sld xmlns:a="http://schemas.openxmlformats.org/drawingml/2006/main" xmlns:r="http://schemas.openxmlformats.org/officeDocument/2006/relationships" xmlns:p="http://schemas.openxmlformats.org/presentationml/2006/main">
+  <p:cSld>
+    <p:spTree>
+      <p:nvGrpSpPr>
+        <p:cNvPr id="1" name=""/>
+        <p:cNvGrpSpPr/>
+        <p:nvPr/>
+      </p:nvGrpSpPr>
+      <p:grpSpPr>
+        <a:xfrm>
+          <a:off x="0" y="0"/>
+          <a:ext cx="0" cy="0"/>
+          <a:chOff x="0" y="0"/>
+          <a:chExt cx="0" cy="0"/>
+        </a:xfrm>
+      </p:grpSpPr>
+      <p:pic>
+        <p:nvPicPr>
+          <p:cNvPr id="2" name="Picture 1" descr="scatter_2.png"/>
+          <p:cNvPicPr>
+            <a:picLocks noChangeAspect="1"/>
+          </p:cNvPicPr>
+          <p:nvPr/>
+        </p:nvPicPr>
+        <p:blipFill>
+          <a:blip r:embed="rId2"/>
+          <a:stretch>
+            <a:fillRect/>
+          </a:stretch>
+        </p:blipFill>
+        <p:spPr>
+          <a:xfrm>
+            <a:off x="142844" y="1214428"/>
+            <a:ext cx="8858313" cy="3117535"/>
+          </a:xfrm>
+          <a:prstGeom prst="rect">
+            <a:avLst/>
+          </a:prstGeom>
+        </p:spPr>
+      </p:pic>
+      <p:sp>
+        <p:nvSpPr>
+          <p:cNvPr id="3" name="TextBox 2"/>
+          <p:cNvSpPr txBox="1"/>
+          <p:nvPr/>
+        </p:nvSpPr>
+        <p:spPr>
+          <a:xfrm>
+            <a:off x="1071538" y="214296"/>
+            <a:ext cx="6929486" cy="830997"/>
+          </a:xfrm>
+          <a:prstGeom prst="rect">
+            <a:avLst/>
+          </a:prstGeom>
+          <a:noFill/>
+        </p:spPr>
+        <p:txBody>
+          <a:bodyPr wrap="square" rtlCol="0">
+            <a:spAutoFit/>
+          </a:bodyPr>
+          <a:lstStyle/>
+          <a:p>
+            <a:pPr algn="ctr"/>
+            <a:r>
+              <a:rPr lang="en-IN" sz="2400" spc="300" dirty="0" smtClean="0"/>
+              <a:t>DRUG APPLICATION ON DOUBLE FAULTS</a:t>
+            </a:r>
+          </a:p>
+          <a:p>
+            <a:pPr algn="ctr"/>
+            <a:r>
+              <a:rPr lang="en-IN" sz="2400" b="1" spc="300" dirty="0" smtClean="0"/>
+              <a:t>DRUG VECTOR V CONDENSED WEIGHTS</a:t>
+            </a:r>
+            <a:endParaRPr lang="en-US" sz="2400" b="1" spc="300" dirty="0"/>
+          </a:p>
+        </p:txBody>
+      </p:sp>
+    </p:spTree>
+  </p:cSld>
+  <p:clrMapOvr>
+    <a:masterClrMapping/>
+  </p:clrMapOvr>
+  <p:timing>
+    <p:tnLst>
+      <p:par>
+        <p:cTn id="1" dur="indefinite" restart="never" nodeType="tmRoot"/>
+      </p:par>
+    </p:tnLst>
+  </p:timing>
+</p:sld>
+</file>
+
+<file path=ppt/slides/slide34.xml><?xml version="1.0" encoding="utf-8"?>
+<p:sld xmlns:a="http://schemas.openxmlformats.org/drawingml/2006/main" xmlns:r="http://schemas.openxmlformats.org/officeDocument/2006/relationships" xmlns:p="http://schemas.openxmlformats.org/presentationml/2006/main">
+  <p:cSld>
+    <p:spTree>
+      <p:nvGrpSpPr>
+        <p:cNvPr id="1" name=""/>
+        <p:cNvGrpSpPr/>
+        <p:nvPr/>
+      </p:nvGrpSpPr>
+      <p:grpSpPr>
+        <a:xfrm>
+          <a:off x="0" y="0"/>
+          <a:ext cx="0" cy="0"/>
+          <a:chOff x="0" y="0"/>
+          <a:chExt cx="0" cy="0"/>
+        </a:xfrm>
+      </p:grpSpPr>
+      <p:sp>
+        <p:nvSpPr>
+          <p:cNvPr id="2" name="TextBox 1"/>
+          <p:cNvSpPr txBox="1"/>
+          <p:nvPr/>
+        </p:nvSpPr>
+        <p:spPr>
+          <a:xfrm>
+            <a:off x="785786" y="214296"/>
+            <a:ext cx="7429552" cy="830997"/>
+          </a:xfrm>
+          <a:prstGeom prst="rect">
+            <a:avLst/>
+          </a:prstGeom>
+          <a:noFill/>
+        </p:spPr>
+        <p:txBody>
+          <a:bodyPr wrap="square" rtlCol="0">
+            <a:spAutoFit/>
+          </a:bodyPr>
+          <a:lstStyle/>
+          <a:p>
+            <a:pPr algn="ctr"/>
+            <a:r>
+              <a:rPr lang="en-IN" sz="2400" spc="300" dirty="0" smtClean="0"/>
+              <a:t>DRUG APPLICATION ON FAULT SCENARIOS 1-3</a:t>
+            </a:r>
+          </a:p>
+          <a:p>
+            <a:pPr algn="ctr"/>
+            <a:r>
+              <a:rPr lang="en-IN" sz="2400" b="1" spc="300" dirty="0" smtClean="0"/>
+              <a:t>DRUG VECTOR V CONDENSED WEIGHTS</a:t>
+            </a:r>
+            <a:endParaRPr lang="en-US" sz="2400" b="1" spc="300" dirty="0"/>
+          </a:p>
+        </p:txBody>
+      </p:sp>
+      <p:pic>
+        <p:nvPicPr>
+          <p:cNvPr id="3" name="Picture 2" descr="scatter_combined.png"/>
+          <p:cNvPicPr>
+            <a:picLocks noChangeAspect="1"/>
+          </p:cNvPicPr>
+          <p:nvPr/>
+        </p:nvPicPr>
+        <p:blipFill>
+          <a:blip r:embed="rId2"/>
+          <a:stretch>
+            <a:fillRect/>
+          </a:stretch>
+        </p:blipFill>
+        <p:spPr>
+          <a:xfrm>
+            <a:off x="142844" y="1165985"/>
+            <a:ext cx="8858312" cy="3120277"/>
+          </a:xfrm>
+          <a:prstGeom prst="rect">
+            <a:avLst/>
+          </a:prstGeom>
+        </p:spPr>
+      </p:pic>
+    </p:spTree>
+  </p:cSld>
+  <p:clrMapOvr>
+    <a:masterClrMapping/>
+  </p:clrMapOvr>
+  <p:timing>
+    <p:tnLst>
+      <p:par>
+        <p:cTn id="1" dur="indefinite" restart="never" nodeType="tmRoot"/>
+      </p:par>
+    </p:tnLst>
+  </p:timing>
+</p:sld>
+</file>
+
+<file path=ppt/slides/slide35.xml><?xml version="1.0" encoding="utf-8"?>
+<p:sld xmlns:a="http://schemas.openxmlformats.org/drawingml/2006/main" xmlns:r="http://schemas.openxmlformats.org/officeDocument/2006/relationships" xmlns:p="http://schemas.openxmlformats.org/presentationml/2006/main">
+  <p:cSld>
+    <p:spTree>
+      <p:nvGrpSpPr>
+        <p:cNvPr id="1" name=""/>
+        <p:cNvGrpSpPr/>
+        <p:nvPr/>
+      </p:nvGrpSpPr>
+      <p:grpSpPr>
+        <a:xfrm>
+          <a:off x="0" y="0"/>
+          <a:ext cx="0" cy="0"/>
+          <a:chOff x="0" y="0"/>
+          <a:chExt cx="0" cy="0"/>
+        </a:xfrm>
+      </p:grpSpPr>
+      <p:sp>
+        <p:nvSpPr>
+          <p:cNvPr id="2" name="Title 1"/>
+          <p:cNvSpPr>
+            <a:spLocks noGrp="1"/>
+          </p:cNvSpPr>
+          <p:nvPr>
+            <p:ph type="title"/>
+          </p:nvPr>
+        </p:nvSpPr>
+        <p:spPr>
+          <a:xfrm>
+            <a:off x="4714876" y="1643056"/>
+            <a:ext cx="4071934" cy="1357322"/>
+          </a:xfrm>
+        </p:spPr>
+        <p:txBody>
+          <a:bodyPr>
+            <a:normAutofit/>
+          </a:bodyPr>
+          <a:lstStyle/>
+          <a:p>
+            <a:pPr algn="l"/>
+            <a:r>
+              <a:rPr lang="en-IN" sz="2400" spc="300" dirty="0" smtClean="0"/>
+              <a:t>PARALLEL</a:t>
+            </a:r>
+            <a:br>
+              <a:rPr lang="en-IN" sz="2400" spc="300" dirty="0" smtClean="0"/>
+            </a:br>
+            <a:r>
+              <a:rPr lang="en-IN" sz="2400" spc="300" dirty="0" smtClean="0"/>
+              <a:t>DRUG APPLICATION</a:t>
+            </a:r>
+            <a:br>
+              <a:rPr lang="en-IN" sz="2400" spc="300" dirty="0" smtClean="0"/>
+            </a:br>
+            <a:r>
+              <a:rPr lang="en-IN" sz="2400" spc="300" dirty="0" smtClean="0"/>
+              <a:t>VIA GPU</a:t>
+            </a:r>
+            <a:endParaRPr lang="en-US" sz="2400" spc="300" dirty="0"/>
+          </a:p>
+        </p:txBody>
+      </p:sp>
+      <p:pic>
+        <p:nvPicPr>
+          <p:cNvPr id="4" name="Content Placeholder 3" descr="gpu_application.png"/>
+          <p:cNvPicPr>
+            <a:picLocks noGrp="1" noChangeAspect="1"/>
+          </p:cNvPicPr>
+          <p:nvPr>
+            <p:ph idx="1"/>
+          </p:nvPr>
+        </p:nvPicPr>
+        <p:blipFill>
+          <a:blip r:embed="rId2" cstate="print"/>
+          <a:stretch>
+            <a:fillRect/>
+          </a:stretch>
+        </p:blipFill>
+        <p:spPr>
+          <a:xfrm>
+            <a:off x="785786" y="71420"/>
+            <a:ext cx="3500462" cy="5014996"/>
+          </a:xfrm>
+        </p:spPr>
+      </p:pic>
+    </p:spTree>
+  </p:cSld>
+  <p:clrMapOvr>
+    <a:masterClrMapping/>
+  </p:clrMapOvr>
+  <p:timing>
+    <p:tnLst>
+      <p:par>
+        <p:cTn id="1" dur="indefinite" restart="never" nodeType="tmRoot"/>
+      </p:par>
+    </p:tnLst>
+  </p:timing>
+</p:sld>
+</file>
+
+<file path=ppt/slides/slide36.xml><?xml version="1.0" encoding="utf-8"?>
+<p:sld xmlns:a="http://schemas.openxmlformats.org/drawingml/2006/main" xmlns:r="http://schemas.openxmlformats.org/officeDocument/2006/relationships" xmlns:p="http://schemas.openxmlformats.org/presentationml/2006/main">
+  <p:cSld>
+    <p:spTree>
+      <p:nvGrpSpPr>
+        <p:cNvPr id="1" name=""/>
+        <p:cNvGrpSpPr/>
+        <p:nvPr/>
+      </p:nvGrpSpPr>
+      <p:grpSpPr>
+        <a:xfrm>
+          <a:off x="0" y="0"/>
+          <a:ext cx="0" cy="0"/>
+          <a:chOff x="0" y="0"/>
+          <a:chExt cx="0" cy="0"/>
+        </a:xfrm>
+      </p:grpSpPr>
+      <p:pic>
+        <p:nvPicPr>
+          <p:cNvPr id="4" name="Picture 3" descr="scatter_time.png"/>
+          <p:cNvPicPr>
+            <a:picLocks noChangeAspect="1"/>
+          </p:cNvPicPr>
+          <p:nvPr/>
+        </p:nvPicPr>
+        <p:blipFill>
+          <a:blip r:embed="rId2"/>
+          <a:stretch>
+            <a:fillRect/>
+          </a:stretch>
+        </p:blipFill>
+        <p:spPr>
+          <a:xfrm>
+            <a:off x="3643306" y="571486"/>
+            <a:ext cx="5115013" cy="3836260"/>
+          </a:xfrm>
+          <a:prstGeom prst="rect">
+            <a:avLst/>
+          </a:prstGeom>
+        </p:spPr>
+      </p:pic>
+      <p:sp>
+        <p:nvSpPr>
+          <p:cNvPr id="5" name="Title 1"/>
+          <p:cNvSpPr txBox="1">
+            <a:spLocks/>
+          </p:cNvSpPr>
+          <p:nvPr/>
+        </p:nvSpPr>
+        <p:spPr>
+          <a:xfrm>
+            <a:off x="142844" y="1571618"/>
+            <a:ext cx="3357554" cy="2143140"/>
+          </a:xfrm>
+          <a:prstGeom prst="rect">
+            <a:avLst/>
+          </a:prstGeom>
+        </p:spPr>
+        <p:txBody>
+          <a:bodyPr>
+            <a:normAutofit lnSpcReduction="10000"/>
+          </a:bodyPr>
+          <a:lstStyle/>
+          <a:p>
+            <a:pPr marL="0" marR="0" lvl="0" indent="0" algn="r" defTabSz="914400" rtl="0" eaLnBrk="1" fontAlgn="auto" latinLnBrk="0" hangingPunct="1">
+              <a:lnSpc>
+                <a:spcPct val="100000"/>
+              </a:lnSpc>
+              <a:spcBef>
+                <a:spcPct val="0"/>
+              </a:spcBef>
+              <a:spcAft>
+                <a:spcPts val="0"/>
+              </a:spcAft>
+              <a:buClrTx/>
+              <a:buSzTx/>
+              <a:buFontTx/>
+              <a:buNone/>
+              <a:tabLst/>
+              <a:defRPr/>
+            </a:pPr>
+            <a:r>
+              <a:rPr kumimoji="0" lang="en-IN" sz="2400" b="0" i="0" u="none" strike="noStrike" kern="1200" cap="none" spc="300" normalizeH="0" baseline="0" noProof="0" dirty="0" smtClean="0">
+                <a:ln>
+                  <a:noFill/>
+                </a:ln>
+                <a:solidFill>
+                  <a:schemeClr val="tx1"/>
+                </a:solidFill>
+                <a:effectLst/>
+                <a:uLnTx/>
+                <a:uFillTx/>
+                <a:latin typeface="+mj-lt"/>
+                <a:ea typeface="+mj-ea"/>
+                <a:cs typeface="+mj-cs"/>
+              </a:rPr>
+              <a:t>EXECUTION </a:t>
+            </a:r>
+            <a:r>
+              <a:rPr kumimoji="0" lang="en-IN" sz="2400" b="0" i="0" u="none" strike="noStrike" kern="1200" cap="none" spc="300" normalizeH="0" baseline="0" noProof="0" dirty="0" smtClean="0">
+                <a:ln>
+                  <a:noFill/>
+                </a:ln>
+                <a:solidFill>
+                  <a:schemeClr val="tx1"/>
+                </a:solidFill>
+                <a:effectLst/>
+                <a:uLnTx/>
+                <a:uFillTx/>
+                <a:latin typeface="+mj-lt"/>
+                <a:ea typeface="+mj-ea"/>
+                <a:cs typeface="+mj-cs"/>
+              </a:rPr>
+              <a:t>TIME CORRESPONDING </a:t>
+            </a:r>
+            <a:r>
+              <a:rPr kumimoji="0" lang="en-IN" sz="2400" i="0" u="none" strike="noStrike" kern="1200" cap="none" spc="300" normalizeH="0" baseline="0" noProof="0" dirty="0" smtClean="0">
+                <a:ln>
+                  <a:noFill/>
+                </a:ln>
+                <a:solidFill>
+                  <a:schemeClr val="tx1"/>
+                </a:solidFill>
+                <a:effectLst/>
+                <a:uLnTx/>
+                <a:uFillTx/>
+                <a:latin typeface="+mj-lt"/>
+                <a:ea typeface="+mj-ea"/>
+                <a:cs typeface="+mj-cs"/>
+              </a:rPr>
+              <a:t>TO</a:t>
+            </a:r>
+            <a:r>
+              <a:rPr kumimoji="0" lang="en-IN" sz="2400" b="1" i="0" u="none" strike="noStrike" kern="1200" cap="none" spc="300" normalizeH="0" baseline="0" noProof="0" dirty="0" smtClean="0">
+                <a:ln>
+                  <a:noFill/>
+                </a:ln>
+                <a:solidFill>
+                  <a:schemeClr val="tx1"/>
+                </a:solidFill>
+                <a:effectLst/>
+                <a:uLnTx/>
+                <a:uFillTx/>
+                <a:latin typeface="+mj-lt"/>
+                <a:ea typeface="+mj-ea"/>
+                <a:cs typeface="+mj-cs"/>
+              </a:rPr>
+              <a:t> SEQEUNTIAL</a:t>
+            </a:r>
+            <a:r>
+              <a:rPr kumimoji="0" lang="en-IN" sz="2400" b="1" i="0" u="none" strike="noStrike" kern="1200" cap="none" spc="300" normalizeH="0" noProof="0" dirty="0" smtClean="0">
+                <a:ln>
+                  <a:noFill/>
+                </a:ln>
+                <a:solidFill>
+                  <a:schemeClr val="tx1"/>
+                </a:solidFill>
+                <a:effectLst/>
+                <a:uLnTx/>
+                <a:uFillTx/>
+                <a:latin typeface="+mj-lt"/>
+                <a:ea typeface="+mj-ea"/>
+                <a:cs typeface="+mj-cs"/>
+              </a:rPr>
+              <a:t> </a:t>
+            </a:r>
+            <a:r>
+              <a:rPr kumimoji="0" lang="en-IN" sz="2400" b="1" i="0" u="none" strike="noStrike" kern="1200" cap="none" spc="300" normalizeH="0" noProof="0" dirty="0" smtClean="0">
+                <a:ln>
+                  <a:noFill/>
+                </a:ln>
+                <a:solidFill>
+                  <a:schemeClr val="tx1"/>
+                </a:solidFill>
+                <a:effectLst/>
+                <a:uLnTx/>
+                <a:uFillTx/>
+                <a:latin typeface="+mj-lt"/>
+                <a:ea typeface="+mj-ea"/>
+                <a:cs typeface="+mj-cs"/>
+              </a:rPr>
+              <a:t>EXECUTION IN </a:t>
+            </a:r>
+            <a:r>
+              <a:rPr kumimoji="0" lang="en-IN" sz="2400" b="1" i="0" u="none" strike="noStrike" kern="1200" cap="none" spc="300" normalizeH="0" noProof="0" dirty="0" smtClean="0">
+                <a:ln>
+                  <a:noFill/>
+                </a:ln>
+                <a:solidFill>
+                  <a:schemeClr val="tx1"/>
+                </a:solidFill>
+                <a:effectLst/>
+                <a:uLnTx/>
+                <a:uFillTx/>
+                <a:latin typeface="+mj-lt"/>
+                <a:ea typeface="+mj-ea"/>
+                <a:cs typeface="+mj-cs"/>
+              </a:rPr>
+              <a:t>CPU </a:t>
+            </a:r>
+            <a:r>
+              <a:rPr kumimoji="0" lang="en-IN" sz="2400" b="0" i="0" u="none" strike="noStrike" kern="1200" cap="none" spc="300" normalizeH="0" noProof="0" dirty="0" smtClean="0">
+                <a:ln>
+                  <a:noFill/>
+                </a:ln>
+                <a:solidFill>
+                  <a:schemeClr val="tx1"/>
+                </a:solidFill>
+                <a:effectLst/>
+                <a:uLnTx/>
+                <a:uFillTx/>
+                <a:latin typeface="+mj-lt"/>
+                <a:ea typeface="+mj-ea"/>
+                <a:cs typeface="+mj-cs"/>
+              </a:rPr>
+              <a:t>AND </a:t>
+            </a:r>
+            <a:r>
+              <a:rPr kumimoji="0" lang="en-IN" sz="2400" b="1" i="0" u="none" strike="noStrike" kern="1200" cap="none" spc="300" normalizeH="0" noProof="0" dirty="0" smtClean="0">
+                <a:ln>
+                  <a:noFill/>
+                </a:ln>
+                <a:solidFill>
+                  <a:schemeClr val="tx1"/>
+                </a:solidFill>
+                <a:effectLst/>
+                <a:uLnTx/>
+                <a:uFillTx/>
+                <a:latin typeface="+mj-lt"/>
+                <a:ea typeface="+mj-ea"/>
+                <a:cs typeface="+mj-cs"/>
+              </a:rPr>
+              <a:t>PARALLEL EXECUTION IN GPU</a:t>
+            </a:r>
+            <a:endParaRPr kumimoji="0" lang="en-US" sz="2400" b="1" i="0" u="none" strike="noStrike" kern="1200" cap="none" spc="300" normalizeH="0" baseline="0" noProof="0" dirty="0">
+              <a:ln>
+                <a:noFill/>
+              </a:ln>
+              <a:solidFill>
+                <a:schemeClr val="tx1"/>
+              </a:solidFill>
+              <a:effectLst/>
+              <a:uLnTx/>
+              <a:uFillTx/>
+              <a:latin typeface="+mj-lt"/>
+              <a:ea typeface="+mj-ea"/>
+              <a:cs typeface="+mj-cs"/>
+            </a:endParaRPr>
+          </a:p>
+        </p:txBody>
+      </p:sp>
+    </p:spTree>
+  </p:cSld>
+  <p:clrMapOvr>
+    <a:masterClrMapping/>
+  </p:clrMapOvr>
+  <p:timing>
+    <p:tnLst>
+      <p:par>
+        <p:cTn id="1" dur="indefinite" restart="never" nodeType="tmRoot"/>
+      </p:par>
+    </p:tnLst>
+  </p:timing>
+</p:sld>
+</file>
+
+<file path=ppt/slides/slide37.xml><?xml version="1.0" encoding="utf-8"?>
+<p:sld xmlns:a="http://schemas.openxmlformats.org/drawingml/2006/main" xmlns:r="http://schemas.openxmlformats.org/officeDocument/2006/relationships" xmlns:p="http://schemas.openxmlformats.org/presentationml/2006/main">
+  <p:cSld>
+    <p:spTree>
+      <p:nvGrpSpPr>
+        <p:cNvPr id="1" name=""/>
+        <p:cNvGrpSpPr/>
+        <p:nvPr/>
+      </p:nvGrpSpPr>
+      <p:grpSpPr>
+        <a:xfrm>
+          <a:off x="0" y="0"/>
+          <a:ext cx="0" cy="0"/>
+          <a:chOff x="0" y="0"/>
+          <a:chExt cx="0" cy="0"/>
+        </a:xfrm>
+      </p:grpSpPr>
+      <p:sp>
+        <p:nvSpPr>
+          <p:cNvPr id="2" name="Title 1"/>
+          <p:cNvSpPr>
+            <a:spLocks noGrp="1"/>
+          </p:cNvSpPr>
+          <p:nvPr>
+            <p:ph type="title"/>
+          </p:nvPr>
+        </p:nvSpPr>
+        <p:spPr/>
+        <p:txBody>
+          <a:bodyPr>
+            <a:normAutofit/>
+          </a:bodyPr>
+          <a:lstStyle/>
+          <a:p>
+            <a:r>
+              <a:rPr lang="en-IN" sz="4000" spc="300" dirty="0" smtClean="0"/>
+              <a:t>CUSTOM DRUG APPLICATION</a:t>
+            </a:r>
+            <a:endParaRPr lang="en-US" sz="4000" spc="300" dirty="0"/>
+          </a:p>
+        </p:txBody>
+      </p:sp>
+      <p:pic>
+        <p:nvPicPr>
+          <p:cNvPr id="6" name="Content Placeholder 5" descr="cust_algo.png"/>
+          <p:cNvPicPr>
+            <a:picLocks noGrp="1" noChangeAspect="1"/>
+          </p:cNvPicPr>
+          <p:nvPr>
+            <p:ph idx="1"/>
+          </p:nvPr>
+        </p:nvPicPr>
+        <p:blipFill>
+          <a:blip r:embed="rId2"/>
+          <a:stretch>
+            <a:fillRect/>
+          </a:stretch>
+        </p:blipFill>
+        <p:spPr>
+          <a:xfrm>
+            <a:off x="829639" y="1200150"/>
+            <a:ext cx="7484721" cy="3394075"/>
+          </a:xfrm>
+        </p:spPr>
+      </p:pic>
+    </p:spTree>
+  </p:cSld>
+  <p:clrMapOvr>
+    <a:masterClrMapping/>
+  </p:clrMapOvr>
+  <p:timing>
+    <p:tnLst>
+      <p:par>
+        <p:cTn id="1" dur="indefinite" restart="never" nodeType="tmRoot"/>
+      </p:par>
+    </p:tnLst>
+  </p:timing>
+</p:sld>
+</file>
+
+<file path=ppt/slides/slide38.xml><?xml version="1.0" encoding="utf-8"?>
+<p:sld xmlns:a="http://schemas.openxmlformats.org/drawingml/2006/main" xmlns:r="http://schemas.openxmlformats.org/officeDocument/2006/relationships" xmlns:p="http://schemas.openxmlformats.org/presentationml/2006/main">
+  <p:cSld>
+    <p:spTree>
+      <p:nvGrpSpPr>
+        <p:cNvPr id="1" name=""/>
+        <p:cNvGrpSpPr/>
+        <p:nvPr/>
+      </p:nvGrpSpPr>
+      <p:grpSpPr>
+        <a:xfrm>
+          <a:off x="0" y="0"/>
+          <a:ext cx="0" cy="0"/>
+          <a:chOff x="0" y="0"/>
+          <a:chExt cx="0" cy="0"/>
+        </a:xfrm>
+      </p:grpSpPr>
+      <p:pic>
+        <p:nvPicPr>
+          <p:cNvPr id="4" name="Picture 3" descr="scatter_compare.png"/>
+          <p:cNvPicPr>
+            <a:picLocks noChangeAspect="1"/>
+          </p:cNvPicPr>
+          <p:nvPr/>
+        </p:nvPicPr>
+        <p:blipFill>
+          <a:blip r:embed="rId2"/>
+          <a:stretch>
+            <a:fillRect/>
+          </a:stretch>
+        </p:blipFill>
+        <p:spPr>
+          <a:xfrm>
+            <a:off x="142844" y="1177732"/>
+            <a:ext cx="8836608" cy="3108530"/>
+          </a:xfrm>
+          <a:prstGeom prst="rect">
+            <a:avLst/>
+          </a:prstGeom>
+        </p:spPr>
+      </p:pic>
+      <p:sp>
+        <p:nvSpPr>
+          <p:cNvPr id="5" name="TextBox 4"/>
+          <p:cNvSpPr txBox="1"/>
+          <p:nvPr/>
+        </p:nvSpPr>
+        <p:spPr>
+          <a:xfrm>
+            <a:off x="0" y="214296"/>
+            <a:ext cx="9144000" cy="830997"/>
+          </a:xfrm>
+          <a:prstGeom prst="rect">
+            <a:avLst/>
+          </a:prstGeom>
+          <a:noFill/>
+        </p:spPr>
+        <p:txBody>
+          <a:bodyPr wrap="square" rtlCol="0">
+            <a:spAutoFit/>
+          </a:bodyPr>
+          <a:lstStyle/>
+          <a:p>
+            <a:pPr algn="ctr"/>
+            <a:r>
+              <a:rPr lang="en-IN" sz="2400" spc="300" dirty="0" smtClean="0"/>
+              <a:t>CUSTOM DRUG APPLICATION ON SINGLE FAULTS</a:t>
+            </a:r>
+          </a:p>
+          <a:p>
+            <a:pPr algn="ctr"/>
+            <a:r>
+              <a:rPr lang="en-IN" sz="2400" b="1" spc="300" dirty="0" smtClean="0"/>
+              <a:t>DRUG VECTOR V CONDENSED WEIGHTS</a:t>
+            </a:r>
+            <a:endParaRPr lang="en-US" sz="2400" b="1" spc="300" dirty="0"/>
+          </a:p>
+        </p:txBody>
+      </p:sp>
+    </p:spTree>
+  </p:cSld>
+  <p:clrMapOvr>
+    <a:masterClrMapping/>
+  </p:clrMapOvr>
+  <p:timing>
+    <p:tnLst>
+      <p:par>
+        <p:cTn id="1" dur="indefinite" restart="never" nodeType="tmRoot"/>
+      </p:par>
+    </p:tnLst>
+  </p:timing>
+</p:sld>
+</file>
+
+<file path=ppt/slides/slide39.xml><?xml version="1.0" encoding="utf-8"?>
+<p:sld xmlns:a="http://schemas.openxmlformats.org/drawingml/2006/main" xmlns:r="http://schemas.openxmlformats.org/officeDocument/2006/relationships" xmlns:p="http://schemas.openxmlformats.org/presentationml/2006/main">
+  <p:cSld>
+    <p:spTree>
+      <p:nvGrpSpPr>
+        <p:cNvPr id="1" name=""/>
+        <p:cNvGrpSpPr/>
+        <p:nvPr/>
+      </p:nvGrpSpPr>
+      <p:grpSpPr>
+        <a:xfrm>
+          <a:off x="0" y="0"/>
+          <a:ext cx="0" cy="0"/>
+          <a:chOff x="0" y="0"/>
+          <a:chExt cx="0" cy="0"/>
+        </a:xfrm>
+      </p:grpSpPr>
+      <p:sp>
+        <p:nvSpPr>
+          <p:cNvPr id="2" name="Title 1"/>
+          <p:cNvSpPr>
+            <a:spLocks noGrp="1"/>
+          </p:cNvSpPr>
+          <p:nvPr>
+            <p:ph type="title"/>
+          </p:nvPr>
+        </p:nvSpPr>
+        <p:spPr/>
+        <p:txBody>
+          <a:bodyPr/>
+          <a:lstStyle/>
+          <a:p>
+            <a:r>
+              <a:rPr lang="en-IN" spc="300" dirty="0" smtClean="0"/>
+              <a:t>CONCLUSION</a:t>
+            </a:r>
+            <a:endParaRPr lang="en-US" spc="300" dirty="0"/>
+          </a:p>
+        </p:txBody>
+      </p:sp>
+      <p:sp>
+        <p:nvSpPr>
+          <p:cNvPr id="3" name="Content Placeholder 2"/>
+          <p:cNvSpPr>
+            <a:spLocks noGrp="1"/>
+          </p:cNvSpPr>
+          <p:nvPr>
+            <p:ph idx="1"/>
+          </p:nvPr>
+        </p:nvSpPr>
+        <p:spPr>
+          <a:xfrm>
+            <a:off x="457200" y="1200150"/>
+            <a:ext cx="8229600" cy="3729054"/>
+          </a:xfrm>
+        </p:spPr>
+        <p:txBody>
+          <a:bodyPr>
+            <a:normAutofit fontScale="92500" lnSpcReduction="10000"/>
+          </a:bodyPr>
+          <a:lstStyle/>
           <a:p>
             <a:pPr>
               <a:buFont typeface="Wingdings" pitchFamily="2" charset="2"/>
@@ -3931,7 +7162,15 @@
             </a:pPr>
             <a:r>
               <a:rPr lang="en-IN" sz="2800" dirty="0" smtClean="0"/>
-              <a:t>Simulate single and multiple faulty conditions</a:t>
+              <a:t>Better understanding of protein </a:t>
+            </a:r>
+            <a:r>
+              <a:rPr lang="en-IN" sz="2800" dirty="0" err="1" smtClean="0"/>
+              <a:t>behavior</a:t>
+            </a:r>
+            <a:r>
+              <a:rPr lang="en-IN" sz="2800" dirty="0" smtClean="0"/>
+              <a:t> due to ON/OFF states in Boolean networks</a:t>
             </a:r>
           </a:p>
           <a:p>
@@ -3941,7 +7180,7 @@
             </a:pPr>
             <a:r>
               <a:rPr lang="en-IN" sz="2800" dirty="0" smtClean="0"/>
-              <a:t>Apply drug combinations on faulty networks</a:t>
+              <a:t>Significance of proliferative and non-proliferative conditions</a:t>
             </a:r>
           </a:p>
           <a:p>
@@ -3951,7 +7190,27 @@
             </a:pPr>
             <a:r>
               <a:rPr lang="en-IN" sz="2800" dirty="0" smtClean="0"/>
-              <a:t>Prescribe optimum therapy </a:t>
+              <a:t>Realistic approach by modeling multiple faults</a:t>
+            </a:r>
+          </a:p>
+          <a:p>
+            <a:pPr>
+              <a:buFont typeface="Wingdings" pitchFamily="2" charset="2"/>
+              <a:buChar char="§"/>
+            </a:pPr>
+            <a:r>
+              <a:rPr lang="en-IN" sz="2800" dirty="0" smtClean="0"/>
+              <a:t>Faster computation of results compared to traditional sequential approach</a:t>
+            </a:r>
+          </a:p>
+          <a:p>
+            <a:pPr>
+              <a:buFont typeface="Wingdings" pitchFamily="2" charset="2"/>
+              <a:buChar char="§"/>
+            </a:pPr>
+            <a:r>
+              <a:rPr lang="en-IN" sz="2800" dirty="0" smtClean="0"/>
+              <a:t>Chances of designing drugs which affect nodes in the network generating more efficient and safer results</a:t>
             </a:r>
             <a:endParaRPr lang="en-US" sz="2800" dirty="0"/>
           </a:p>
@@ -3991,7 +7250,7 @@
       </p:grpSpPr>
       <p:sp>
         <p:nvSpPr>
-          <p:cNvPr id="6" name="Title 5"/>
+          <p:cNvPr id="2" name="Title 1"/>
           <p:cNvSpPr>
             <a:spLocks noGrp="1"/>
           </p:cNvSpPr>
@@ -3999,30 +7258,378 @@
             <p:ph type="title"/>
           </p:nvPr>
         </p:nvSpPr>
-        <p:spPr>
-          <a:xfrm>
-            <a:off x="428596" y="1491863"/>
-            <a:ext cx="8229600" cy="1722829"/>
-          </a:xfrm>
-        </p:spPr>
+        <p:spPr/>
+        <p:txBody>
+          <a:bodyPr/>
+          <a:lstStyle/>
+          <a:p>
+            <a:r>
+              <a:rPr lang="en-IN" spc="300" dirty="0" smtClean="0"/>
+              <a:t>OBJECTIVE</a:t>
+            </a:r>
+            <a:endParaRPr lang="en-US" spc="300" dirty="0"/>
+          </a:p>
+        </p:txBody>
+      </p:sp>
+      <p:sp>
+        <p:nvSpPr>
+          <p:cNvPr id="3" name="Content Placeholder 2"/>
+          <p:cNvSpPr>
+            <a:spLocks noGrp="1"/>
+          </p:cNvSpPr>
+          <p:nvPr>
+            <p:ph idx="1"/>
+          </p:nvPr>
+        </p:nvSpPr>
+        <p:spPr/>
         <p:txBody>
           <a:bodyPr>
             <a:normAutofit/>
           </a:bodyPr>
           <a:lstStyle/>
           <a:p>
-            <a:r>
-              <a:rPr lang="en-IN" spc="600" dirty="0" smtClean="0"/>
-              <a:t>SIGNALING</a:t>
-            </a:r>
-            <a:br>
-              <a:rPr lang="en-IN" spc="600" dirty="0" smtClean="0"/>
-            </a:br>
-            <a:r>
-              <a:rPr lang="en-IN" spc="600" dirty="0" smtClean="0"/>
-              <a:t>PATHWAYS</a:t>
-            </a:r>
-            <a:endParaRPr lang="en-US" spc="600" dirty="0"/>
+            <a:pPr>
+              <a:buFont typeface="Wingdings" pitchFamily="2" charset="2"/>
+              <a:buChar char="§"/>
+            </a:pPr>
+            <a:r>
+              <a:rPr lang="en-IN" sz="2800" dirty="0" smtClean="0"/>
+              <a:t>Convert a signaling pathway into a Boolean network using pathway logic</a:t>
+            </a:r>
+          </a:p>
+          <a:p>
+            <a:pPr>
+              <a:buFont typeface="Wingdings" pitchFamily="2" charset="2"/>
+              <a:buChar char="§"/>
+            </a:pPr>
+            <a:r>
+              <a:rPr lang="en-IN" sz="2800" dirty="0" smtClean="0"/>
+              <a:t>Identify unique input vector</a:t>
+            </a:r>
+          </a:p>
+          <a:p>
+            <a:pPr>
+              <a:buFont typeface="Wingdings" pitchFamily="2" charset="2"/>
+              <a:buChar char="§"/>
+            </a:pPr>
+            <a:r>
+              <a:rPr lang="en-IN" sz="2800" dirty="0" smtClean="0"/>
+              <a:t>Simulate single and multiple faulty conditions</a:t>
+            </a:r>
+          </a:p>
+          <a:p>
+            <a:pPr>
+              <a:buFont typeface="Wingdings" pitchFamily="2" charset="2"/>
+              <a:buChar char="§"/>
+            </a:pPr>
+            <a:r>
+              <a:rPr lang="en-IN" sz="2800" dirty="0" smtClean="0"/>
+              <a:t>Apply drug combinations on faulty networks</a:t>
+            </a:r>
+          </a:p>
+          <a:p>
+            <a:pPr>
+              <a:buFont typeface="Wingdings" pitchFamily="2" charset="2"/>
+              <a:buChar char="§"/>
+            </a:pPr>
+            <a:r>
+              <a:rPr lang="en-IN" sz="2800" dirty="0" smtClean="0"/>
+              <a:t>Prescribe optimum therapy </a:t>
+            </a:r>
+            <a:endParaRPr lang="en-US" sz="2800" dirty="0"/>
+          </a:p>
+        </p:txBody>
+      </p:sp>
+    </p:spTree>
+  </p:cSld>
+  <p:clrMapOvr>
+    <a:masterClrMapping/>
+  </p:clrMapOvr>
+  <p:timing>
+    <p:tnLst>
+      <p:par>
+        <p:cTn id="1" dur="indefinite" restart="never" nodeType="tmRoot"/>
+      </p:par>
+    </p:tnLst>
+  </p:timing>
+</p:sld>
+</file>
+
+<file path=ppt/slides/slide40.xml><?xml version="1.0" encoding="utf-8"?>
+<p:sld xmlns:a="http://schemas.openxmlformats.org/drawingml/2006/main" xmlns:r="http://schemas.openxmlformats.org/officeDocument/2006/relationships" xmlns:p="http://schemas.openxmlformats.org/presentationml/2006/main">
+  <p:cSld>
+    <p:spTree>
+      <p:nvGrpSpPr>
+        <p:cNvPr id="1" name=""/>
+        <p:cNvGrpSpPr/>
+        <p:nvPr/>
+      </p:nvGrpSpPr>
+      <p:grpSpPr>
+        <a:xfrm>
+          <a:off x="0" y="0"/>
+          <a:ext cx="0" cy="0"/>
+          <a:chOff x="0" y="0"/>
+          <a:chExt cx="0" cy="0"/>
+        </a:xfrm>
+      </p:grpSpPr>
+      <p:sp>
+        <p:nvSpPr>
+          <p:cNvPr id="2" name="Title 1"/>
+          <p:cNvSpPr>
+            <a:spLocks noGrp="1"/>
+          </p:cNvSpPr>
+          <p:nvPr>
+            <p:ph type="title"/>
+          </p:nvPr>
+        </p:nvSpPr>
+        <p:spPr/>
+        <p:txBody>
+          <a:bodyPr>
+            <a:normAutofit/>
+          </a:bodyPr>
+          <a:lstStyle/>
+          <a:p>
+            <a:r>
+              <a:rPr lang="en-IN" sz="3200" spc="600" dirty="0" smtClean="0"/>
+              <a:t>REFERENCES</a:t>
+            </a:r>
+            <a:endParaRPr lang="en-US" sz="3200" spc="600" dirty="0"/>
+          </a:p>
+        </p:txBody>
+      </p:sp>
+      <p:sp>
+        <p:nvSpPr>
+          <p:cNvPr id="3" name="Content Placeholder 2"/>
+          <p:cNvSpPr>
+            <a:spLocks noGrp="1"/>
+          </p:cNvSpPr>
+          <p:nvPr>
+            <p:ph idx="1"/>
+          </p:nvPr>
+        </p:nvSpPr>
+        <p:spPr/>
+        <p:txBody>
+          <a:bodyPr>
+            <a:normAutofit/>
+          </a:bodyPr>
+          <a:lstStyle/>
+          <a:p>
+            <a:pPr marL="514350" indent="-514350">
+              <a:buFont typeface="+mj-lt"/>
+              <a:buAutoNum type="arabicPeriod"/>
+            </a:pPr>
+            <a:r>
+              <a:rPr lang="en-US" sz="1600" dirty="0" err="1" smtClean="0"/>
+              <a:t>Ritwik</a:t>
+            </a:r>
+            <a:r>
+              <a:rPr lang="en-US" sz="1600" dirty="0" smtClean="0"/>
+              <a:t> </a:t>
+            </a:r>
+            <a:r>
+              <a:rPr lang="en-US" sz="1600" dirty="0" err="1" smtClean="0"/>
+              <a:t>Layek</a:t>
+            </a:r>
+            <a:r>
+              <a:rPr lang="en-US" sz="1600" dirty="0" smtClean="0"/>
+              <a:t>, </a:t>
+            </a:r>
+            <a:r>
+              <a:rPr lang="en-US" sz="1600" dirty="0" err="1" smtClean="0"/>
+              <a:t>Aniruddha</a:t>
+            </a:r>
+            <a:r>
+              <a:rPr lang="en-US" sz="1600" dirty="0" smtClean="0"/>
+              <a:t> </a:t>
+            </a:r>
+            <a:r>
+              <a:rPr lang="en-US" sz="1600" dirty="0" err="1" smtClean="0"/>
+              <a:t>Datta</a:t>
+            </a:r>
+            <a:r>
+              <a:rPr lang="en-US" sz="1600" dirty="0" smtClean="0"/>
+              <a:t>, Michael Bittner and Edward R. Dougherty</a:t>
+            </a:r>
+            <a:r>
+              <a:rPr lang="en-US" sz="1600" dirty="0" smtClean="0"/>
+              <a:t>, “</a:t>
+            </a:r>
+            <a:r>
+              <a:rPr lang="en-US" sz="1600" dirty="0" smtClean="0"/>
+              <a:t>Cancer therapy design based on pathway logic”, Bioinformatics, Vol. 27,Advance Access 30 December 2010</a:t>
+            </a:r>
+          </a:p>
+          <a:p>
+            <a:pPr marL="514350" indent="-514350">
+              <a:buFont typeface="+mj-lt"/>
+              <a:buAutoNum type="arabicPeriod"/>
+            </a:pPr>
+            <a:r>
+              <a:rPr lang="en-US" sz="1600" dirty="0" smtClean="0"/>
+              <a:t>Osama A. </a:t>
+            </a:r>
+            <a:r>
+              <a:rPr lang="en-US" sz="1600" dirty="0" err="1" smtClean="0"/>
+              <a:t>Arshad</a:t>
+            </a:r>
+            <a:r>
+              <a:rPr lang="en-US" sz="1600" dirty="0" smtClean="0"/>
+              <a:t>, </a:t>
+            </a:r>
+            <a:r>
+              <a:rPr lang="en-US" sz="1600" dirty="0" err="1" smtClean="0"/>
+              <a:t>Priyadarshini</a:t>
+            </a:r>
+            <a:r>
+              <a:rPr lang="en-US" sz="1600" dirty="0" smtClean="0"/>
+              <a:t> S </a:t>
+            </a:r>
+            <a:r>
+              <a:rPr lang="en-US" sz="1600" dirty="0" err="1" smtClean="0"/>
+              <a:t>Venkatasubramani</a:t>
+            </a:r>
+            <a:r>
+              <a:rPr lang="en-US" sz="1600" dirty="0" smtClean="0"/>
+              <a:t>, </a:t>
+            </a:r>
+            <a:r>
+              <a:rPr lang="en-US" sz="1600" dirty="0" err="1" smtClean="0"/>
+              <a:t>Aniruddha</a:t>
+            </a:r>
+            <a:r>
+              <a:rPr lang="en-US" sz="1600" dirty="0" smtClean="0"/>
+              <a:t> </a:t>
+            </a:r>
+            <a:r>
+              <a:rPr lang="en-US" sz="1600" dirty="0" err="1" smtClean="0"/>
+              <a:t>Datta</a:t>
+            </a:r>
+            <a:r>
+              <a:rPr lang="en-US" sz="1600" dirty="0" smtClean="0"/>
+              <a:t>, </a:t>
+            </a:r>
+            <a:r>
+              <a:rPr lang="en-US" sz="1600" dirty="0" err="1" smtClean="0"/>
+              <a:t>Jijayanagaram</a:t>
+            </a:r>
+            <a:r>
+              <a:rPr lang="en-US" sz="1600" dirty="0" smtClean="0"/>
+              <a:t> </a:t>
+            </a:r>
+            <a:r>
+              <a:rPr lang="en-US" sz="1600" dirty="0" err="1" smtClean="0"/>
+              <a:t>Venkatraj</a:t>
+            </a:r>
+            <a:r>
+              <a:rPr lang="en-US" sz="1600" dirty="0" smtClean="0"/>
+              <a:t>, “Using Boolean Logic Modeling of Gene Regulatory Networks to Exploit the Links Between Cancer and Metabolism for “Therapeutic Purposes”, IEEE Journal of Biomedical and Health Informatics, Vol. 20, No. 1,January 2016</a:t>
+            </a:r>
+          </a:p>
+          <a:p>
+            <a:pPr marL="514350" indent="-514350">
+              <a:buFont typeface="+mj-lt"/>
+              <a:buAutoNum type="arabicPeriod"/>
+            </a:pPr>
+            <a:r>
+              <a:rPr lang="en-US" sz="1600" dirty="0" smtClean="0"/>
+              <a:t>Frank </a:t>
+            </a:r>
+            <a:r>
+              <a:rPr lang="en-US" sz="1600" dirty="0" err="1" smtClean="0"/>
+              <a:t>Emmert-Streib</a:t>
+            </a:r>
+            <a:r>
+              <a:rPr lang="en-US" sz="1600" dirty="0" smtClean="0"/>
+              <a:t>, Matthias </a:t>
+            </a:r>
+            <a:r>
+              <a:rPr lang="en-US" sz="1600" dirty="0" err="1" smtClean="0"/>
+              <a:t>Dehmer</a:t>
+            </a:r>
+            <a:r>
+              <a:rPr lang="en-US" sz="1600" dirty="0" smtClean="0"/>
+              <a:t>, Benjamin </a:t>
+            </a:r>
+            <a:r>
+              <a:rPr lang="en-US" sz="1600" dirty="0" err="1" smtClean="0"/>
+              <a:t>Haibe-Kains</a:t>
+            </a:r>
+            <a:r>
+              <a:rPr lang="en-US" sz="1600" dirty="0" smtClean="0"/>
+              <a:t>, “Gene regulatory networks and their applications: understanding biological and medical problems in terms of networks”, Frontiers in Cell and Developmental Biology, Mini Review Article, 19 August 2014</a:t>
+            </a:r>
+          </a:p>
+          <a:p>
+            <a:pPr marL="514350" indent="-514350">
+              <a:buFont typeface="+mj-lt"/>
+              <a:buAutoNum type="arabicPeriod"/>
+            </a:pPr>
+            <a:r>
+              <a:rPr lang="en-US" sz="1600" dirty="0" smtClean="0"/>
+              <a:t>Handbook of Computational Molecular Biology, “Chapter 27: Identifying Gene Regulatory Networks from Gene Expression Data”</a:t>
+            </a:r>
+          </a:p>
+        </p:txBody>
+      </p:sp>
+    </p:spTree>
+  </p:cSld>
+  <p:clrMapOvr>
+    <a:masterClrMapping/>
+  </p:clrMapOvr>
+  <p:timing>
+    <p:tnLst>
+      <p:par>
+        <p:cTn id="1" dur="indefinite" restart="never" nodeType="tmRoot"/>
+      </p:par>
+    </p:tnLst>
+  </p:timing>
+</p:sld>
+</file>
+
+<file path=ppt/slides/slide41.xml><?xml version="1.0" encoding="utf-8"?>
+<p:sld xmlns:a="http://schemas.openxmlformats.org/drawingml/2006/main" xmlns:r="http://schemas.openxmlformats.org/officeDocument/2006/relationships" xmlns:p="http://schemas.openxmlformats.org/presentationml/2006/main">
+  <p:cSld>
+    <p:spTree>
+      <p:nvGrpSpPr>
+        <p:cNvPr id="1" name=""/>
+        <p:cNvGrpSpPr/>
+        <p:nvPr/>
+      </p:nvGrpSpPr>
+      <p:grpSpPr>
+        <a:xfrm>
+          <a:off x="0" y="0"/>
+          <a:ext cx="0" cy="0"/>
+          <a:chOff x="0" y="0"/>
+          <a:chExt cx="0" cy="0"/>
+        </a:xfrm>
+      </p:grpSpPr>
+      <p:sp>
+        <p:nvSpPr>
+          <p:cNvPr id="4" name="Title 3"/>
+          <p:cNvSpPr>
+            <a:spLocks noGrp="1"/>
+          </p:cNvSpPr>
+          <p:nvPr>
+            <p:ph type="title"/>
+          </p:nvPr>
+        </p:nvSpPr>
+        <p:spPr>
+          <a:xfrm>
+            <a:off x="457200" y="1857370"/>
+            <a:ext cx="8229600" cy="857250"/>
+          </a:xfrm>
+        </p:spPr>
+        <p:txBody>
+          <a:bodyPr>
+            <a:noAutofit/>
+          </a:bodyPr>
+          <a:lstStyle/>
+          <a:p>
+            <a:r>
+              <a:rPr lang="en-IN" sz="5400" spc="600" dirty="0" smtClean="0"/>
+              <a:t>THANK YOU</a:t>
+            </a:r>
+            <a:endParaRPr lang="en-US" sz="5400" spc="600" dirty="0"/>
           </a:p>
         </p:txBody>
       </p:sp>
@@ -4060,7 +7667,7 @@
       </p:grpSpPr>
       <p:sp>
         <p:nvSpPr>
-          <p:cNvPr id="2" name="Title 1"/>
+          <p:cNvPr id="6" name="Title 5"/>
           <p:cNvSpPr>
             <a:spLocks noGrp="1"/>
           </p:cNvSpPr>
@@ -4068,75 +7675,30 @@
             <p:ph type="title"/>
           </p:nvPr>
         </p:nvSpPr>
-        <p:spPr/>
-        <p:txBody>
-          <a:bodyPr/>
-          <a:lstStyle/>
-          <a:p>
-            <a:r>
-              <a:rPr lang="en-IN" spc="300" dirty="0" smtClean="0"/>
-              <a:t>SIGNALING PATHWAYS</a:t>
-            </a:r>
-            <a:endParaRPr lang="en-US" spc="300" dirty="0"/>
-          </a:p>
-        </p:txBody>
-      </p:sp>
-      <p:sp>
-        <p:nvSpPr>
-          <p:cNvPr id="3" name="Content Placeholder 2"/>
-          <p:cNvSpPr>
-            <a:spLocks noGrp="1"/>
-          </p:cNvSpPr>
-          <p:nvPr>
-            <p:ph idx="1"/>
-          </p:nvPr>
-        </p:nvSpPr>
-        <p:spPr/>
+        <p:spPr>
+          <a:xfrm>
+            <a:off x="428596" y="1491863"/>
+            <a:ext cx="8229600" cy="1722829"/>
+          </a:xfrm>
+        </p:spPr>
         <p:txBody>
           <a:bodyPr>
             <a:normAutofit/>
           </a:bodyPr>
           <a:lstStyle/>
           <a:p>
-            <a:pPr>
-              <a:buFont typeface="Wingdings" pitchFamily="2" charset="2"/>
-              <a:buChar char="§"/>
-            </a:pPr>
-            <a:r>
-              <a:rPr lang="en-IN" sz="2800" dirty="0" smtClean="0"/>
-              <a:t>Consists of a group of molecules in a cell</a:t>
-            </a:r>
-          </a:p>
-          <a:p>
-            <a:pPr>
-              <a:buFont typeface="Wingdings" pitchFamily="2" charset="2"/>
-              <a:buChar char="§"/>
-            </a:pPr>
-            <a:r>
-              <a:rPr lang="en-IN" sz="2800" dirty="0" smtClean="0"/>
-              <a:t>Control cell functions, such as cell division and cell death</a:t>
-            </a:r>
-          </a:p>
-          <a:p>
-            <a:pPr>
-              <a:buFont typeface="Wingdings" pitchFamily="2" charset="2"/>
-              <a:buChar char="§"/>
-            </a:pPr>
-            <a:r>
-              <a:rPr lang="en-IN" sz="2800" dirty="0" smtClean="0"/>
-              <a:t>Each molecule receives a signal, which is transmitted to other molecules down the pathway</a:t>
-            </a:r>
-          </a:p>
-          <a:p>
-            <a:pPr>
-              <a:buFont typeface="Wingdings" pitchFamily="2" charset="2"/>
-              <a:buChar char="§"/>
-            </a:pPr>
-            <a:r>
-              <a:rPr lang="en-IN" sz="2800" dirty="0" smtClean="0"/>
-              <a:t>GF pathway contains protein-protein interactions which govern cell division</a:t>
-            </a:r>
-            <a:endParaRPr lang="en-US" sz="2800" dirty="0"/>
+            <a:r>
+              <a:rPr lang="en-IN" spc="600" dirty="0" smtClean="0"/>
+              <a:t>SIGNALING</a:t>
+            </a:r>
+            <a:br>
+              <a:rPr lang="en-IN" spc="600" dirty="0" smtClean="0"/>
+            </a:br>
+            <a:r>
+              <a:rPr lang="en-IN" spc="600" dirty="0" smtClean="0"/>
+              <a:t>PATHWAYS</a:t>
+            </a:r>
+            <a:endParaRPr lang="en-US" spc="600" dirty="0"/>
           </a:p>
         </p:txBody>
       </p:sp>
@@ -4172,62 +7734,87 @@
           <a:chExt cx="0" cy="0"/>
         </a:xfrm>
       </p:grpSpPr>
-      <p:pic>
-        <p:nvPicPr>
-          <p:cNvPr id="4" name="Picture 3" descr="pathway.png"/>
-          <p:cNvPicPr>
-            <a:picLocks noChangeAspect="1"/>
-          </p:cNvPicPr>
-          <p:nvPr/>
-        </p:nvPicPr>
-        <p:blipFill>
-          <a:blip r:embed="rId2"/>
-          <a:stretch>
-            <a:fillRect/>
-          </a:stretch>
-        </p:blipFill>
-        <p:spPr>
-          <a:xfrm>
-            <a:off x="2714612" y="0"/>
-            <a:ext cx="5956455" cy="5143500"/>
-          </a:xfrm>
-          <a:prstGeom prst="rect">
-            <a:avLst/>
-          </a:prstGeom>
-        </p:spPr>
-      </p:pic>
-      <p:sp>
-        <p:nvSpPr>
-          <p:cNvPr id="5" name="TextBox 4"/>
-          <p:cNvSpPr txBox="1"/>
-          <p:nvPr/>
-        </p:nvSpPr>
-        <p:spPr>
-          <a:xfrm>
-            <a:off x="500034" y="1500180"/>
-            <a:ext cx="2000264" cy="1569660"/>
-          </a:xfrm>
-          <a:prstGeom prst="rect">
-            <a:avLst/>
-          </a:prstGeom>
-          <a:noFill/>
-        </p:spPr>
-        <p:txBody>
-          <a:bodyPr wrap="square" rtlCol="0">
-            <a:spAutoFit/>
+      <p:sp>
+        <p:nvSpPr>
+          <p:cNvPr id="2" name="Title 1"/>
+          <p:cNvSpPr>
+            <a:spLocks noGrp="1"/>
+          </p:cNvSpPr>
+          <p:nvPr>
+            <p:ph type="title"/>
+          </p:nvPr>
+        </p:nvSpPr>
+        <p:spPr/>
+        <p:txBody>
+          <a:bodyPr>
+            <a:normAutofit/>
           </a:bodyPr>
           <a:lstStyle/>
           <a:p>
-            <a:pPr algn="r"/>
-            <a:r>
-              <a:rPr lang="en-IN" sz="2400" spc="300" dirty="0" smtClean="0"/>
-              <a:t>GROWTH FACTOR SIGNALING</a:t>
-            </a:r>
-            <a:r>
-              <a:rPr lang="en-US" sz="2400" spc="300" dirty="0" smtClean="0"/>
-              <a:t> PATHWAY</a:t>
-            </a:r>
-            <a:endParaRPr lang="en-IN" sz="2400" spc="300" dirty="0" smtClean="0"/>
+            <a:r>
+              <a:rPr lang="en-IN" sz="4000" spc="300" dirty="0" smtClean="0"/>
+              <a:t>SIGNALING PATHWAYS</a:t>
+            </a:r>
+            <a:endParaRPr lang="en-US" sz="4000" spc="300" dirty="0"/>
+          </a:p>
+        </p:txBody>
+      </p:sp>
+      <p:sp>
+        <p:nvSpPr>
+          <p:cNvPr id="3" name="Content Placeholder 2"/>
+          <p:cNvSpPr>
+            <a:spLocks noGrp="1"/>
+          </p:cNvSpPr>
+          <p:nvPr>
+            <p:ph idx="1"/>
+          </p:nvPr>
+        </p:nvSpPr>
+        <p:spPr/>
+        <p:txBody>
+          <a:bodyPr>
+            <a:normAutofit/>
+          </a:bodyPr>
+          <a:lstStyle/>
+          <a:p>
+            <a:pPr>
+              <a:buFont typeface="Wingdings" pitchFamily="2" charset="2"/>
+              <a:buChar char="§"/>
+            </a:pPr>
+            <a:r>
+              <a:rPr lang="en-IN" sz="2800" dirty="0" smtClean="0"/>
+              <a:t>Consists of a group of molecules in a cell</a:t>
+            </a:r>
+          </a:p>
+          <a:p>
+            <a:pPr>
+              <a:buFont typeface="Wingdings" pitchFamily="2" charset="2"/>
+              <a:buChar char="§"/>
+            </a:pPr>
+            <a:r>
+              <a:rPr lang="en-IN" sz="2800" dirty="0" smtClean="0"/>
+              <a:t>Control cell functions, such as cell division and cell death</a:t>
+            </a:r>
+          </a:p>
+          <a:p>
+            <a:pPr>
+              <a:buFont typeface="Wingdings" pitchFamily="2" charset="2"/>
+              <a:buChar char="§"/>
+            </a:pPr>
+            <a:r>
+              <a:rPr lang="en-IN" sz="2800" dirty="0" smtClean="0"/>
+              <a:t>Each molecule receives a signal, which is transmitted to other molecules down the pathway</a:t>
+            </a:r>
+          </a:p>
+          <a:p>
+            <a:pPr>
+              <a:buFont typeface="Wingdings" pitchFamily="2" charset="2"/>
+              <a:buChar char="§"/>
+            </a:pPr>
+            <a:r>
+              <a:rPr lang="en-IN" sz="2800" dirty="0" smtClean="0"/>
+              <a:t>GF pathway contains protein-protein interactions which govern cell division</a:t>
+            </a:r>
+            <a:endParaRPr lang="en-US" sz="2800" dirty="0"/>
           </a:p>
         </p:txBody>
       </p:sp>
@@ -4263,40 +7850,73 @@
           <a:chExt cx="0" cy="0"/>
         </a:xfrm>
       </p:grpSpPr>
-      <p:sp>
-        <p:nvSpPr>
-          <p:cNvPr id="2" name="Title 1"/>
-          <p:cNvSpPr>
-            <a:spLocks noGrp="1"/>
-          </p:cNvSpPr>
-          <p:nvPr>
-            <p:ph type="title"/>
-          </p:nvPr>
-        </p:nvSpPr>
+      <p:pic>
+        <p:nvPicPr>
+          <p:cNvPr id="4" name="Picture 3" descr="pathway.png"/>
+          <p:cNvPicPr>
+            <a:picLocks noChangeAspect="1"/>
+          </p:cNvPicPr>
+          <p:nvPr/>
+        </p:nvPicPr>
+        <p:blipFill>
+          <a:blip r:embed="rId2"/>
+          <a:stretch>
+            <a:fillRect/>
+          </a:stretch>
+        </p:blipFill>
         <p:spPr>
           <a:xfrm>
-            <a:off x="485804" y="1500180"/>
-            <a:ext cx="8229600" cy="1651392"/>
-          </a:xfrm>
-        </p:spPr>
-        <p:txBody>
-          <a:bodyPr>
-            <a:normAutofit/>
+            <a:off x="2714612" y="0"/>
+            <a:ext cx="5956455" cy="5143500"/>
+          </a:xfrm>
+          <a:prstGeom prst="rect">
+            <a:avLst/>
+          </a:prstGeom>
+        </p:spPr>
+      </p:pic>
+      <p:sp>
+        <p:nvSpPr>
+          <p:cNvPr id="5" name="TextBox 4"/>
+          <p:cNvSpPr txBox="1"/>
+          <p:nvPr/>
+        </p:nvSpPr>
+        <p:spPr>
+          <a:xfrm>
+            <a:off x="500034" y="1500180"/>
+            <a:ext cx="2000264" cy="2123658"/>
+          </a:xfrm>
+          <a:prstGeom prst="rect">
+            <a:avLst/>
+          </a:prstGeom>
+          <a:noFill/>
+        </p:spPr>
+        <p:txBody>
+          <a:bodyPr wrap="square" rtlCol="0">
+            <a:spAutoFit/>
           </a:bodyPr>
           <a:lstStyle/>
           <a:p>
-            <a:r>
-              <a:rPr lang="en-IN" spc="600" dirty="0" smtClean="0"/>
-              <a:t>BOOLEAN</a:t>
-            </a:r>
-            <a:br>
-              <a:rPr lang="en-IN" spc="600" dirty="0" smtClean="0"/>
-            </a:br>
-            <a:r>
-              <a:rPr lang="en-IN" spc="600" dirty="0" smtClean="0"/>
-              <a:t>NETWORKS</a:t>
-            </a:r>
-            <a:endParaRPr lang="en-US" spc="600" dirty="0"/>
+            <a:pPr algn="r"/>
+            <a:r>
+              <a:rPr lang="en-IN" sz="2400" spc="300" dirty="0" smtClean="0"/>
+              <a:t>GROWTH FACTOR SIGNALING</a:t>
+            </a:r>
+            <a:r>
+              <a:rPr lang="en-US" sz="2400" spc="300" dirty="0" smtClean="0"/>
+              <a:t> PATHWAY</a:t>
+            </a:r>
+          </a:p>
+          <a:p>
+            <a:pPr algn="r"/>
+            <a:endParaRPr lang="en-IN" spc="300" dirty="0" smtClean="0"/>
+          </a:p>
+          <a:p>
+            <a:pPr algn="r"/>
+            <a:r>
+              <a:rPr lang="en-IN" i="1" spc="300" dirty="0" smtClean="0"/>
+              <a:t>(ref [1])</a:t>
+            </a:r>
+            <a:endParaRPr lang="en-IN" sz="2400" spc="300" dirty="0" smtClean="0"/>
           </a:p>
         </p:txBody>
       </p:sp>
@@ -4334,7 +7954,7 @@
       </p:grpSpPr>
       <p:sp>
         <p:nvSpPr>
-          <p:cNvPr id="3" name="Title 2"/>
+          <p:cNvPr id="2" name="Title 1"/>
           <p:cNvSpPr>
             <a:spLocks noGrp="1"/>
           </p:cNvSpPr>
@@ -4342,73 +7962,33 @@
             <p:ph type="title"/>
           </p:nvPr>
         </p:nvSpPr>
-        <p:spPr/>
-        <p:txBody>
-          <a:bodyPr/>
-          <a:lstStyle/>
-          <a:p>
-            <a:r>
-              <a:rPr lang="en-IN" spc="300" dirty="0" smtClean="0"/>
-              <a:t>PATHWAY LOGIC</a:t>
-            </a:r>
-            <a:endParaRPr lang="en-US" spc="300" dirty="0"/>
-          </a:p>
-        </p:txBody>
-      </p:sp>
-      <p:sp>
-        <p:nvSpPr>
-          <p:cNvPr id="5" name="Content Placeholder 4"/>
-          <p:cNvSpPr>
-            <a:spLocks noGrp="1"/>
-          </p:cNvSpPr>
-          <p:nvPr>
-            <p:ph sz="half" idx="1"/>
-          </p:nvPr>
-        </p:nvSpPr>
         <p:spPr>
           <a:xfrm>
-            <a:off x="428596" y="1571618"/>
-            <a:ext cx="4038600" cy="2545556"/>
-          </a:xfrm>
-        </p:spPr>
-        <p:txBody>
-          <a:bodyPr/>
-          <a:lstStyle/>
-          <a:p>
-            <a:pPr>
-              <a:buNone/>
-            </a:pPr>
-            <a:r>
-              <a:rPr lang="en-IN" dirty="0" smtClean="0"/>
-              <a:t>	Defines the conversion of interactions in signaling pathways into their Boolean equivalents</a:t>
-            </a:r>
-            <a:endParaRPr lang="en-US" dirty="0"/>
-          </a:p>
-        </p:txBody>
-      </p:sp>
-      <p:pic>
-        <p:nvPicPr>
-          <p:cNvPr id="7" name="Content Placeholder 6" descr="logic.PNG"/>
-          <p:cNvPicPr>
-            <a:picLocks noGrp="1" noChangeAspect="1"/>
-          </p:cNvPicPr>
-          <p:nvPr>
-            <p:ph sz="half" idx="2"/>
-          </p:nvPr>
-        </p:nvPicPr>
-        <p:blipFill>
-          <a:blip r:embed="rId2"/>
-          <a:stretch>
-            <a:fillRect/>
-          </a:stretch>
-        </p:blipFill>
-        <p:spPr>
-          <a:xfrm>
-            <a:off x="4643438" y="1357304"/>
-            <a:ext cx="4098060" cy="3071834"/>
-          </a:xfrm>
-        </p:spPr>
-      </p:pic>
+            <a:off x="485804" y="1500180"/>
+            <a:ext cx="8229600" cy="1651392"/>
+          </a:xfrm>
+        </p:spPr>
+        <p:txBody>
+          <a:bodyPr>
+            <a:normAutofit/>
+          </a:bodyPr>
+          <a:lstStyle/>
+          <a:p>
+            <a:r>
+              <a:rPr lang="en-IN" spc="600" dirty="0" smtClean="0"/>
+              <a:t>BOOLEAN</a:t>
+            </a:r>
+            <a:br>
+              <a:rPr lang="en-IN" spc="600" dirty="0" smtClean="0"/>
+            </a:br>
+            <a:r>
+              <a:rPr lang="en-IN" spc="600" dirty="0" smtClean="0"/>
+              <a:t>NETWORKS</a:t>
+            </a:r>
+            <a:endParaRPr lang="en-US" spc="600" dirty="0"/>
+          </a:p>
+        </p:txBody>
+      </p:sp>
     </p:spTree>
   </p:cSld>
   <p:clrMapOvr>
@@ -4443,7 +8023,7 @@
       </p:grpSpPr>
       <p:sp>
         <p:nvSpPr>
-          <p:cNvPr id="2" name="Title 1"/>
+          <p:cNvPr id="3" name="Title 2"/>
           <p:cNvSpPr>
             <a:spLocks noGrp="1"/>
           </p:cNvSpPr>
@@ -4453,108 +8033,108 @@
         </p:nvSpPr>
         <p:spPr/>
         <p:txBody>
+          <a:bodyPr>
+            <a:normAutofit/>
+          </a:bodyPr>
+          <a:lstStyle/>
+          <a:p>
+            <a:r>
+              <a:rPr lang="en-IN" sz="4000" spc="300" dirty="0" smtClean="0"/>
+              <a:t>PATHWAY LOGIC</a:t>
+            </a:r>
+            <a:endParaRPr lang="en-US" sz="4000" spc="300" dirty="0"/>
+          </a:p>
+        </p:txBody>
+      </p:sp>
+      <p:sp>
+        <p:nvSpPr>
+          <p:cNvPr id="5" name="Content Placeholder 4"/>
+          <p:cNvSpPr>
+            <a:spLocks noGrp="1"/>
+          </p:cNvSpPr>
+          <p:nvPr>
+            <p:ph sz="half" idx="1"/>
+          </p:nvPr>
+        </p:nvSpPr>
+        <p:spPr>
+          <a:xfrm>
+            <a:off x="428596" y="1571618"/>
+            <a:ext cx="4038600" cy="2545556"/>
+          </a:xfrm>
+        </p:spPr>
+        <p:txBody>
           <a:bodyPr/>
           <a:lstStyle/>
           <a:p>
-            <a:r>
-              <a:rPr lang="en-IN" spc="600" dirty="0" smtClean="0"/>
-              <a:t>BOOLEAN NETWORKS</a:t>
-            </a:r>
-            <a:endParaRPr lang="en-US" spc="600" dirty="0"/>
-          </a:p>
-        </p:txBody>
-      </p:sp>
-      <p:sp>
-        <p:nvSpPr>
-          <p:cNvPr id="3" name="Content Placeholder 2"/>
-          <p:cNvSpPr>
-            <a:spLocks noGrp="1"/>
-          </p:cNvSpPr>
-          <p:nvPr>
-            <p:ph idx="1"/>
-          </p:nvPr>
-        </p:nvSpPr>
+            <a:pPr>
+              <a:buNone/>
+            </a:pPr>
+            <a:r>
+              <a:rPr lang="en-IN" dirty="0" smtClean="0"/>
+              <a:t>	Defines the conversion of interactions in signaling pathways into their Boolean equivalents</a:t>
+            </a:r>
+            <a:endParaRPr lang="en-US" dirty="0"/>
+          </a:p>
+        </p:txBody>
+      </p:sp>
+      <p:pic>
+        <p:nvPicPr>
+          <p:cNvPr id="7" name="Content Placeholder 6" descr="logic.PNG"/>
+          <p:cNvPicPr>
+            <a:picLocks noGrp="1" noChangeAspect="1"/>
+          </p:cNvPicPr>
+          <p:nvPr>
+            <p:ph sz="half" idx="2"/>
+          </p:nvPr>
+        </p:nvPicPr>
+        <p:blipFill>
+          <a:blip r:embed="rId2"/>
+          <a:stretch>
+            <a:fillRect/>
+          </a:stretch>
+        </p:blipFill>
         <p:spPr>
           <a:xfrm>
-            <a:off x="500034" y="1142990"/>
-            <a:ext cx="8229600" cy="3394472"/>
-          </a:xfrm>
-        </p:spPr>
-        <p:txBody>
-          <a:bodyPr>
-            <a:normAutofit lnSpcReduction="10000"/>
+            <a:off x="4643438" y="1357304"/>
+            <a:ext cx="4098060" cy="3071834"/>
+          </a:xfrm>
+        </p:spPr>
+      </p:pic>
+      <p:sp>
+        <p:nvSpPr>
+          <p:cNvPr id="6" name="TextBox 5"/>
+          <p:cNvSpPr txBox="1"/>
+          <p:nvPr/>
+        </p:nvSpPr>
+        <p:spPr>
+          <a:xfrm>
+            <a:off x="6072198" y="4500576"/>
+            <a:ext cx="1242391" cy="369332"/>
+          </a:xfrm>
+          <a:prstGeom prst="rect">
+            <a:avLst/>
+          </a:prstGeom>
+          <a:noFill/>
+        </p:spPr>
+        <p:txBody>
+          <a:bodyPr wrap="none" rtlCol="0">
+            <a:spAutoFit/>
           </a:bodyPr>
           <a:lstStyle/>
           <a:p>
-            <a:pPr>
-              <a:buFont typeface="Wingdings" pitchFamily="2" charset="2"/>
-              <a:buChar char="§"/>
-            </a:pPr>
-            <a:r>
-              <a:rPr lang="en-IN" sz="2800" dirty="0" smtClean="0"/>
-              <a:t>Converted from a signaling pathway</a:t>
-            </a:r>
-          </a:p>
-          <a:p>
-            <a:pPr>
-              <a:buFont typeface="Wingdings" pitchFamily="2" charset="2"/>
-              <a:buChar char="§"/>
-            </a:pPr>
-            <a:r>
-              <a:rPr lang="en-IN" sz="2800" dirty="0" smtClean="0"/>
-              <a:t>Consists of nodes and edges</a:t>
-            </a:r>
-          </a:p>
-          <a:p>
-            <a:pPr>
-              <a:buFont typeface="Wingdings" pitchFamily="2" charset="2"/>
-              <a:buChar char="§"/>
-            </a:pPr>
-            <a:r>
-              <a:rPr lang="en-IN" sz="2800" dirty="0" smtClean="0"/>
-              <a:t>Nodes represent proteins</a:t>
-            </a:r>
-          </a:p>
-          <a:p>
-            <a:pPr>
-              <a:buFont typeface="Wingdings" pitchFamily="2" charset="2"/>
-              <a:buChar char="§"/>
-            </a:pPr>
-            <a:r>
-              <a:rPr lang="en-IN" sz="2800" dirty="0" smtClean="0"/>
-              <a:t>Edges represent Boolean interactions</a:t>
-            </a:r>
-          </a:p>
-          <a:p>
-            <a:pPr>
-              <a:buFont typeface="Wingdings" pitchFamily="2" charset="2"/>
-              <a:buChar char="§"/>
-            </a:pPr>
-            <a:r>
-              <a:rPr lang="en-IN" sz="2800" dirty="0" smtClean="0"/>
-              <a:t>Nodes hold values of 0 or 1</a:t>
-            </a:r>
-          </a:p>
-          <a:p>
-            <a:pPr lvl="1">
-              <a:buFont typeface="Wingdings" pitchFamily="2" charset="2"/>
-              <a:buChar char="§"/>
-            </a:pPr>
-            <a:r>
-              <a:rPr lang="en-IN" sz="2400" dirty="0" smtClean="0"/>
-              <a:t>0 – inactive protein</a:t>
-            </a:r>
-          </a:p>
-          <a:p>
-            <a:pPr lvl="1">
-              <a:buFont typeface="Wingdings" pitchFamily="2" charset="2"/>
-              <a:buChar char="§"/>
-            </a:pPr>
-            <a:r>
-              <a:rPr lang="en-IN" sz="2400" dirty="0" smtClean="0"/>
-              <a:t>1 – active protein</a:t>
-            </a:r>
-            <a:endParaRPr lang="en-US" sz="2400" dirty="0"/>
+            <a:r>
+              <a:rPr lang="en-IN" spc="300" dirty="0" smtClean="0"/>
+              <a:t>(</a:t>
+            </a:r>
+            <a:r>
+              <a:rPr lang="en-IN" i="1" spc="300" dirty="0" smtClean="0"/>
+              <a:t>ref [1]</a:t>
+            </a:r>
+            <a:r>
+              <a:rPr lang="en-IN" spc="300" dirty="0" smtClean="0"/>
+              <a:t>)</a:t>
+            </a:r>
+            <a:endParaRPr lang="en-US" spc="300" dirty="0"/>
           </a:p>
         </p:txBody>
       </p:sp>

--- a/finalDocs/ppt.pptx
+++ b/finalDocs/ppt.pptx
@@ -5578,11 +5578,7 @@
             </a:pPr>
             <a:r>
               <a:rPr lang="en-IN" sz="2800" dirty="0" smtClean="0"/>
-              <a:t>	Given 7-bit output vector is converted into a single float </a:t>
-            </a:r>
-            <a:r>
-              <a:rPr lang="en-IN" sz="2800" dirty="0" smtClean="0"/>
-              <a:t>value</a:t>
+              <a:t>	Given 7-bit output vector is converted into a single float value</a:t>
             </a:r>
             <a:r>
               <a:rPr lang="en-IN" sz="2800" baseline="30000" dirty="0" smtClean="0"/>
@@ -5592,7 +5588,6 @@
               <a:rPr lang="en-IN" sz="2800" dirty="0" smtClean="0"/>
               <a:t>:</a:t>
             </a:r>
-            <a:endParaRPr lang="en-IN" sz="2800" dirty="0" smtClean="0"/>
           </a:p>
           <a:p>
             <a:pPr algn="ctr">
@@ -6635,7 +6630,7 @@
         <p:spPr>
           <a:xfrm>
             <a:off x="785786" y="71420"/>
-            <a:ext cx="3500462" cy="5014996"/>
+            <a:ext cx="3500462" cy="5014995"/>
           </a:xfrm>
         </p:spPr>
       </p:pic>
@@ -6750,24 +6745,7 @@
                 <a:ea typeface="+mj-ea"/>
                 <a:cs typeface="+mj-cs"/>
               </a:rPr>
-              <a:t>EXECUTION </a:t>
-            </a:r>
-            <a:r>
-              <a:rPr kumimoji="0" lang="en-IN" sz="2400" b="0" i="0" u="none" strike="noStrike" kern="1200" cap="none" spc="300" normalizeH="0" baseline="0" noProof="0" dirty="0" smtClean="0">
-                <a:ln>
-                  <a:noFill/>
-                </a:ln>
-                <a:solidFill>
-                  <a:schemeClr val="tx1"/>
-                </a:solidFill>
-                <a:effectLst/>
-                <a:uLnTx/>
-                <a:uFillTx/>
-                <a:latin typeface="+mj-lt"/>
-                <a:ea typeface="+mj-ea"/>
-                <a:cs typeface="+mj-cs"/>
-              </a:rPr>
-              <a:t>TIME CORRESPONDING </a:t>
+              <a:t>EXECUTION TIME CORRESPONDING </a:t>
             </a:r>
             <a:r>
               <a:rPr kumimoji="0" lang="en-IN" sz="2400" i="0" u="none" strike="noStrike" kern="1200" cap="none" spc="300" normalizeH="0" baseline="0" noProof="0" dirty="0" smtClean="0">
@@ -6818,41 +6796,7 @@
                 <a:ea typeface="+mj-ea"/>
                 <a:cs typeface="+mj-cs"/>
               </a:rPr>
-              <a:t> </a:t>
-            </a:r>
-            <a:r>
-              <a:rPr kumimoji="0" lang="en-IN" sz="2400" b="1" i="0" u="none" strike="noStrike" kern="1200" cap="none" spc="300" normalizeH="0" noProof="0" dirty="0" smtClean="0">
-                <a:ln>
-                  <a:noFill/>
-                </a:ln>
-                <a:solidFill>
-                  <a:schemeClr val="tx1"/>
-                </a:solidFill>
-                <a:effectLst/>
-                <a:uLnTx/>
-                <a:uFillTx/>
-                <a:latin typeface="+mj-lt"/>
-                <a:ea typeface="+mj-ea"/>
-                <a:cs typeface="+mj-cs"/>
-              </a:rPr>
-              <a:t>EXECUTION IN </a:t>
-            </a:r>
-            <a:r>
-              <a:rPr kumimoji="0" lang="en-IN" sz="2400" b="1" i="0" u="none" strike="noStrike" kern="1200" cap="none" spc="300" normalizeH="0" noProof="0" dirty="0" smtClean="0">
-                <a:ln>
-                  <a:noFill/>
-                </a:ln>
-                <a:solidFill>
-                  <a:schemeClr val="tx1"/>
-                </a:solidFill>
-                <a:effectLst/>
-                <a:uLnTx/>
-                <a:uFillTx/>
-                <a:latin typeface="+mj-lt"/>
-                <a:ea typeface="+mj-ea"/>
-                <a:cs typeface="+mj-cs"/>
-              </a:rPr>
-              <a:t>CPU </a:t>
+              <a:t> EXECUTION IN CPU </a:t>
             </a:r>
             <a:r>
               <a:rPr kumimoji="0" lang="en-IN" sz="2400" b="0" i="0" u="none" strike="noStrike" kern="1200" cap="none" spc="300" normalizeH="0" noProof="0" dirty="0" smtClean="0">
@@ -7448,15 +7392,7 @@
             </a:r>
             <a:r>
               <a:rPr lang="en-US" sz="1600" dirty="0" smtClean="0"/>
-              <a:t>, Michael Bittner and Edward R. Dougherty</a:t>
-            </a:r>
-            <a:r>
-              <a:rPr lang="en-US" sz="1600" dirty="0" smtClean="0"/>
-              <a:t>, “</a:t>
-            </a:r>
-            <a:r>
-              <a:rPr lang="en-US" sz="1600" dirty="0" smtClean="0"/>
-              <a:t>Cancer therapy design based on pathway logic”, Bioinformatics, Vol. 27,Advance Access 30 December 2010</a:t>
+              <a:t>, Michael Bittner and Edward R. Dougherty, “Cancer therapy design based on pathway logic”, Bioinformatics, Vol. 27,Advance Access 30 December 2010</a:t>
             </a:r>
           </a:p>
           <a:p>

--- a/finalDocs/ppt.pptx
+++ b/finalDocs/ppt.pptx
@@ -144,6 +144,22 @@
       </a:defRPr>
     </a:lvl9pPr>
   </p:defaultTextStyle>
+  <p:extLst>
+    <p:ext uri="{EFAFB233-063F-42B5-8137-9DF3F51BA10A}">
+      <p15:sldGuideLst xmlns:p15="http://schemas.microsoft.com/office/powerpoint/2012/main">
+        <p15:guide id="1" orient="horz" pos="1620">
+          <p15:clr>
+            <a:srgbClr val="A4A3A4"/>
+          </p15:clr>
+        </p15:guide>
+        <p15:guide id="2" pos="2880">
+          <p15:clr>
+            <a:srgbClr val="A4A3A4"/>
+          </p15:clr>
+        </p15:guide>
+      </p15:sldGuideLst>
+    </p:ext>
+  </p:extLst>
 </p:presentation>
 </file>
 
@@ -329,7 +345,7 @@
             <a:fld id="{C8D6A209-3C13-4EF9-AE0E-A78997FCAA4E}" type="datetimeFigureOut">
               <a:rPr lang="en-US" smtClean="0"/>
               <a:pPr/>
-              <a:t>5/12/2018</a:t>
+              <a:t>5/13/2018</a:t>
             </a:fld>
             <a:endParaRPr lang="en-US"/>
           </a:p>
@@ -496,7 +512,7 @@
             <a:fld id="{C8D6A209-3C13-4EF9-AE0E-A78997FCAA4E}" type="datetimeFigureOut">
               <a:rPr lang="en-US" smtClean="0"/>
               <a:pPr/>
-              <a:t>5/12/2018</a:t>
+              <a:t>5/13/2018</a:t>
             </a:fld>
             <a:endParaRPr lang="en-US"/>
           </a:p>
@@ -673,7 +689,7 @@
             <a:fld id="{C8D6A209-3C13-4EF9-AE0E-A78997FCAA4E}" type="datetimeFigureOut">
               <a:rPr lang="en-US" smtClean="0"/>
               <a:pPr/>
-              <a:t>5/12/2018</a:t>
+              <a:t>5/13/2018</a:t>
             </a:fld>
             <a:endParaRPr lang="en-US"/>
           </a:p>
@@ -840,7 +856,7 @@
             <a:fld id="{C8D6A209-3C13-4EF9-AE0E-A78997FCAA4E}" type="datetimeFigureOut">
               <a:rPr lang="en-US" smtClean="0"/>
               <a:pPr/>
-              <a:t>5/12/2018</a:t>
+              <a:t>5/13/2018</a:t>
             </a:fld>
             <a:endParaRPr lang="en-US"/>
           </a:p>
@@ -1083,7 +1099,7 @@
             <a:fld id="{C8D6A209-3C13-4EF9-AE0E-A78997FCAA4E}" type="datetimeFigureOut">
               <a:rPr lang="en-US" smtClean="0"/>
               <a:pPr/>
-              <a:t>5/12/2018</a:t>
+              <a:t>5/13/2018</a:t>
             </a:fld>
             <a:endParaRPr lang="en-US"/>
           </a:p>
@@ -1368,7 +1384,7 @@
             <a:fld id="{C8D6A209-3C13-4EF9-AE0E-A78997FCAA4E}" type="datetimeFigureOut">
               <a:rPr lang="en-US" smtClean="0"/>
               <a:pPr/>
-              <a:t>5/12/2018</a:t>
+              <a:t>5/13/2018</a:t>
             </a:fld>
             <a:endParaRPr lang="en-US"/>
           </a:p>
@@ -1792,7 +1808,7 @@
             <a:fld id="{C8D6A209-3C13-4EF9-AE0E-A78997FCAA4E}" type="datetimeFigureOut">
               <a:rPr lang="en-US" smtClean="0"/>
               <a:pPr/>
-              <a:t>5/12/2018</a:t>
+              <a:t>5/13/2018</a:t>
             </a:fld>
             <a:endParaRPr lang="en-US"/>
           </a:p>
@@ -1907,7 +1923,7 @@
             <a:fld id="{C8D6A209-3C13-4EF9-AE0E-A78997FCAA4E}" type="datetimeFigureOut">
               <a:rPr lang="en-US" smtClean="0"/>
               <a:pPr/>
-              <a:t>5/12/2018</a:t>
+              <a:t>5/13/2018</a:t>
             </a:fld>
             <a:endParaRPr lang="en-US"/>
           </a:p>
@@ -1999,7 +2015,7 @@
             <a:fld id="{C8D6A209-3C13-4EF9-AE0E-A78997FCAA4E}" type="datetimeFigureOut">
               <a:rPr lang="en-US" smtClean="0"/>
               <a:pPr/>
-              <a:t>5/12/2018</a:t>
+              <a:t>5/13/2018</a:t>
             </a:fld>
             <a:endParaRPr lang="en-US"/>
           </a:p>
@@ -2273,7 +2289,7 @@
             <a:fld id="{C8D6A209-3C13-4EF9-AE0E-A78997FCAA4E}" type="datetimeFigureOut">
               <a:rPr lang="en-US" smtClean="0"/>
               <a:pPr/>
-              <a:t>5/12/2018</a:t>
+              <a:t>5/13/2018</a:t>
             </a:fld>
             <a:endParaRPr lang="en-US"/>
           </a:p>
@@ -2523,7 +2539,7 @@
             <a:fld id="{C8D6A209-3C13-4EF9-AE0E-A78997FCAA4E}" type="datetimeFigureOut">
               <a:rPr lang="en-US" smtClean="0"/>
               <a:pPr/>
-              <a:t>5/12/2018</a:t>
+              <a:t>5/13/2018</a:t>
             </a:fld>
             <a:endParaRPr lang="en-US"/>
           </a:p>
@@ -2733,7 +2749,7 @@
             <a:fld id="{C8D6A209-3C13-4EF9-AE0E-A78997FCAA4E}" type="datetimeFigureOut">
               <a:rPr lang="en-US" smtClean="0"/>
               <a:pPr/>
-              <a:t>5/12/2018</a:t>
+              <a:t>5/13/2018</a:t>
             </a:fld>
             <a:endParaRPr lang="en-US"/>
           </a:p>
@@ -6630,7 +6646,7 @@
         <p:spPr>
           <a:xfrm>
             <a:off x="785786" y="71420"/>
-            <a:ext cx="3500462" cy="5014995"/>
+            <a:ext cx="3500462" cy="5014996"/>
           </a:xfrm>
         </p:spPr>
       </p:pic>
@@ -6748,7 +6764,7 @@
               <a:t>EXECUTION TIME CORRESPONDING </a:t>
             </a:r>
             <a:r>
-              <a:rPr kumimoji="0" lang="en-IN" sz="2400" i="0" u="none" strike="noStrike" kern="1200" cap="none" spc="300" normalizeH="0" baseline="0" noProof="0" dirty="0" smtClean="0">
+              <a:rPr kumimoji="0" lang="en-IN" sz="2400" i="0" u="none" strike="noStrike" kern="1200" cap="none" spc="300" normalizeH="0" baseline="0" noProof="0" smtClean="0">
                 <a:ln>
                   <a:noFill/>
                 </a:ln>
@@ -6765,7 +6781,7 @@
               <a:t>TO</a:t>
             </a:r>
             <a:r>
-              <a:rPr kumimoji="0" lang="en-IN" sz="2400" b="1" i="0" u="none" strike="noStrike" kern="1200" cap="none" spc="300" normalizeH="0" baseline="0" noProof="0" dirty="0" smtClean="0">
+              <a:rPr kumimoji="0" lang="en-IN" sz="2400" b="1" i="0" u="none" strike="noStrike" kern="1200" cap="none" spc="300" normalizeH="0" baseline="0" noProof="0" smtClean="0">
                 <a:ln>
                   <a:noFill/>
                 </a:ln>
@@ -6779,7 +6795,41 @@
                 <a:ea typeface="+mj-ea"/>
                 <a:cs typeface="+mj-cs"/>
               </a:rPr>
-              <a:t> SEQEUNTIAL</a:t>
+              <a:t> </a:t>
+            </a:r>
+            <a:r>
+              <a:rPr kumimoji="0" lang="en-IN" sz="2400" b="1" i="0" u="none" strike="noStrike" kern="1200" cap="none" spc="300" normalizeH="0" baseline="0" noProof="0" smtClean="0">
+                <a:ln>
+                  <a:noFill/>
+                </a:ln>
+                <a:solidFill>
+                  <a:schemeClr val="tx1"/>
+                </a:solidFill>
+                <a:effectLst/>
+                <a:uLnTx/>
+                <a:uFillTx/>
+                <a:latin typeface="+mj-lt"/>
+                <a:ea typeface="+mj-ea"/>
+                <a:cs typeface="+mj-cs"/>
+              </a:rPr>
+              <a:t>SEQUENTIAL</a:t>
+            </a:r>
+            <a:r>
+              <a:rPr kumimoji="0" lang="en-IN" sz="2400" b="1" i="0" u="none" strike="noStrike" kern="1200" cap="none" spc="300" normalizeH="0" noProof="0" smtClean="0">
+                <a:ln>
+                  <a:noFill/>
+                </a:ln>
+                <a:solidFill>
+                  <a:schemeClr val="tx1"/>
+                </a:solidFill>
+                <a:effectLst/>
+                <a:uLnTx/>
+                <a:uFillTx/>
+                <a:latin typeface="+mj-lt"/>
+                <a:ea typeface="+mj-ea"/>
+                <a:cs typeface="+mj-cs"/>
+              </a:rPr>
+              <a:t> </a:t>
             </a:r>
             <a:r>
               <a:rPr kumimoji="0" lang="en-IN" sz="2400" b="1" i="0" u="none" strike="noStrike" kern="1200" cap="none" spc="300" normalizeH="0" noProof="0" dirty="0" smtClean="0">
@@ -6796,7 +6846,7 @@
                 <a:ea typeface="+mj-ea"/>
                 <a:cs typeface="+mj-cs"/>
               </a:rPr>
-              <a:t> EXECUTION IN CPU </a:t>
+              <a:t>EXECUTION IN CPU </a:t>
             </a:r>
             <a:r>
               <a:rPr kumimoji="0" lang="en-IN" sz="2400" b="0" i="0" u="none" strike="noStrike" kern="1200" cap="none" spc="300" normalizeH="0" noProof="0" dirty="0" smtClean="0">
